--- a/homework1/Homework1.pptx
+++ b/homework1/Homework1.pptx
@@ -12,10 +12,14 @@
     <p:sldId id="262" r:id="rId6"/>
     <p:sldId id="266" r:id="rId7"/>
     <p:sldId id="265" r:id="rId8"/>
-    <p:sldId id="264" r:id="rId9"/>
-    <p:sldId id="261" r:id="rId10"/>
-    <p:sldId id="260" r:id="rId11"/>
-    <p:sldId id="259" r:id="rId12"/>
+    <p:sldId id="268" r:id="rId9"/>
+    <p:sldId id="267" r:id="rId10"/>
+    <p:sldId id="270" r:id="rId11"/>
+    <p:sldId id="269" r:id="rId12"/>
+    <p:sldId id="271" r:id="rId13"/>
+    <p:sldId id="261" r:id="rId14"/>
+    <p:sldId id="260" r:id="rId15"/>
+    <p:sldId id="259" r:id="rId16"/>
   </p:sldIdLst>
   <p:sldSz cx="12192000" cy="6858000"/>
   <p:notesSz cx="6858000" cy="9144000"/>
@@ -114,6 +118,11 @@
       </a:defRPr>
     </a:lvl9pPr>
   </p:defaultTextStyle>
+  <p:extLst>
+    <p:ext uri="{EFAFB233-063F-42B5-8137-9DF3F51BA10A}">
+      <p15:sldGuideLst xmlns:p15="http://schemas.microsoft.com/office/powerpoint/2012/main"/>
+    </p:ext>
+  </p:extLst>
 </p:presentation>
 </file>
 
@@ -3576,14 +3585,14 @@
           <a:effectLst/>
           <a:extLst>
             <a:ext uri="{909E8E84-426E-40dd-AFC4-6F175D3DCCD1}">
-              <a14:hiddenFill xmlns:a14="http://schemas.microsoft.com/office/drawing/2010/main" xmlns="">
+              <a14:hiddenFill xmlns="" xmlns:a14="http://schemas.microsoft.com/office/drawing/2010/main">
                 <a:solidFill>
                   <a:srgbClr val="FFFFFF"/>
                 </a:solidFill>
               </a14:hiddenFill>
             </a:ext>
             <a:ext uri="{91240B29-F687-4f45-9708-019B960494DF}">
-              <a14:hiddenLine xmlns:a14="http://schemas.microsoft.com/office/drawing/2010/main" xmlns="" w="9525">
+              <a14:hiddenLine xmlns="" xmlns:a14="http://schemas.microsoft.com/office/drawing/2010/main" w="9525">
                 <a:solidFill>
                   <a:srgbClr val="808080"/>
                 </a:solidFill>
@@ -3593,7 +3602,7 @@
               </a14:hiddenLine>
             </a:ext>
             <a:ext uri="{AF507438-7753-43e0-B8FC-AC1667EBCBE1}">
-              <a14:hiddenEffects xmlns:a14="http://schemas.microsoft.com/office/drawing/2010/main" xmlns="">
+              <a14:hiddenEffects xmlns="" xmlns:a14="http://schemas.microsoft.com/office/drawing/2010/main">
                 <a:effectLst>
                   <a:outerShdw blurRad="63500" dist="38099" dir="2700000" algn="ctr" rotWithShape="0">
                     <a:srgbClr val="000000">
@@ -3918,14 +3927,14 @@
           <a:effectLst/>
           <a:extLst>
             <a:ext uri="{909E8E84-426E-40dd-AFC4-6F175D3DCCD1}">
-              <a14:hiddenFill xmlns:a14="http://schemas.microsoft.com/office/drawing/2010/main" xmlns="">
+              <a14:hiddenFill xmlns="" xmlns:a14="http://schemas.microsoft.com/office/drawing/2010/main">
                 <a:solidFill>
                   <a:srgbClr val="FFFFFF"/>
                 </a:solidFill>
               </a14:hiddenFill>
             </a:ext>
             <a:ext uri="{91240B29-F687-4f45-9708-019B960494DF}">
-              <a14:hiddenLine xmlns:a14="http://schemas.microsoft.com/office/drawing/2010/main" xmlns="" w="9525">
+              <a14:hiddenLine xmlns="" xmlns:a14="http://schemas.microsoft.com/office/drawing/2010/main" w="9525">
                 <a:solidFill>
                   <a:srgbClr val="808080"/>
                 </a:solidFill>
@@ -3935,7 +3944,7 @@
               </a14:hiddenLine>
             </a:ext>
             <a:ext uri="{AF507438-7753-43e0-B8FC-AC1667EBCBE1}">
-              <a14:hiddenEffects xmlns:a14="http://schemas.microsoft.com/office/drawing/2010/main" xmlns="">
+              <a14:hiddenEffects xmlns="" xmlns:a14="http://schemas.microsoft.com/office/drawing/2010/main">
                 <a:effectLst>
                   <a:outerShdw blurRad="63500" dist="38099" dir="2700000" algn="ctr" rotWithShape="0">
                     <a:srgbClr val="000000">
@@ -4418,7 +4427,7 @@
               <a:tabLst/>
               <a:defRPr/>
             </a:pPr>
-            <a:endParaRPr kumimoji="0" lang="it-IT" sz="1351" b="0" i="0" u="none" strike="noStrike" kern="0" cap="none" spc="0" normalizeH="0" baseline="0" noProof="0">
+            <a:endParaRPr kumimoji="0" lang="it-IT" sz="1351" b="0" i="0" u="none" strike="noStrike" kern="0" cap="none" spc="0" normalizeH="0" baseline="0" noProof="0" dirty="0">
               <a:ln>
                 <a:noFill/>
               </a:ln>
@@ -4536,15 +4545,6 @@
               <a:defRPr/>
             </a:pPr>
             <a:r>
-              <a:rPr lang="it-IT" sz="4200" b="1" i="1" dirty="0">
-                <a:solidFill>
-                  <a:sysClr val="window" lastClr="FFFFFF"/>
-                </a:solidFill>
-                <a:latin typeface="Calibri"/>
-              </a:rPr>
-              <a:t>L</a:t>
-            </a:r>
-            <a:r>
               <a:rPr kumimoji="0" lang="it-IT" sz="4200" b="1" i="1" u="none" strike="noStrike" kern="1200" cap="none" spc="0" normalizeH="0" baseline="0" noProof="0" dirty="0" err="1">
                 <a:ln>
                   <a:noFill/>
@@ -4559,7 +4559,7 @@
                 <a:ea typeface="+mj-ea"/>
                 <a:cs typeface="+mj-cs"/>
               </a:rPr>
-              <a:t>earnt</a:t>
+              <a:t>Average</a:t>
             </a:r>
             <a:r>
               <a:rPr kumimoji="0" lang="it-IT" sz="4200" b="1" i="1" u="none" strike="noStrike" kern="1200" cap="none" spc="0" normalizeH="0" baseline="0" noProof="0" dirty="0">
@@ -4593,123 +4593,259 @@
                 <a:ea typeface="+mj-ea"/>
                 <a:cs typeface="+mj-cs"/>
               </a:rPr>
-              <a:t>lessons</a:t>
-            </a:r>
-            <a:r>
-              <a:rPr kumimoji="0" lang="it-IT" sz="4200" b="1" i="1" u="none" strike="noStrike" kern="1200" cap="none" spc="0" normalizeH="0" baseline="0" noProof="0" dirty="0">
-                <a:ln>
-                  <a:noFill/>
-                </a:ln>
-                <a:solidFill>
-                  <a:sysClr val="window" lastClr="FFFFFF"/>
-                </a:solidFill>
-                <a:effectLst/>
-                <a:uLnTx/>
-                <a:uFillTx/>
-                <a:latin typeface="Calibri"/>
-                <a:ea typeface="+mj-ea"/>
-                <a:cs typeface="+mj-cs"/>
-              </a:rPr>
-              <a:t>  </a:t>
-            </a:r>
+              <a:t>tables</a:t>
+            </a:r>
+            <a:endParaRPr kumimoji="0" lang="it-IT" sz="4200" b="1" i="1" u="none" strike="noStrike" kern="1200" cap="none" spc="0" normalizeH="0" baseline="0" noProof="0" dirty="0">
+              <a:ln>
+                <a:noFill/>
+              </a:ln>
+              <a:solidFill>
+                <a:sysClr val="window" lastClr="FFFFFF"/>
+              </a:solidFill>
+              <a:effectLst/>
+              <a:uLnTx/>
+              <a:uFillTx/>
+              <a:latin typeface="Calibri"/>
+              <a:ea typeface="+mj-ea"/>
+              <a:cs typeface="+mj-cs"/>
+            </a:endParaRPr>
           </a:p>
         </p:txBody>
       </p:sp>
-      <p:sp>
-        <p:nvSpPr>
-          <p:cNvPr id="2" name="CasellaDiTesto 1">
-            <a:extLst>
-              <a:ext uri="{FF2B5EF4-FFF2-40B4-BE49-F238E27FC236}">
-                <a16:creationId xmlns:a16="http://schemas.microsoft.com/office/drawing/2014/main" id="{020E2C89-7C6B-45D7-8D3B-5B4E0D4BCF11}"/>
-              </a:ext>
-            </a:extLst>
-          </p:cNvPr>
-          <p:cNvSpPr txBox="1"/>
-          <p:nvPr/>
-        </p:nvSpPr>
-        <p:spPr>
-          <a:xfrm>
-            <a:off x="2153634" y="2274838"/>
-            <a:ext cx="7745731" cy="2308324"/>
-          </a:xfrm>
-          <a:prstGeom prst="rect">
-            <a:avLst/>
-          </a:prstGeom>
-          <a:noFill/>
-        </p:spPr>
-        <p:txBody>
-          <a:bodyPr wrap="square" rtlCol="0">
-            <a:spAutoFit/>
-          </a:bodyPr>
-          <a:lstStyle/>
-          <a:p>
-            <a:pPr marL="285750" indent="-285750">
-              <a:buFont typeface="Arial" panose="020B0604020202020204" pitchFamily="34" charset="0"/>
-              <a:buChar char="•"/>
-            </a:pPr>
-            <a:r>
-              <a:rPr lang="it-IT" sz="3600" b="1" dirty="0" err="1"/>
-              <a:t>Importance</a:t>
-            </a:r>
-            <a:r>
-              <a:rPr lang="it-IT" sz="3600" b="1" dirty="0"/>
-              <a:t> of Data </a:t>
-            </a:r>
-            <a:r>
-              <a:rPr lang="it-IT" sz="3600" b="1" dirty="0" err="1"/>
-              <a:t>Standardization</a:t>
-            </a:r>
-            <a:endParaRPr lang="it-IT" sz="3600" b="1" dirty="0"/>
-          </a:p>
-          <a:p>
-            <a:endParaRPr lang="it-IT" sz="1600" b="1" dirty="0"/>
-          </a:p>
-          <a:p>
-            <a:pPr marL="285750" indent="-285750">
-              <a:buFont typeface="Arial" panose="020B0604020202020204" pitchFamily="34" charset="0"/>
-              <a:buChar char="•"/>
-            </a:pPr>
-            <a:r>
-              <a:rPr lang="it-IT" sz="3600" b="1" dirty="0" err="1"/>
-              <a:t>Error</a:t>
-            </a:r>
-            <a:r>
-              <a:rPr lang="it-IT" sz="3600" b="1" dirty="0"/>
-              <a:t> Handling</a:t>
-            </a:r>
-          </a:p>
-          <a:p>
-            <a:endParaRPr lang="it-IT" b="1" dirty="0"/>
-          </a:p>
-          <a:p>
-            <a:pPr marL="285750" indent="-285750">
-              <a:buFont typeface="Arial" panose="020B0604020202020204" pitchFamily="34" charset="0"/>
-              <a:buChar char="•"/>
-            </a:pPr>
-            <a:r>
-              <a:rPr lang="it-IT" sz="3600" b="1" dirty="0"/>
-              <a:t>Regular </a:t>
-            </a:r>
-            <a:r>
-              <a:rPr lang="it-IT" sz="3600" b="1" dirty="0" err="1"/>
-              <a:t>Expressions</a:t>
-            </a:r>
-            <a:r>
-              <a:rPr lang="it-IT" sz="3600" b="1" dirty="0"/>
-              <a:t> and </a:t>
-            </a:r>
-            <a:r>
-              <a:rPr lang="it-IT" sz="3600" b="1" dirty="0" err="1"/>
-              <a:t>XPath</a:t>
-            </a:r>
-            <a:endParaRPr lang="it-IT" sz="3600" b="1" dirty="0"/>
-          </a:p>
-        </p:txBody>
-      </p:sp>
+      <p:graphicFrame>
+        <p:nvGraphicFramePr>
+          <p:cNvPr id="8" name="Tabella 2">
+            <a:extLst>
+              <a:ext uri="{FF2B5EF4-FFF2-40B4-BE49-F238E27FC236}">
+                <a16:creationId xmlns:a16="http://schemas.microsoft.com/office/drawing/2014/main" id="{3C25C8D0-511F-4D08-AC2C-99C17E0ACB13}"/>
+              </a:ext>
+            </a:extLst>
+          </p:cNvPr>
+          <p:cNvGraphicFramePr>
+            <a:graphicFrameLocks noGrp="1"/>
+          </p:cNvGraphicFramePr>
+          <p:nvPr>
+            <p:extLst>
+              <p:ext uri="{D42A27DB-BD31-4B8C-83A1-F6EECF244321}">
+                <p14:modId xmlns:p14="http://schemas.microsoft.com/office/powerpoint/2010/main" val="3335146425"/>
+              </p:ext>
+            </p:extLst>
+          </p:nvPr>
+        </p:nvGraphicFramePr>
+        <p:xfrm>
+          <a:off x="1254650" y="2217208"/>
+          <a:ext cx="9543700" cy="2640648"/>
+        </p:xfrm>
+        <a:graphic>
+          <a:graphicData uri="http://schemas.openxmlformats.org/drawingml/2006/table">
+            <a:tbl>
+              <a:tblPr firstRow="1" bandRow="1">
+                <a:tableStyleId>{5C22544A-7EE6-4342-B048-85BDC9FD1C3A}</a:tableStyleId>
+              </a:tblPr>
+              <a:tblGrid>
+                <a:gridCol w="4771850">
+                  <a:extLst>
+                    <a:ext uri="{9D8B030D-6E8A-4147-A177-3AD203B41FA5}">
+                      <a16:colId xmlns:a16="http://schemas.microsoft.com/office/drawing/2014/main" val="2984667934"/>
+                    </a:ext>
+                  </a:extLst>
+                </a:gridCol>
+                <a:gridCol w="4771850">
+                  <a:extLst>
+                    <a:ext uri="{9D8B030D-6E8A-4147-A177-3AD203B41FA5}">
+                      <a16:colId xmlns:a16="http://schemas.microsoft.com/office/drawing/2014/main" val="3060977030"/>
+                    </a:ext>
+                  </a:extLst>
+                </a:gridCol>
+              </a:tblGrid>
+              <a:tr h="605896">
+                <a:tc>
+                  <a:txBody>
+                    <a:bodyPr/>
+                    <a:lstStyle/>
+                    <a:p>
+                      <a:pPr algn="l"/>
+                      <a:r>
+                        <a:rPr lang="it-IT" sz="2400" dirty="0" err="1"/>
+                        <a:t>Topic</a:t>
+                      </a:r>
+                      <a:endParaRPr lang="it-IT" sz="2400" dirty="0"/>
+                    </a:p>
+                  </a:txBody>
+                  <a:tcPr anchor="ctr"/>
+                </a:tc>
+                <a:tc>
+                  <a:txBody>
+                    <a:bodyPr/>
+                    <a:lstStyle/>
+                    <a:p>
+                      <a:pPr algn="l"/>
+                      <a:r>
+                        <a:rPr lang="en-US" sz="2400" dirty="0"/>
+                        <a:t>Average number of tables per JSON file</a:t>
+                      </a:r>
+                      <a:endParaRPr lang="it-IT" sz="2400" dirty="0"/>
+                    </a:p>
+                  </a:txBody>
+                  <a:tcPr anchor="ctr"/>
+                </a:tc>
+                <a:extLst>
+                  <a:ext uri="{0D108BD9-81ED-4DB2-BD59-A6C34878D82A}">
+                    <a16:rowId xmlns:a16="http://schemas.microsoft.com/office/drawing/2014/main" val="789778474"/>
+                  </a:ext>
+                </a:extLst>
+              </a:tr>
+              <a:tr h="605896">
+                <a:tc>
+                  <a:txBody>
+                    <a:bodyPr/>
+                    <a:lstStyle/>
+                    <a:p>
+                      <a:pPr algn="l"/>
+                      <a:r>
+                        <a:rPr lang="it-IT" sz="2400" b="0" kern="1200" dirty="0" err="1">
+                          <a:solidFill>
+                            <a:schemeClr val="dk1"/>
+                          </a:solidFill>
+                          <a:effectLst/>
+                        </a:rPr>
+                        <a:t>Retrieval</a:t>
+                      </a:r>
+                      <a:r>
+                        <a:rPr lang="it-IT" sz="2400" b="0" kern="1200" dirty="0">
+                          <a:solidFill>
+                            <a:schemeClr val="dk1"/>
+                          </a:solidFill>
+                          <a:effectLst/>
+                        </a:rPr>
+                        <a:t> </a:t>
+                      </a:r>
+                      <a:r>
+                        <a:rPr lang="it-IT" sz="2400" b="0" kern="1200" dirty="0" err="1">
+                          <a:solidFill>
+                            <a:schemeClr val="dk1"/>
+                          </a:solidFill>
+                          <a:effectLst/>
+                        </a:rPr>
+                        <a:t>Augmented</a:t>
+                      </a:r>
+                      <a:r>
+                        <a:rPr lang="it-IT" sz="2400" b="0" kern="1200" dirty="0">
+                          <a:solidFill>
+                            <a:schemeClr val="dk1"/>
+                          </a:solidFill>
+                          <a:effectLst/>
+                        </a:rPr>
+                        <a:t> Generation</a:t>
+                      </a:r>
+                      <a:endParaRPr lang="it-IT" sz="2400" dirty="0"/>
+                    </a:p>
+                  </a:txBody>
+                  <a:tcPr anchor="ctr"/>
+                </a:tc>
+                <a:tc>
+                  <a:txBody>
+                    <a:bodyPr/>
+                    <a:lstStyle/>
+                    <a:p>
+                      <a:pPr algn="l"/>
+                      <a:r>
+                        <a:rPr lang="it-IT" sz="2400" u="none" dirty="0"/>
+                        <a:t>11,33</a:t>
+                      </a:r>
+                    </a:p>
+                  </a:txBody>
+                  <a:tcPr anchor="ctr"/>
+                </a:tc>
+                <a:extLst>
+                  <a:ext uri="{0D108BD9-81ED-4DB2-BD59-A6C34878D82A}">
+                    <a16:rowId xmlns:a16="http://schemas.microsoft.com/office/drawing/2014/main" val="2415826370"/>
+                  </a:ext>
+                </a:extLst>
+              </a:tr>
+              <a:tr h="605896">
+                <a:tc>
+                  <a:txBody>
+                    <a:bodyPr/>
+                    <a:lstStyle/>
+                    <a:p>
+                      <a:pPr algn="l"/>
+                      <a:r>
+                        <a:rPr lang="it-IT" sz="2400" dirty="0"/>
+                        <a:t>Data Fusion</a:t>
+                      </a:r>
+                    </a:p>
+                  </a:txBody>
+                  <a:tcPr anchor="ctr"/>
+                </a:tc>
+                <a:tc>
+                  <a:txBody>
+                    <a:bodyPr/>
+                    <a:lstStyle/>
+                    <a:p>
+                      <a:pPr algn="l"/>
+                      <a:r>
+                        <a:rPr lang="it-IT" sz="2400" dirty="0"/>
+                        <a:t>19,5</a:t>
+                      </a:r>
+                    </a:p>
+                  </a:txBody>
+                  <a:tcPr anchor="ctr"/>
+                </a:tc>
+                <a:extLst>
+                  <a:ext uri="{0D108BD9-81ED-4DB2-BD59-A6C34878D82A}">
+                    <a16:rowId xmlns:a16="http://schemas.microsoft.com/office/drawing/2014/main" val="1107241392"/>
+                  </a:ext>
+                </a:extLst>
+              </a:tr>
+              <a:tr h="605896">
+                <a:tc>
+                  <a:txBody>
+                    <a:bodyPr/>
+                    <a:lstStyle/>
+                    <a:p>
+                      <a:pPr algn="l"/>
+                      <a:r>
+                        <a:rPr lang="it-IT" sz="2400" dirty="0"/>
+                        <a:t>Data </a:t>
+                      </a:r>
+                      <a:r>
+                        <a:rPr lang="it-IT" sz="2400" dirty="0" err="1"/>
+                        <a:t>Cleaning</a:t>
+                      </a:r>
+                      <a:endParaRPr lang="it-IT" sz="2400" dirty="0"/>
+                    </a:p>
+                  </a:txBody>
+                  <a:tcPr anchor="ctr"/>
+                </a:tc>
+                <a:tc>
+                  <a:txBody>
+                    <a:bodyPr/>
+                    <a:lstStyle/>
+                    <a:p>
+                      <a:pPr algn="l"/>
+                      <a:r>
+                        <a:rPr lang="it-IT" sz="2400" dirty="0"/>
+                        <a:t>30,28</a:t>
+                      </a:r>
+                    </a:p>
+                  </a:txBody>
+                  <a:tcPr anchor="ctr"/>
+                </a:tc>
+                <a:extLst>
+                  <a:ext uri="{0D108BD9-81ED-4DB2-BD59-A6C34878D82A}">
+                    <a16:rowId xmlns:a16="http://schemas.microsoft.com/office/drawing/2014/main" val="1669083752"/>
+                  </a:ext>
+                </a:extLst>
+              </a:tr>
+            </a:tbl>
+          </a:graphicData>
+        </a:graphic>
+      </p:graphicFrame>
     </p:spTree>
     <p:extLst>
       <p:ext uri="{BB962C8B-B14F-4D97-AF65-F5344CB8AC3E}">
-        <p14:creationId xmlns:p14="http://schemas.microsoft.com/office/powerpoint/2010/main" val="2522121914"/>
+        <p14:creationId xmlns:p14="http://schemas.microsoft.com/office/powerpoint/2010/main" val="1454813740"/>
       </p:ext>
     </p:extLst>
   </p:cSld>
@@ -4836,6 +4972,2062 @@
               <a:tabLst/>
               <a:defRPr/>
             </a:pPr>
+            <a:endParaRPr kumimoji="0" lang="it-IT" sz="1351" b="0" i="0" u="none" strike="noStrike" kern="0" cap="none" spc="0" normalizeH="0" baseline="0" noProof="0">
+              <a:ln>
+                <a:noFill/>
+              </a:ln>
+              <a:solidFill>
+                <a:prstClr val="white"/>
+              </a:solidFill>
+              <a:effectLst/>
+              <a:uLnTx/>
+              <a:uFillTx/>
+              <a:latin typeface="Calibri"/>
+              <a:ea typeface="+mn-ea"/>
+              <a:cs typeface="+mn-cs"/>
+            </a:endParaRPr>
+          </a:p>
+        </p:txBody>
+      </p:sp>
+      <p:pic>
+        <p:nvPicPr>
+          <p:cNvPr id="6" name="Immagine 5">
+            <a:extLst>
+              <a:ext uri="{FF2B5EF4-FFF2-40B4-BE49-F238E27FC236}">
+                <a16:creationId xmlns:a16="http://schemas.microsoft.com/office/drawing/2014/main" id="{B6ED27F2-31E0-4EB3-8925-57C5F875937F}"/>
+              </a:ext>
+            </a:extLst>
+          </p:cNvPr>
+          <p:cNvPicPr>
+            <a:picLocks noChangeAspect="1"/>
+          </p:cNvPicPr>
+          <p:nvPr/>
+        </p:nvPicPr>
+        <p:blipFill>
+          <a:blip r:embed="rId2">
+            <a:extLst>
+              <a:ext uri="{28A0092B-C50C-407E-A947-70E740481C1C}">
+                <a14:useLocalDpi xmlns:a14="http://schemas.microsoft.com/office/drawing/2010/main" val="0"/>
+              </a:ext>
+            </a:extLst>
+          </a:blip>
+          <a:stretch>
+            <a:fillRect/>
+          </a:stretch>
+        </p:blipFill>
+        <p:spPr>
+          <a:xfrm>
+            <a:off x="0" y="-15333"/>
+            <a:ext cx="8190723" cy="853200"/>
+          </a:xfrm>
+          <a:prstGeom prst="rect">
+            <a:avLst/>
+          </a:prstGeom>
+        </p:spPr>
+      </p:pic>
+      <p:sp>
+        <p:nvSpPr>
+          <p:cNvPr id="7" name="Titolo 9">
+            <a:extLst>
+              <a:ext uri="{FF2B5EF4-FFF2-40B4-BE49-F238E27FC236}">
+                <a16:creationId xmlns:a16="http://schemas.microsoft.com/office/drawing/2014/main" id="{45749890-86AE-4131-97FF-CF8F18E36904}"/>
+              </a:ext>
+            </a:extLst>
+          </p:cNvPr>
+          <p:cNvSpPr txBox="1">
+            <a:spLocks/>
+          </p:cNvSpPr>
+          <p:nvPr/>
+        </p:nvSpPr>
+        <p:spPr>
+          <a:xfrm>
+            <a:off x="-30144" y="-2188"/>
+            <a:ext cx="12113288" cy="848875"/>
+          </a:xfrm>
+          <a:prstGeom prst="rect">
+            <a:avLst/>
+          </a:prstGeom>
+        </p:spPr>
+        <p:txBody>
+          <a:bodyPr vert="horz" lIns="91440" tIns="45720" rIns="91440" bIns="45720" rtlCol="0" anchor="ctr">
+            <a:normAutofit/>
+          </a:bodyPr>
+          <a:lstStyle>
+            <a:lvl1pPr algn="l" defTabSz="914400" rtl="0" eaLnBrk="1" latinLnBrk="0" hangingPunct="1">
+              <a:lnSpc>
+                <a:spcPct val="90000"/>
+              </a:lnSpc>
+              <a:spcBef>
+                <a:spcPct val="0"/>
+              </a:spcBef>
+              <a:buNone/>
+              <a:defRPr sz="4400" kern="1200">
+                <a:solidFill>
+                  <a:schemeClr val="tx1"/>
+                </a:solidFill>
+                <a:latin typeface="+mj-lt"/>
+                <a:ea typeface="+mj-ea"/>
+                <a:cs typeface="+mj-cs"/>
+              </a:defRPr>
+            </a:lvl1pPr>
+          </a:lstStyle>
+          <a:p>
+            <a:pPr marL="0" marR="0" lvl="0" indent="0" algn="r" defTabSz="914400" rtl="0" eaLnBrk="1" fontAlgn="auto" latinLnBrk="0" hangingPunct="1">
+              <a:lnSpc>
+                <a:spcPct val="90000"/>
+              </a:lnSpc>
+              <a:spcBef>
+                <a:spcPct val="0"/>
+              </a:spcBef>
+              <a:spcAft>
+                <a:spcPts val="0"/>
+              </a:spcAft>
+              <a:buClrTx/>
+              <a:buSzTx/>
+              <a:buFontTx/>
+              <a:buNone/>
+              <a:tabLst/>
+              <a:defRPr/>
+            </a:pPr>
+            <a:r>
+              <a:rPr kumimoji="0" lang="it-IT" sz="4200" b="1" i="1" u="none" strike="noStrike" kern="1200" cap="none" spc="0" normalizeH="0" baseline="0" noProof="0" dirty="0">
+                <a:ln>
+                  <a:noFill/>
+                </a:ln>
+                <a:solidFill>
+                  <a:sysClr val="window" lastClr="FFFFFF"/>
+                </a:solidFill>
+                <a:effectLst/>
+                <a:uLnTx/>
+                <a:uFillTx/>
+                <a:latin typeface="Calibri"/>
+                <a:ea typeface="+mj-ea"/>
+                <a:cs typeface="+mj-cs"/>
+              </a:rPr>
+              <a:t>% </a:t>
+            </a:r>
+            <a:r>
+              <a:rPr kumimoji="0" lang="it-IT" sz="4200" b="1" i="1" u="none" strike="noStrike" kern="1200" cap="none" spc="0" normalizeH="0" baseline="0" noProof="0" dirty="0" err="1">
+                <a:ln>
+                  <a:noFill/>
+                </a:ln>
+                <a:solidFill>
+                  <a:sysClr val="window" lastClr="FFFFFF"/>
+                </a:solidFill>
+                <a:effectLst/>
+                <a:uLnTx/>
+                <a:uFillTx/>
+                <a:latin typeface="Calibri"/>
+                <a:ea typeface="+mj-ea"/>
+                <a:cs typeface="+mj-cs"/>
+              </a:rPr>
+              <a:t>tables</a:t>
+            </a:r>
+            <a:r>
+              <a:rPr lang="it-IT" sz="4200" b="1" i="1" dirty="0">
+                <a:solidFill>
+                  <a:sysClr val="window" lastClr="FFFFFF"/>
+                </a:solidFill>
+                <a:latin typeface="Calibri"/>
+              </a:rPr>
+              <a:t> </a:t>
+            </a:r>
+            <a:r>
+              <a:rPr kumimoji="0" lang="it-IT" sz="4200" b="1" i="1" u="none" strike="noStrike" kern="1200" cap="none" spc="0" normalizeH="0" baseline="0" noProof="0" dirty="0">
+                <a:ln>
+                  <a:noFill/>
+                </a:ln>
+                <a:solidFill>
+                  <a:sysClr val="window" lastClr="FFFFFF"/>
+                </a:solidFill>
+                <a:effectLst/>
+                <a:uLnTx/>
+                <a:uFillTx/>
+                <a:latin typeface="Calibri"/>
+                <a:ea typeface="+mj-ea"/>
+                <a:cs typeface="+mj-cs"/>
+              </a:rPr>
+              <a:t>with</a:t>
+            </a:r>
+            <a:r>
+              <a:rPr lang="it-IT" sz="4200" b="1" i="1" dirty="0">
+                <a:solidFill>
+                  <a:sysClr val="window" lastClr="FFFFFF"/>
+                </a:solidFill>
+                <a:latin typeface="Calibri"/>
+              </a:rPr>
+              <a:t> </a:t>
+            </a:r>
+            <a:r>
+              <a:rPr kumimoji="0" lang="it-IT" sz="4200" b="1" i="1" u="none" strike="noStrike" kern="1200" cap="none" spc="0" normalizeH="0" baseline="0" noProof="0" dirty="0" err="1">
+                <a:ln>
+                  <a:noFill/>
+                </a:ln>
+                <a:solidFill>
+                  <a:sysClr val="window" lastClr="FFFFFF"/>
+                </a:solidFill>
+                <a:effectLst/>
+                <a:uLnTx/>
+                <a:uFillTx/>
+                <a:latin typeface="Calibri"/>
+                <a:ea typeface="+mj-ea"/>
+                <a:cs typeface="+mj-cs"/>
+              </a:rPr>
+              <a:t>references</a:t>
+            </a:r>
+            <a:endParaRPr kumimoji="0" lang="it-IT" sz="4200" b="1" i="1" u="none" strike="noStrike" kern="1200" cap="none" spc="0" normalizeH="0" baseline="0" noProof="0" dirty="0">
+              <a:ln>
+                <a:noFill/>
+              </a:ln>
+              <a:solidFill>
+                <a:sysClr val="window" lastClr="FFFFFF"/>
+              </a:solidFill>
+              <a:effectLst/>
+              <a:uLnTx/>
+              <a:uFillTx/>
+              <a:latin typeface="Calibri"/>
+              <a:ea typeface="+mj-ea"/>
+              <a:cs typeface="+mj-cs"/>
+            </a:endParaRPr>
+          </a:p>
+        </p:txBody>
+      </p:sp>
+      <p:graphicFrame>
+        <p:nvGraphicFramePr>
+          <p:cNvPr id="8" name="Tabella 2">
+            <a:extLst>
+              <a:ext uri="{FF2B5EF4-FFF2-40B4-BE49-F238E27FC236}">
+                <a16:creationId xmlns:a16="http://schemas.microsoft.com/office/drawing/2014/main" id="{A9AE8895-3731-485B-9EA1-F3026EF7B53A}"/>
+              </a:ext>
+            </a:extLst>
+          </p:cNvPr>
+          <p:cNvGraphicFramePr>
+            <a:graphicFrameLocks noGrp="1"/>
+          </p:cNvGraphicFramePr>
+          <p:nvPr>
+            <p:extLst>
+              <p:ext uri="{D42A27DB-BD31-4B8C-83A1-F6EECF244321}">
+                <p14:modId xmlns:p14="http://schemas.microsoft.com/office/powerpoint/2010/main" val="3085988796"/>
+              </p:ext>
+            </p:extLst>
+          </p:nvPr>
+        </p:nvGraphicFramePr>
+        <p:xfrm>
+          <a:off x="1254650" y="2217208"/>
+          <a:ext cx="9543700" cy="2640648"/>
+        </p:xfrm>
+        <a:graphic>
+          <a:graphicData uri="http://schemas.openxmlformats.org/drawingml/2006/table">
+            <a:tbl>
+              <a:tblPr firstRow="1" bandRow="1">
+                <a:tableStyleId>{5C22544A-7EE6-4342-B048-85BDC9FD1C3A}</a:tableStyleId>
+              </a:tblPr>
+              <a:tblGrid>
+                <a:gridCol w="4771850">
+                  <a:extLst>
+                    <a:ext uri="{9D8B030D-6E8A-4147-A177-3AD203B41FA5}">
+                      <a16:colId xmlns:a16="http://schemas.microsoft.com/office/drawing/2014/main" val="2984667934"/>
+                    </a:ext>
+                  </a:extLst>
+                </a:gridCol>
+                <a:gridCol w="4771850">
+                  <a:extLst>
+                    <a:ext uri="{9D8B030D-6E8A-4147-A177-3AD203B41FA5}">
+                      <a16:colId xmlns:a16="http://schemas.microsoft.com/office/drawing/2014/main" val="3060977030"/>
+                    </a:ext>
+                  </a:extLst>
+                </a:gridCol>
+              </a:tblGrid>
+              <a:tr h="605896">
+                <a:tc>
+                  <a:txBody>
+                    <a:bodyPr/>
+                    <a:lstStyle/>
+                    <a:p>
+                      <a:pPr algn="l"/>
+                      <a:r>
+                        <a:rPr lang="it-IT" sz="2400" dirty="0" err="1"/>
+                        <a:t>Topic</a:t>
+                      </a:r>
+                      <a:endParaRPr lang="it-IT" sz="2400" dirty="0"/>
+                    </a:p>
+                  </a:txBody>
+                  <a:tcPr anchor="ctr"/>
+                </a:tc>
+                <a:tc>
+                  <a:txBody>
+                    <a:bodyPr/>
+                    <a:lstStyle/>
+                    <a:p>
+                      <a:pPr algn="l"/>
+                      <a:r>
+                        <a:rPr lang="en-US" sz="2400" dirty="0" err="1"/>
+                        <a:t>Percantage</a:t>
+                      </a:r>
+                      <a:r>
+                        <a:rPr lang="en-US" sz="2400" dirty="0"/>
+                        <a:t> of tables with references</a:t>
+                      </a:r>
+                      <a:endParaRPr lang="it-IT" sz="2400" dirty="0"/>
+                    </a:p>
+                  </a:txBody>
+                  <a:tcPr anchor="ctr"/>
+                </a:tc>
+                <a:extLst>
+                  <a:ext uri="{0D108BD9-81ED-4DB2-BD59-A6C34878D82A}">
+                    <a16:rowId xmlns:a16="http://schemas.microsoft.com/office/drawing/2014/main" val="789778474"/>
+                  </a:ext>
+                </a:extLst>
+              </a:tr>
+              <a:tr h="605896">
+                <a:tc>
+                  <a:txBody>
+                    <a:bodyPr/>
+                    <a:lstStyle/>
+                    <a:p>
+                      <a:pPr algn="l"/>
+                      <a:r>
+                        <a:rPr lang="it-IT" sz="2400" b="0" kern="1200" dirty="0" err="1">
+                          <a:solidFill>
+                            <a:schemeClr val="dk1"/>
+                          </a:solidFill>
+                          <a:effectLst/>
+                        </a:rPr>
+                        <a:t>Retrieval</a:t>
+                      </a:r>
+                      <a:r>
+                        <a:rPr lang="it-IT" sz="2400" b="0" kern="1200" dirty="0">
+                          <a:solidFill>
+                            <a:schemeClr val="dk1"/>
+                          </a:solidFill>
+                          <a:effectLst/>
+                        </a:rPr>
+                        <a:t> </a:t>
+                      </a:r>
+                      <a:r>
+                        <a:rPr lang="it-IT" sz="2400" b="0" kern="1200" dirty="0" err="1">
+                          <a:solidFill>
+                            <a:schemeClr val="dk1"/>
+                          </a:solidFill>
+                          <a:effectLst/>
+                        </a:rPr>
+                        <a:t>Augmented</a:t>
+                      </a:r>
+                      <a:r>
+                        <a:rPr lang="it-IT" sz="2400" b="0" kern="1200" dirty="0">
+                          <a:solidFill>
+                            <a:schemeClr val="dk1"/>
+                          </a:solidFill>
+                          <a:effectLst/>
+                        </a:rPr>
+                        <a:t> Generation</a:t>
+                      </a:r>
+                      <a:endParaRPr lang="it-IT" sz="2400" dirty="0"/>
+                    </a:p>
+                  </a:txBody>
+                  <a:tcPr anchor="ctr"/>
+                </a:tc>
+                <a:tc>
+                  <a:txBody>
+                    <a:bodyPr/>
+                    <a:lstStyle/>
+                    <a:p>
+                      <a:pPr algn="l"/>
+                      <a:r>
+                        <a:rPr lang="it-IT" sz="2400" u="none" dirty="0"/>
+                        <a:t>24,77</a:t>
+                      </a:r>
+                    </a:p>
+                  </a:txBody>
+                  <a:tcPr anchor="ctr"/>
+                </a:tc>
+                <a:extLst>
+                  <a:ext uri="{0D108BD9-81ED-4DB2-BD59-A6C34878D82A}">
+                    <a16:rowId xmlns:a16="http://schemas.microsoft.com/office/drawing/2014/main" val="2415826370"/>
+                  </a:ext>
+                </a:extLst>
+              </a:tr>
+              <a:tr h="605896">
+                <a:tc>
+                  <a:txBody>
+                    <a:bodyPr/>
+                    <a:lstStyle/>
+                    <a:p>
+                      <a:pPr algn="l"/>
+                      <a:r>
+                        <a:rPr lang="it-IT" sz="2400" dirty="0"/>
+                        <a:t>Data Fusion</a:t>
+                      </a:r>
+                    </a:p>
+                  </a:txBody>
+                  <a:tcPr anchor="ctr"/>
+                </a:tc>
+                <a:tc>
+                  <a:txBody>
+                    <a:bodyPr/>
+                    <a:lstStyle/>
+                    <a:p>
+                      <a:pPr algn="l"/>
+                      <a:r>
+                        <a:rPr lang="it-IT" sz="2400" dirty="0"/>
+                        <a:t>34,82</a:t>
+                      </a:r>
+                    </a:p>
+                  </a:txBody>
+                  <a:tcPr anchor="ctr"/>
+                </a:tc>
+                <a:extLst>
+                  <a:ext uri="{0D108BD9-81ED-4DB2-BD59-A6C34878D82A}">
+                    <a16:rowId xmlns:a16="http://schemas.microsoft.com/office/drawing/2014/main" val="1107241392"/>
+                  </a:ext>
+                </a:extLst>
+              </a:tr>
+              <a:tr h="605896">
+                <a:tc>
+                  <a:txBody>
+                    <a:bodyPr/>
+                    <a:lstStyle/>
+                    <a:p>
+                      <a:pPr algn="l"/>
+                      <a:r>
+                        <a:rPr lang="it-IT" sz="2400" dirty="0"/>
+                        <a:t>Data </a:t>
+                      </a:r>
+                      <a:r>
+                        <a:rPr lang="it-IT" sz="2400" dirty="0" err="1"/>
+                        <a:t>Cleaning</a:t>
+                      </a:r>
+                      <a:endParaRPr lang="it-IT" sz="2400" dirty="0"/>
+                    </a:p>
+                  </a:txBody>
+                  <a:tcPr anchor="ctr"/>
+                </a:tc>
+                <a:tc>
+                  <a:txBody>
+                    <a:bodyPr/>
+                    <a:lstStyle/>
+                    <a:p>
+                      <a:pPr algn="l"/>
+                      <a:r>
+                        <a:rPr lang="it-IT" sz="2400" dirty="0"/>
+                        <a:t>58,06</a:t>
+                      </a:r>
+                    </a:p>
+                  </a:txBody>
+                  <a:tcPr anchor="ctr"/>
+                </a:tc>
+                <a:extLst>
+                  <a:ext uri="{0D108BD9-81ED-4DB2-BD59-A6C34878D82A}">
+                    <a16:rowId xmlns:a16="http://schemas.microsoft.com/office/drawing/2014/main" val="1669083752"/>
+                  </a:ext>
+                </a:extLst>
+              </a:tr>
+            </a:tbl>
+          </a:graphicData>
+        </a:graphic>
+      </p:graphicFrame>
+    </p:spTree>
+    <p:extLst>
+      <p:ext uri="{BB962C8B-B14F-4D97-AF65-F5344CB8AC3E}">
+        <p14:creationId xmlns:p14="http://schemas.microsoft.com/office/powerpoint/2010/main" val="863890993"/>
+      </p:ext>
+    </p:extLst>
+  </p:cSld>
+  <p:clrMapOvr>
+    <a:masterClrMapping/>
+  </p:clrMapOvr>
+</p:sld>
+</file>
+
+<file path=ppt/slides/slide12.xml><?xml version="1.0" encoding="utf-8"?>
+<p:sld xmlns:a="http://schemas.openxmlformats.org/drawingml/2006/main" xmlns:r="http://schemas.openxmlformats.org/officeDocument/2006/relationships" xmlns:p="http://schemas.openxmlformats.org/presentationml/2006/main">
+  <p:cSld>
+    <p:spTree>
+      <p:nvGrpSpPr>
+        <p:cNvPr id="1" name=""/>
+        <p:cNvGrpSpPr/>
+        <p:nvPr/>
+      </p:nvGrpSpPr>
+      <p:grpSpPr>
+        <a:xfrm>
+          <a:off x="0" y="0"/>
+          <a:ext cx="0" cy="0"/>
+          <a:chOff x="0" y="0"/>
+          <a:chExt cx="0" cy="0"/>
+        </a:xfrm>
+      </p:grpSpPr>
+      <p:sp>
+        <p:nvSpPr>
+          <p:cNvPr id="4" name="Rettangolo 3">
+            <a:extLst>
+              <a:ext uri="{FF2B5EF4-FFF2-40B4-BE49-F238E27FC236}">
+                <a16:creationId xmlns:a16="http://schemas.microsoft.com/office/drawing/2014/main" id="{3234B922-91EB-46D9-ADFB-DE530F10C933}"/>
+              </a:ext>
+            </a:extLst>
+          </p:cNvPr>
+          <p:cNvSpPr/>
+          <p:nvPr/>
+        </p:nvSpPr>
+        <p:spPr>
+          <a:xfrm>
+            <a:off x="0" y="6536887"/>
+            <a:ext cx="12192000" cy="321115"/>
+          </a:xfrm>
+          <a:prstGeom prst="rect">
+            <a:avLst/>
+          </a:prstGeom>
+          <a:solidFill>
+            <a:srgbClr val="003365"/>
+          </a:solidFill>
+        </p:spPr>
+        <p:style>
+          <a:lnRef idx="2">
+            <a:schemeClr val="accent1">
+              <a:shade val="50000"/>
+            </a:schemeClr>
+          </a:lnRef>
+          <a:fillRef idx="1">
+            <a:schemeClr val="accent1"/>
+          </a:fillRef>
+          <a:effectRef idx="0">
+            <a:schemeClr val="accent1"/>
+          </a:effectRef>
+          <a:fontRef idx="minor">
+            <a:schemeClr val="lt1"/>
+          </a:fontRef>
+        </p:style>
+        <p:txBody>
+          <a:bodyPr rtlCol="0" anchor="ctr"/>
+          <a:lstStyle/>
+          <a:p>
+            <a:pPr algn="ctr"/>
+            <a:endParaRPr lang="it-IT" sz="1351" b="1" dirty="0"/>
+          </a:p>
+        </p:txBody>
+      </p:sp>
+      <p:sp>
+        <p:nvSpPr>
+          <p:cNvPr id="5" name="Rettangolo 4">
+            <a:extLst>
+              <a:ext uri="{FF2B5EF4-FFF2-40B4-BE49-F238E27FC236}">
+                <a16:creationId xmlns:a16="http://schemas.microsoft.com/office/drawing/2014/main" id="{640887F2-24B6-4F98-BA60-077BFE8087AE}"/>
+              </a:ext>
+            </a:extLst>
+          </p:cNvPr>
+          <p:cNvSpPr/>
+          <p:nvPr/>
+        </p:nvSpPr>
+        <p:spPr>
+          <a:xfrm>
+            <a:off x="0" y="-15333"/>
+            <a:ext cx="12192000" cy="867601"/>
+          </a:xfrm>
+          <a:prstGeom prst="rect">
+            <a:avLst/>
+          </a:prstGeom>
+          <a:solidFill>
+            <a:srgbClr val="003365"/>
+          </a:solidFill>
+          <a:ln w="12700" cap="flat" cmpd="sng" algn="ctr">
+            <a:noFill/>
+            <a:prstDash val="solid"/>
+            <a:miter lim="800000"/>
+          </a:ln>
+          <a:effectLst/>
+        </p:spPr>
+        <p:txBody>
+          <a:bodyPr rtlCol="0" anchor="ctr"/>
+          <a:lstStyle/>
+          <a:p>
+            <a:pPr marL="0" marR="0" lvl="0" indent="0" algn="ctr" defTabSz="914400" eaLnBrk="1" fontAlgn="auto" latinLnBrk="0" hangingPunct="1">
+              <a:lnSpc>
+                <a:spcPct val="100000"/>
+              </a:lnSpc>
+              <a:spcBef>
+                <a:spcPts val="0"/>
+              </a:spcBef>
+              <a:spcAft>
+                <a:spcPts val="0"/>
+              </a:spcAft>
+              <a:buClrTx/>
+              <a:buSzTx/>
+              <a:buFontTx/>
+              <a:buNone/>
+              <a:tabLst/>
+              <a:defRPr/>
+            </a:pPr>
+            <a:endParaRPr kumimoji="0" lang="it-IT" sz="1351" b="0" i="0" u="none" strike="noStrike" kern="0" cap="none" spc="0" normalizeH="0" baseline="0" noProof="0">
+              <a:ln>
+                <a:noFill/>
+              </a:ln>
+              <a:solidFill>
+                <a:prstClr val="white"/>
+              </a:solidFill>
+              <a:effectLst/>
+              <a:uLnTx/>
+              <a:uFillTx/>
+              <a:latin typeface="Calibri"/>
+              <a:ea typeface="+mn-ea"/>
+              <a:cs typeface="+mn-cs"/>
+            </a:endParaRPr>
+          </a:p>
+        </p:txBody>
+      </p:sp>
+      <p:pic>
+        <p:nvPicPr>
+          <p:cNvPr id="6" name="Immagine 5">
+            <a:extLst>
+              <a:ext uri="{FF2B5EF4-FFF2-40B4-BE49-F238E27FC236}">
+                <a16:creationId xmlns:a16="http://schemas.microsoft.com/office/drawing/2014/main" id="{B6ED27F2-31E0-4EB3-8925-57C5F875937F}"/>
+              </a:ext>
+            </a:extLst>
+          </p:cNvPr>
+          <p:cNvPicPr>
+            <a:picLocks noChangeAspect="1"/>
+          </p:cNvPicPr>
+          <p:nvPr/>
+        </p:nvPicPr>
+        <p:blipFill>
+          <a:blip r:embed="rId2">
+            <a:extLst>
+              <a:ext uri="{28A0092B-C50C-407E-A947-70E740481C1C}">
+                <a14:useLocalDpi xmlns:a14="http://schemas.microsoft.com/office/drawing/2010/main" val="0"/>
+              </a:ext>
+            </a:extLst>
+          </a:blip>
+          <a:stretch>
+            <a:fillRect/>
+          </a:stretch>
+        </p:blipFill>
+        <p:spPr>
+          <a:xfrm>
+            <a:off x="0" y="-15333"/>
+            <a:ext cx="8190723" cy="853200"/>
+          </a:xfrm>
+          <a:prstGeom prst="rect">
+            <a:avLst/>
+          </a:prstGeom>
+        </p:spPr>
+      </p:pic>
+      <p:sp>
+        <p:nvSpPr>
+          <p:cNvPr id="7" name="Titolo 9">
+            <a:extLst>
+              <a:ext uri="{FF2B5EF4-FFF2-40B4-BE49-F238E27FC236}">
+                <a16:creationId xmlns:a16="http://schemas.microsoft.com/office/drawing/2014/main" id="{45749890-86AE-4131-97FF-CF8F18E36904}"/>
+              </a:ext>
+            </a:extLst>
+          </p:cNvPr>
+          <p:cNvSpPr txBox="1">
+            <a:spLocks/>
+          </p:cNvSpPr>
+          <p:nvPr/>
+        </p:nvSpPr>
+        <p:spPr>
+          <a:xfrm>
+            <a:off x="-30144" y="-2188"/>
+            <a:ext cx="12113288" cy="848875"/>
+          </a:xfrm>
+          <a:prstGeom prst="rect">
+            <a:avLst/>
+          </a:prstGeom>
+        </p:spPr>
+        <p:txBody>
+          <a:bodyPr vert="horz" lIns="91440" tIns="45720" rIns="91440" bIns="45720" rtlCol="0" anchor="ctr">
+            <a:normAutofit/>
+          </a:bodyPr>
+          <a:lstStyle>
+            <a:lvl1pPr algn="l" defTabSz="914400" rtl="0" eaLnBrk="1" latinLnBrk="0" hangingPunct="1">
+              <a:lnSpc>
+                <a:spcPct val="90000"/>
+              </a:lnSpc>
+              <a:spcBef>
+                <a:spcPct val="0"/>
+              </a:spcBef>
+              <a:buNone/>
+              <a:defRPr sz="4400" kern="1200">
+                <a:solidFill>
+                  <a:schemeClr val="tx1"/>
+                </a:solidFill>
+                <a:latin typeface="+mj-lt"/>
+                <a:ea typeface="+mj-ea"/>
+                <a:cs typeface="+mj-cs"/>
+              </a:defRPr>
+            </a:lvl1pPr>
+          </a:lstStyle>
+          <a:p>
+            <a:pPr marL="0" marR="0" lvl="0" indent="0" algn="r" defTabSz="914400" rtl="0" eaLnBrk="1" fontAlgn="auto" latinLnBrk="0" hangingPunct="1">
+              <a:lnSpc>
+                <a:spcPct val="90000"/>
+              </a:lnSpc>
+              <a:spcBef>
+                <a:spcPct val="0"/>
+              </a:spcBef>
+              <a:spcAft>
+                <a:spcPts val="0"/>
+              </a:spcAft>
+              <a:buClrTx/>
+              <a:buSzTx/>
+              <a:buFontTx/>
+              <a:buNone/>
+              <a:tabLst/>
+              <a:defRPr/>
+            </a:pPr>
+            <a:r>
+              <a:rPr lang="it-IT" sz="4200" b="1" i="1" dirty="0">
+                <a:solidFill>
+                  <a:sysClr val="window" lastClr="FFFFFF"/>
+                </a:solidFill>
+                <a:latin typeface="Calibri"/>
+              </a:rPr>
+              <a:t>T</a:t>
+            </a:r>
+            <a:r>
+              <a:rPr kumimoji="0" lang="it-IT" sz="4200" b="1" i="1" u="none" strike="noStrike" kern="1200" cap="none" spc="0" normalizeH="0" baseline="0" noProof="0" dirty="0" err="1">
+                <a:ln>
+                  <a:noFill/>
+                </a:ln>
+                <a:solidFill>
+                  <a:sysClr val="window" lastClr="FFFFFF"/>
+                </a:solidFill>
+                <a:effectLst/>
+                <a:uLnTx/>
+                <a:uFillTx/>
+                <a:latin typeface="Calibri"/>
+                <a:ea typeface="+mj-ea"/>
+                <a:cs typeface="+mj-cs"/>
+              </a:rPr>
+              <a:t>ables</a:t>
+            </a:r>
+            <a:r>
+              <a:rPr kumimoji="0" lang="it-IT" sz="4200" b="1" i="1" u="none" strike="noStrike" kern="1200" cap="none" spc="0" normalizeH="0" baseline="0" noProof="0" dirty="0">
+                <a:ln>
+                  <a:noFill/>
+                </a:ln>
+                <a:solidFill>
+                  <a:sysClr val="window" lastClr="FFFFFF"/>
+                </a:solidFill>
+                <a:effectLst/>
+                <a:uLnTx/>
+                <a:uFillTx/>
+                <a:latin typeface="Calibri"/>
+                <a:ea typeface="+mj-ea"/>
+                <a:cs typeface="+mj-cs"/>
+              </a:rPr>
+              <a:t> with </a:t>
+            </a:r>
+            <a:r>
+              <a:rPr kumimoji="0" lang="it-IT" sz="4200" b="1" i="1" u="none" strike="noStrike" kern="1200" cap="none" spc="0" normalizeH="0" baseline="0" noProof="0" dirty="0" err="1">
+                <a:ln>
+                  <a:noFill/>
+                </a:ln>
+                <a:solidFill>
+                  <a:sysClr val="window" lastClr="FFFFFF"/>
+                </a:solidFill>
+                <a:effectLst/>
+                <a:uLnTx/>
+                <a:uFillTx/>
+                <a:latin typeface="Calibri"/>
+                <a:ea typeface="+mj-ea"/>
+                <a:cs typeface="+mj-cs"/>
+              </a:rPr>
+              <a:t>empty</a:t>
+            </a:r>
+            <a:r>
+              <a:rPr kumimoji="0" lang="it-IT" sz="4200" b="1" i="1" u="none" strike="noStrike" kern="1200" cap="none" spc="0" normalizeH="0" baseline="0" noProof="0" dirty="0">
+                <a:ln>
+                  <a:noFill/>
+                </a:ln>
+                <a:solidFill>
+                  <a:sysClr val="window" lastClr="FFFFFF"/>
+                </a:solidFill>
+                <a:effectLst/>
+                <a:uLnTx/>
+                <a:uFillTx/>
+                <a:latin typeface="Calibri"/>
+                <a:ea typeface="+mj-ea"/>
+                <a:cs typeface="+mj-cs"/>
+              </a:rPr>
+              <a:t> </a:t>
+            </a:r>
+            <a:r>
+              <a:rPr kumimoji="0" lang="it-IT" sz="4200" b="1" i="1" u="none" strike="noStrike" kern="1200" cap="none" spc="0" normalizeH="0" baseline="0" noProof="0" dirty="0" err="1">
+                <a:ln>
+                  <a:noFill/>
+                </a:ln>
+                <a:solidFill>
+                  <a:sysClr val="window" lastClr="FFFFFF"/>
+                </a:solidFill>
+                <a:effectLst/>
+                <a:uLnTx/>
+                <a:uFillTx/>
+                <a:latin typeface="Calibri"/>
+                <a:ea typeface="+mj-ea"/>
+                <a:cs typeface="+mj-cs"/>
+              </a:rPr>
+              <a:t>caption</a:t>
+            </a:r>
+            <a:endParaRPr kumimoji="0" lang="it-IT" sz="4200" b="1" i="1" u="none" strike="noStrike" kern="1200" cap="none" spc="0" normalizeH="0" baseline="0" noProof="0" dirty="0">
+              <a:ln>
+                <a:noFill/>
+              </a:ln>
+              <a:solidFill>
+                <a:sysClr val="window" lastClr="FFFFFF"/>
+              </a:solidFill>
+              <a:effectLst/>
+              <a:uLnTx/>
+              <a:uFillTx/>
+              <a:latin typeface="Calibri"/>
+              <a:ea typeface="+mj-ea"/>
+              <a:cs typeface="+mj-cs"/>
+            </a:endParaRPr>
+          </a:p>
+        </p:txBody>
+      </p:sp>
+      <p:graphicFrame>
+        <p:nvGraphicFramePr>
+          <p:cNvPr id="8" name="Tabella 2">
+            <a:extLst>
+              <a:ext uri="{FF2B5EF4-FFF2-40B4-BE49-F238E27FC236}">
+                <a16:creationId xmlns:a16="http://schemas.microsoft.com/office/drawing/2014/main" id="{C4E14F5B-EE20-4D4A-ACCB-184B9BB429DF}"/>
+              </a:ext>
+            </a:extLst>
+          </p:cNvPr>
+          <p:cNvGraphicFramePr>
+            <a:graphicFrameLocks noGrp="1"/>
+          </p:cNvGraphicFramePr>
+          <p:nvPr>
+            <p:extLst>
+              <p:ext uri="{D42A27DB-BD31-4B8C-83A1-F6EECF244321}">
+                <p14:modId xmlns:p14="http://schemas.microsoft.com/office/powerpoint/2010/main" val="3172389195"/>
+              </p:ext>
+            </p:extLst>
+          </p:nvPr>
+        </p:nvGraphicFramePr>
+        <p:xfrm>
+          <a:off x="1254650" y="2217208"/>
+          <a:ext cx="9543700" cy="2640648"/>
+        </p:xfrm>
+        <a:graphic>
+          <a:graphicData uri="http://schemas.openxmlformats.org/drawingml/2006/table">
+            <a:tbl>
+              <a:tblPr firstRow="1" bandRow="1">
+                <a:tableStyleId>{5C22544A-7EE6-4342-B048-85BDC9FD1C3A}</a:tableStyleId>
+              </a:tblPr>
+              <a:tblGrid>
+                <a:gridCol w="4771850">
+                  <a:extLst>
+                    <a:ext uri="{9D8B030D-6E8A-4147-A177-3AD203B41FA5}">
+                      <a16:colId xmlns:a16="http://schemas.microsoft.com/office/drawing/2014/main" val="2984667934"/>
+                    </a:ext>
+                  </a:extLst>
+                </a:gridCol>
+                <a:gridCol w="4771850">
+                  <a:extLst>
+                    <a:ext uri="{9D8B030D-6E8A-4147-A177-3AD203B41FA5}">
+                      <a16:colId xmlns:a16="http://schemas.microsoft.com/office/drawing/2014/main" val="3060977030"/>
+                    </a:ext>
+                  </a:extLst>
+                </a:gridCol>
+              </a:tblGrid>
+              <a:tr h="605896">
+                <a:tc>
+                  <a:txBody>
+                    <a:bodyPr/>
+                    <a:lstStyle/>
+                    <a:p>
+                      <a:pPr algn="l"/>
+                      <a:r>
+                        <a:rPr lang="it-IT" sz="2400" dirty="0" err="1"/>
+                        <a:t>Topic</a:t>
+                      </a:r>
+                      <a:endParaRPr lang="it-IT" sz="2400" dirty="0"/>
+                    </a:p>
+                  </a:txBody>
+                  <a:tcPr anchor="ctr"/>
+                </a:tc>
+                <a:tc>
+                  <a:txBody>
+                    <a:bodyPr/>
+                    <a:lstStyle/>
+                    <a:p>
+                      <a:pPr algn="l"/>
+                      <a:r>
+                        <a:rPr lang="en-US" sz="2400" dirty="0"/>
+                        <a:t>Total </a:t>
+                      </a:r>
+                      <a:r>
+                        <a:rPr lang="en-US" sz="2400" dirty="0" err="1"/>
+                        <a:t>numer</a:t>
+                      </a:r>
+                      <a:r>
+                        <a:rPr lang="en-US" sz="2400" dirty="0"/>
+                        <a:t> of tables with empty caption</a:t>
+                      </a:r>
+                      <a:endParaRPr lang="it-IT" sz="2400" dirty="0"/>
+                    </a:p>
+                  </a:txBody>
+                  <a:tcPr anchor="ctr"/>
+                </a:tc>
+                <a:extLst>
+                  <a:ext uri="{0D108BD9-81ED-4DB2-BD59-A6C34878D82A}">
+                    <a16:rowId xmlns:a16="http://schemas.microsoft.com/office/drawing/2014/main" val="789778474"/>
+                  </a:ext>
+                </a:extLst>
+              </a:tr>
+              <a:tr h="605896">
+                <a:tc>
+                  <a:txBody>
+                    <a:bodyPr/>
+                    <a:lstStyle/>
+                    <a:p>
+                      <a:pPr algn="l"/>
+                      <a:r>
+                        <a:rPr lang="it-IT" sz="2400" b="0" kern="1200" dirty="0" err="1">
+                          <a:solidFill>
+                            <a:schemeClr val="dk1"/>
+                          </a:solidFill>
+                          <a:effectLst/>
+                        </a:rPr>
+                        <a:t>Retrieval</a:t>
+                      </a:r>
+                      <a:r>
+                        <a:rPr lang="it-IT" sz="2400" b="0" kern="1200" dirty="0">
+                          <a:solidFill>
+                            <a:schemeClr val="dk1"/>
+                          </a:solidFill>
+                          <a:effectLst/>
+                        </a:rPr>
+                        <a:t> </a:t>
+                      </a:r>
+                      <a:r>
+                        <a:rPr lang="it-IT" sz="2400" b="0" kern="1200" dirty="0" err="1">
+                          <a:solidFill>
+                            <a:schemeClr val="dk1"/>
+                          </a:solidFill>
+                          <a:effectLst/>
+                        </a:rPr>
+                        <a:t>Augmented</a:t>
+                      </a:r>
+                      <a:r>
+                        <a:rPr lang="it-IT" sz="2400" b="0" kern="1200" dirty="0">
+                          <a:solidFill>
+                            <a:schemeClr val="dk1"/>
+                          </a:solidFill>
+                          <a:effectLst/>
+                        </a:rPr>
+                        <a:t> Generation</a:t>
+                      </a:r>
+                      <a:endParaRPr lang="it-IT" sz="2400" dirty="0"/>
+                    </a:p>
+                  </a:txBody>
+                  <a:tcPr anchor="ctr"/>
+                </a:tc>
+                <a:tc>
+                  <a:txBody>
+                    <a:bodyPr/>
+                    <a:lstStyle/>
+                    <a:p>
+                      <a:pPr algn="l"/>
+                      <a:r>
+                        <a:rPr lang="it-IT" sz="2400" u="none" dirty="0"/>
+                        <a:t>1103</a:t>
+                      </a:r>
+                    </a:p>
+                  </a:txBody>
+                  <a:tcPr anchor="ctr"/>
+                </a:tc>
+                <a:extLst>
+                  <a:ext uri="{0D108BD9-81ED-4DB2-BD59-A6C34878D82A}">
+                    <a16:rowId xmlns:a16="http://schemas.microsoft.com/office/drawing/2014/main" val="2415826370"/>
+                  </a:ext>
+                </a:extLst>
+              </a:tr>
+              <a:tr h="605896">
+                <a:tc>
+                  <a:txBody>
+                    <a:bodyPr/>
+                    <a:lstStyle/>
+                    <a:p>
+                      <a:pPr algn="l"/>
+                      <a:r>
+                        <a:rPr lang="it-IT" sz="2400" dirty="0"/>
+                        <a:t>Data Fusion</a:t>
+                      </a:r>
+                    </a:p>
+                  </a:txBody>
+                  <a:tcPr anchor="ctr"/>
+                </a:tc>
+                <a:tc>
+                  <a:txBody>
+                    <a:bodyPr/>
+                    <a:lstStyle/>
+                    <a:p>
+                      <a:pPr algn="l"/>
+                      <a:r>
+                        <a:rPr lang="it-IT" sz="2400" dirty="0"/>
+                        <a:t>1654</a:t>
+                      </a:r>
+                    </a:p>
+                  </a:txBody>
+                  <a:tcPr anchor="ctr"/>
+                </a:tc>
+                <a:extLst>
+                  <a:ext uri="{0D108BD9-81ED-4DB2-BD59-A6C34878D82A}">
+                    <a16:rowId xmlns:a16="http://schemas.microsoft.com/office/drawing/2014/main" val="1107241392"/>
+                  </a:ext>
+                </a:extLst>
+              </a:tr>
+              <a:tr h="605896">
+                <a:tc>
+                  <a:txBody>
+                    <a:bodyPr/>
+                    <a:lstStyle/>
+                    <a:p>
+                      <a:pPr algn="l"/>
+                      <a:r>
+                        <a:rPr lang="it-IT" sz="2400" dirty="0"/>
+                        <a:t>Data </a:t>
+                      </a:r>
+                      <a:r>
+                        <a:rPr lang="it-IT" sz="2400" dirty="0" err="1"/>
+                        <a:t>Cleaning</a:t>
+                      </a:r>
+                      <a:endParaRPr lang="it-IT" sz="2400" dirty="0"/>
+                    </a:p>
+                  </a:txBody>
+                  <a:tcPr anchor="ctr"/>
+                </a:tc>
+                <a:tc>
+                  <a:txBody>
+                    <a:bodyPr/>
+                    <a:lstStyle/>
+                    <a:p>
+                      <a:pPr algn="l"/>
+                      <a:r>
+                        <a:rPr lang="it-IT" sz="2400" dirty="0"/>
+                        <a:t>467</a:t>
+                      </a:r>
+                    </a:p>
+                  </a:txBody>
+                  <a:tcPr anchor="ctr"/>
+                </a:tc>
+                <a:extLst>
+                  <a:ext uri="{0D108BD9-81ED-4DB2-BD59-A6C34878D82A}">
+                    <a16:rowId xmlns:a16="http://schemas.microsoft.com/office/drawing/2014/main" val="1669083752"/>
+                  </a:ext>
+                </a:extLst>
+              </a:tr>
+            </a:tbl>
+          </a:graphicData>
+        </a:graphic>
+      </p:graphicFrame>
+    </p:spTree>
+    <p:extLst>
+      <p:ext uri="{BB962C8B-B14F-4D97-AF65-F5344CB8AC3E}">
+        <p14:creationId xmlns:p14="http://schemas.microsoft.com/office/powerpoint/2010/main" val="3844263059"/>
+      </p:ext>
+    </p:extLst>
+  </p:cSld>
+  <p:clrMapOvr>
+    <a:masterClrMapping/>
+  </p:clrMapOvr>
+</p:sld>
+</file>
+
+<file path=ppt/slides/slide13.xml><?xml version="1.0" encoding="utf-8"?>
+<p:sld xmlns:a="http://schemas.openxmlformats.org/drawingml/2006/main" xmlns:r="http://schemas.openxmlformats.org/officeDocument/2006/relationships" xmlns:p="http://schemas.openxmlformats.org/presentationml/2006/main">
+  <p:cSld>
+    <p:spTree>
+      <p:nvGrpSpPr>
+        <p:cNvPr id="1" name=""/>
+        <p:cNvGrpSpPr/>
+        <p:nvPr/>
+      </p:nvGrpSpPr>
+      <p:grpSpPr>
+        <a:xfrm>
+          <a:off x="0" y="0"/>
+          <a:ext cx="0" cy="0"/>
+          <a:chOff x="0" y="0"/>
+          <a:chExt cx="0" cy="0"/>
+        </a:xfrm>
+      </p:grpSpPr>
+      <p:sp>
+        <p:nvSpPr>
+          <p:cNvPr id="4" name="Rettangolo 3">
+            <a:extLst>
+              <a:ext uri="{FF2B5EF4-FFF2-40B4-BE49-F238E27FC236}">
+                <a16:creationId xmlns:a16="http://schemas.microsoft.com/office/drawing/2014/main" id="{3234B922-91EB-46D9-ADFB-DE530F10C933}"/>
+              </a:ext>
+            </a:extLst>
+          </p:cNvPr>
+          <p:cNvSpPr/>
+          <p:nvPr/>
+        </p:nvSpPr>
+        <p:spPr>
+          <a:xfrm>
+            <a:off x="0" y="6536887"/>
+            <a:ext cx="12192000" cy="321115"/>
+          </a:xfrm>
+          <a:prstGeom prst="rect">
+            <a:avLst/>
+          </a:prstGeom>
+          <a:solidFill>
+            <a:srgbClr val="003365"/>
+          </a:solidFill>
+        </p:spPr>
+        <p:style>
+          <a:lnRef idx="2">
+            <a:schemeClr val="accent1">
+              <a:shade val="50000"/>
+            </a:schemeClr>
+          </a:lnRef>
+          <a:fillRef idx="1">
+            <a:schemeClr val="accent1"/>
+          </a:fillRef>
+          <a:effectRef idx="0">
+            <a:schemeClr val="accent1"/>
+          </a:effectRef>
+          <a:fontRef idx="minor">
+            <a:schemeClr val="lt1"/>
+          </a:fontRef>
+        </p:style>
+        <p:txBody>
+          <a:bodyPr rtlCol="0" anchor="ctr"/>
+          <a:lstStyle/>
+          <a:p>
+            <a:pPr algn="ctr"/>
+            <a:endParaRPr lang="it-IT" sz="1351" b="1" dirty="0"/>
+          </a:p>
+        </p:txBody>
+      </p:sp>
+      <p:sp>
+        <p:nvSpPr>
+          <p:cNvPr id="5" name="Rettangolo 4">
+            <a:extLst>
+              <a:ext uri="{FF2B5EF4-FFF2-40B4-BE49-F238E27FC236}">
+                <a16:creationId xmlns:a16="http://schemas.microsoft.com/office/drawing/2014/main" id="{640887F2-24B6-4F98-BA60-077BFE8087AE}"/>
+              </a:ext>
+            </a:extLst>
+          </p:cNvPr>
+          <p:cNvSpPr/>
+          <p:nvPr/>
+        </p:nvSpPr>
+        <p:spPr>
+          <a:xfrm>
+            <a:off x="0" y="-15333"/>
+            <a:ext cx="12192000" cy="867601"/>
+          </a:xfrm>
+          <a:prstGeom prst="rect">
+            <a:avLst/>
+          </a:prstGeom>
+          <a:solidFill>
+            <a:srgbClr val="003365"/>
+          </a:solidFill>
+          <a:ln w="12700" cap="flat" cmpd="sng" algn="ctr">
+            <a:noFill/>
+            <a:prstDash val="solid"/>
+            <a:miter lim="800000"/>
+          </a:ln>
+          <a:effectLst/>
+        </p:spPr>
+        <p:txBody>
+          <a:bodyPr rtlCol="0" anchor="ctr"/>
+          <a:lstStyle/>
+          <a:p>
+            <a:pPr marL="0" marR="0" lvl="0" indent="0" algn="ctr" defTabSz="914400" eaLnBrk="1" fontAlgn="auto" latinLnBrk="0" hangingPunct="1">
+              <a:lnSpc>
+                <a:spcPct val="100000"/>
+              </a:lnSpc>
+              <a:spcBef>
+                <a:spcPts val="0"/>
+              </a:spcBef>
+              <a:spcAft>
+                <a:spcPts val="0"/>
+              </a:spcAft>
+              <a:buClrTx/>
+              <a:buSzTx/>
+              <a:buFontTx/>
+              <a:buNone/>
+              <a:tabLst/>
+              <a:defRPr/>
+            </a:pPr>
+            <a:endParaRPr kumimoji="0" lang="it-IT" sz="1351" b="0" i="0" u="none" strike="noStrike" kern="0" cap="none" spc="0" normalizeH="0" baseline="0" noProof="0">
+              <a:ln>
+                <a:noFill/>
+              </a:ln>
+              <a:solidFill>
+                <a:prstClr val="white"/>
+              </a:solidFill>
+              <a:effectLst/>
+              <a:uLnTx/>
+              <a:uFillTx/>
+              <a:latin typeface="Calibri"/>
+              <a:ea typeface="+mn-ea"/>
+              <a:cs typeface="+mn-cs"/>
+            </a:endParaRPr>
+          </a:p>
+        </p:txBody>
+      </p:sp>
+      <p:pic>
+        <p:nvPicPr>
+          <p:cNvPr id="6" name="Immagine 5">
+            <a:extLst>
+              <a:ext uri="{FF2B5EF4-FFF2-40B4-BE49-F238E27FC236}">
+                <a16:creationId xmlns:a16="http://schemas.microsoft.com/office/drawing/2014/main" id="{B6ED27F2-31E0-4EB3-8925-57C5F875937F}"/>
+              </a:ext>
+            </a:extLst>
+          </p:cNvPr>
+          <p:cNvPicPr>
+            <a:picLocks noChangeAspect="1"/>
+          </p:cNvPicPr>
+          <p:nvPr/>
+        </p:nvPicPr>
+        <p:blipFill>
+          <a:blip r:embed="rId2">
+            <a:extLst>
+              <a:ext uri="{28A0092B-C50C-407E-A947-70E740481C1C}">
+                <a14:useLocalDpi xmlns:a14="http://schemas.microsoft.com/office/drawing/2010/main" val="0"/>
+              </a:ext>
+            </a:extLst>
+          </a:blip>
+          <a:stretch>
+            <a:fillRect/>
+          </a:stretch>
+        </p:blipFill>
+        <p:spPr>
+          <a:xfrm>
+            <a:off x="0" y="-15333"/>
+            <a:ext cx="8190723" cy="853200"/>
+          </a:xfrm>
+          <a:prstGeom prst="rect">
+            <a:avLst/>
+          </a:prstGeom>
+        </p:spPr>
+      </p:pic>
+      <p:sp>
+        <p:nvSpPr>
+          <p:cNvPr id="7" name="Titolo 9">
+            <a:extLst>
+              <a:ext uri="{FF2B5EF4-FFF2-40B4-BE49-F238E27FC236}">
+                <a16:creationId xmlns:a16="http://schemas.microsoft.com/office/drawing/2014/main" id="{45749890-86AE-4131-97FF-CF8F18E36904}"/>
+              </a:ext>
+            </a:extLst>
+          </p:cNvPr>
+          <p:cNvSpPr txBox="1">
+            <a:spLocks/>
+          </p:cNvSpPr>
+          <p:nvPr/>
+        </p:nvSpPr>
+        <p:spPr>
+          <a:xfrm>
+            <a:off x="-30144" y="-2188"/>
+            <a:ext cx="12113288" cy="848875"/>
+          </a:xfrm>
+          <a:prstGeom prst="rect">
+            <a:avLst/>
+          </a:prstGeom>
+        </p:spPr>
+        <p:txBody>
+          <a:bodyPr vert="horz" lIns="91440" tIns="45720" rIns="91440" bIns="45720" rtlCol="0" anchor="ctr">
+            <a:normAutofit/>
+          </a:bodyPr>
+          <a:lstStyle>
+            <a:lvl1pPr algn="l" defTabSz="914400" rtl="0" eaLnBrk="1" latinLnBrk="0" hangingPunct="1">
+              <a:lnSpc>
+                <a:spcPct val="90000"/>
+              </a:lnSpc>
+              <a:spcBef>
+                <a:spcPct val="0"/>
+              </a:spcBef>
+              <a:buNone/>
+              <a:defRPr sz="4400" kern="1200">
+                <a:solidFill>
+                  <a:schemeClr val="tx1"/>
+                </a:solidFill>
+                <a:latin typeface="+mj-lt"/>
+                <a:ea typeface="+mj-ea"/>
+                <a:cs typeface="+mj-cs"/>
+              </a:defRPr>
+            </a:lvl1pPr>
+          </a:lstStyle>
+          <a:p>
+            <a:pPr marL="0" marR="0" lvl="0" indent="0" algn="r" defTabSz="914400" rtl="0" eaLnBrk="1" fontAlgn="auto" latinLnBrk="0" hangingPunct="1">
+              <a:lnSpc>
+                <a:spcPct val="90000"/>
+              </a:lnSpc>
+              <a:spcBef>
+                <a:spcPct val="0"/>
+              </a:spcBef>
+              <a:spcAft>
+                <a:spcPts val="0"/>
+              </a:spcAft>
+              <a:buClrTx/>
+              <a:buSzTx/>
+              <a:buFontTx/>
+              <a:buNone/>
+              <a:tabLst/>
+              <a:defRPr/>
+            </a:pPr>
+            <a:r>
+              <a:rPr kumimoji="0" lang="it-IT" sz="4200" b="1" i="1" u="none" strike="noStrike" kern="1200" cap="none" spc="0" normalizeH="0" baseline="0" noProof="0" dirty="0">
+                <a:ln>
+                  <a:noFill/>
+                </a:ln>
+                <a:solidFill>
+                  <a:sysClr val="window" lastClr="FFFFFF"/>
+                </a:solidFill>
+                <a:effectLst/>
+                <a:uLnTx/>
+                <a:uFillTx/>
+                <a:latin typeface="Calibri"/>
+                <a:ea typeface="+mj-ea"/>
+                <a:cs typeface="+mj-cs"/>
+              </a:rPr>
+              <a:t>Challenges and </a:t>
+            </a:r>
+            <a:r>
+              <a:rPr kumimoji="0" lang="it-IT" sz="4200" b="1" i="1" u="none" strike="noStrike" kern="1200" cap="none" spc="0" normalizeH="0" baseline="0" noProof="0" dirty="0" err="1">
+                <a:ln>
+                  <a:noFill/>
+                </a:ln>
+                <a:solidFill>
+                  <a:sysClr val="window" lastClr="FFFFFF"/>
+                </a:solidFill>
+                <a:effectLst/>
+                <a:uLnTx/>
+                <a:uFillTx/>
+                <a:latin typeface="Calibri"/>
+                <a:ea typeface="+mj-ea"/>
+                <a:cs typeface="+mj-cs"/>
+              </a:rPr>
+              <a:t>difficulties</a:t>
+            </a:r>
+            <a:r>
+              <a:rPr kumimoji="0" lang="it-IT" sz="4200" b="1" i="1" u="none" strike="noStrike" kern="1200" cap="none" spc="0" normalizeH="0" baseline="0" noProof="0" dirty="0">
+                <a:ln>
+                  <a:noFill/>
+                </a:ln>
+                <a:solidFill>
+                  <a:sysClr val="window" lastClr="FFFFFF"/>
+                </a:solidFill>
+                <a:effectLst/>
+                <a:uLnTx/>
+                <a:uFillTx/>
+                <a:latin typeface="Calibri"/>
+                <a:ea typeface="+mj-ea"/>
+                <a:cs typeface="+mj-cs"/>
+              </a:rPr>
+              <a:t>   </a:t>
+            </a:r>
+          </a:p>
+        </p:txBody>
+      </p:sp>
+      <p:sp>
+        <p:nvSpPr>
+          <p:cNvPr id="8" name="CasellaDiTesto 7">
+            <a:extLst>
+              <a:ext uri="{FF2B5EF4-FFF2-40B4-BE49-F238E27FC236}">
+                <a16:creationId xmlns:a16="http://schemas.microsoft.com/office/drawing/2014/main" id="{5236FE2F-F2AC-4F8A-AF87-834EEF3155B3}"/>
+              </a:ext>
+            </a:extLst>
+          </p:cNvPr>
+          <p:cNvSpPr txBox="1"/>
+          <p:nvPr/>
+        </p:nvSpPr>
+        <p:spPr>
+          <a:xfrm>
+            <a:off x="1237718" y="1782395"/>
+            <a:ext cx="9577563" cy="3293209"/>
+          </a:xfrm>
+          <a:prstGeom prst="rect">
+            <a:avLst/>
+          </a:prstGeom>
+          <a:noFill/>
+        </p:spPr>
+        <p:txBody>
+          <a:bodyPr wrap="square" rtlCol="0">
+            <a:spAutoFit/>
+          </a:bodyPr>
+          <a:lstStyle/>
+          <a:p>
+            <a:pPr marL="285750" indent="-285750" algn="just">
+              <a:buFont typeface="Arial" panose="020B0604020202020204" pitchFamily="34" charset="0"/>
+              <a:buChar char="•"/>
+            </a:pPr>
+            <a:r>
+              <a:rPr lang="it-IT" sz="3200" b="1" dirty="0"/>
+              <a:t>HTML </a:t>
+            </a:r>
+            <a:r>
+              <a:rPr lang="it-IT" sz="3200" b="1" dirty="0" err="1"/>
+              <a:t>Parsing</a:t>
+            </a:r>
+            <a:r>
+              <a:rPr lang="it-IT" sz="3200" b="1" dirty="0"/>
+              <a:t> </a:t>
+            </a:r>
+            <a:r>
+              <a:rPr lang="it-IT" sz="3200" b="1" dirty="0" err="1"/>
+              <a:t>Complexity</a:t>
+            </a:r>
+            <a:r>
+              <a:rPr lang="it-IT" sz="3200" b="1" dirty="0"/>
+              <a:t> </a:t>
+            </a:r>
+          </a:p>
+          <a:p>
+            <a:pPr algn="just"/>
+            <a:r>
+              <a:rPr lang="it-IT" sz="2800" b="1" dirty="0"/>
+              <a:t>	</a:t>
+            </a:r>
+            <a:r>
+              <a:rPr lang="it-IT" sz="2800" dirty="0"/>
+              <a:t>(</a:t>
+            </a:r>
+            <a:r>
+              <a:rPr lang="it-IT" sz="2800" dirty="0" err="1"/>
+              <a:t>Varied</a:t>
+            </a:r>
+            <a:r>
+              <a:rPr lang="it-IT" sz="2800" dirty="0"/>
+              <a:t> HTML </a:t>
+            </a:r>
+            <a:r>
+              <a:rPr lang="it-IT" sz="2800" dirty="0" err="1"/>
+              <a:t>Structures</a:t>
+            </a:r>
+            <a:r>
+              <a:rPr lang="it-IT" sz="2800" dirty="0"/>
+              <a:t>, </a:t>
+            </a:r>
+            <a:r>
+              <a:rPr lang="it-IT" sz="2800" dirty="0" err="1"/>
+              <a:t>Malformed</a:t>
+            </a:r>
+            <a:r>
+              <a:rPr lang="it-IT" sz="2800" dirty="0"/>
+              <a:t> HTML)</a:t>
+            </a:r>
+          </a:p>
+          <a:p>
+            <a:pPr marL="342900" indent="-342900" algn="just">
+              <a:buFont typeface="Arial" panose="020B0604020202020204" pitchFamily="34" charset="0"/>
+              <a:buChar char="•"/>
+            </a:pPr>
+            <a:r>
+              <a:rPr lang="en-US" sz="3200" b="1" dirty="0"/>
+              <a:t>Data Extraction </a:t>
+            </a:r>
+          </a:p>
+          <a:p>
+            <a:pPr algn="just"/>
+            <a:r>
+              <a:rPr lang="en-US" sz="2800" b="1" dirty="0"/>
+              <a:t>	</a:t>
+            </a:r>
+            <a:r>
+              <a:rPr lang="en-US" sz="2800" dirty="0"/>
+              <a:t>(Table Identification, Footnotes and References Handling, 	Nested Elements)</a:t>
+            </a:r>
+            <a:endParaRPr lang="it-IT" sz="2800" dirty="0"/>
+          </a:p>
+          <a:p>
+            <a:pPr marL="342900" indent="-342900" algn="just">
+              <a:buFont typeface="Arial" panose="020B0604020202020204" pitchFamily="34" charset="0"/>
+              <a:buChar char="•"/>
+            </a:pPr>
+            <a:r>
+              <a:rPr lang="it-IT" sz="3200" b="1" dirty="0"/>
+              <a:t>Data </a:t>
+            </a:r>
+            <a:r>
+              <a:rPr lang="it-IT" sz="3200" b="1" dirty="0" err="1"/>
+              <a:t>Consistency</a:t>
+            </a:r>
+            <a:r>
+              <a:rPr lang="it-IT" sz="3200" b="1" dirty="0"/>
+              <a:t> </a:t>
+            </a:r>
+          </a:p>
+          <a:p>
+            <a:pPr algn="just"/>
+            <a:r>
+              <a:rPr lang="it-IT" sz="2800" b="1" dirty="0"/>
+              <a:t>	</a:t>
+            </a:r>
+            <a:r>
+              <a:rPr lang="it-IT" sz="2800" dirty="0"/>
+              <a:t>(</a:t>
+            </a:r>
+            <a:r>
+              <a:rPr lang="it-IT" sz="2800" dirty="0" err="1"/>
+              <a:t>Inconsistent</a:t>
+            </a:r>
+            <a:r>
+              <a:rPr lang="it-IT" sz="2800" dirty="0"/>
+              <a:t> </a:t>
+            </a:r>
+            <a:r>
+              <a:rPr lang="it-IT" sz="2800" dirty="0" err="1"/>
+              <a:t>Terminology</a:t>
+            </a:r>
+            <a:r>
+              <a:rPr lang="it-IT" sz="2800" dirty="0"/>
+              <a:t>)</a:t>
+            </a:r>
+          </a:p>
+        </p:txBody>
+      </p:sp>
+    </p:spTree>
+    <p:extLst>
+      <p:ext uri="{BB962C8B-B14F-4D97-AF65-F5344CB8AC3E}">
+        <p14:creationId xmlns:p14="http://schemas.microsoft.com/office/powerpoint/2010/main" val="3653404674"/>
+      </p:ext>
+    </p:extLst>
+  </p:cSld>
+  <p:clrMapOvr>
+    <a:masterClrMapping/>
+  </p:clrMapOvr>
+</p:sld>
+</file>
+
+<file path=ppt/slides/slide14.xml><?xml version="1.0" encoding="utf-8"?>
+<p:sld xmlns:a="http://schemas.openxmlformats.org/drawingml/2006/main" xmlns:r="http://schemas.openxmlformats.org/officeDocument/2006/relationships" xmlns:p="http://schemas.openxmlformats.org/presentationml/2006/main">
+  <p:cSld>
+    <p:spTree>
+      <p:nvGrpSpPr>
+        <p:cNvPr id="1" name=""/>
+        <p:cNvGrpSpPr/>
+        <p:nvPr/>
+      </p:nvGrpSpPr>
+      <p:grpSpPr>
+        <a:xfrm>
+          <a:off x="0" y="0"/>
+          <a:ext cx="0" cy="0"/>
+          <a:chOff x="0" y="0"/>
+          <a:chExt cx="0" cy="0"/>
+        </a:xfrm>
+      </p:grpSpPr>
+      <p:sp>
+        <p:nvSpPr>
+          <p:cNvPr id="4" name="Rettangolo 3">
+            <a:extLst>
+              <a:ext uri="{FF2B5EF4-FFF2-40B4-BE49-F238E27FC236}">
+                <a16:creationId xmlns:a16="http://schemas.microsoft.com/office/drawing/2014/main" id="{3234B922-91EB-46D9-ADFB-DE530F10C933}"/>
+              </a:ext>
+            </a:extLst>
+          </p:cNvPr>
+          <p:cNvSpPr/>
+          <p:nvPr/>
+        </p:nvSpPr>
+        <p:spPr>
+          <a:xfrm>
+            <a:off x="0" y="6536887"/>
+            <a:ext cx="12192000" cy="321115"/>
+          </a:xfrm>
+          <a:prstGeom prst="rect">
+            <a:avLst/>
+          </a:prstGeom>
+          <a:solidFill>
+            <a:srgbClr val="003365"/>
+          </a:solidFill>
+        </p:spPr>
+        <p:style>
+          <a:lnRef idx="2">
+            <a:schemeClr val="accent1">
+              <a:shade val="50000"/>
+            </a:schemeClr>
+          </a:lnRef>
+          <a:fillRef idx="1">
+            <a:schemeClr val="accent1"/>
+          </a:fillRef>
+          <a:effectRef idx="0">
+            <a:schemeClr val="accent1"/>
+          </a:effectRef>
+          <a:fontRef idx="minor">
+            <a:schemeClr val="lt1"/>
+          </a:fontRef>
+        </p:style>
+        <p:txBody>
+          <a:bodyPr rtlCol="0" anchor="ctr"/>
+          <a:lstStyle/>
+          <a:p>
+            <a:pPr algn="ctr"/>
+            <a:endParaRPr lang="it-IT" sz="1351" b="1" dirty="0"/>
+          </a:p>
+        </p:txBody>
+      </p:sp>
+      <p:sp>
+        <p:nvSpPr>
+          <p:cNvPr id="5" name="Rettangolo 4">
+            <a:extLst>
+              <a:ext uri="{FF2B5EF4-FFF2-40B4-BE49-F238E27FC236}">
+                <a16:creationId xmlns:a16="http://schemas.microsoft.com/office/drawing/2014/main" id="{640887F2-24B6-4F98-BA60-077BFE8087AE}"/>
+              </a:ext>
+            </a:extLst>
+          </p:cNvPr>
+          <p:cNvSpPr/>
+          <p:nvPr/>
+        </p:nvSpPr>
+        <p:spPr>
+          <a:xfrm>
+            <a:off x="0" y="-15333"/>
+            <a:ext cx="12192000" cy="867601"/>
+          </a:xfrm>
+          <a:prstGeom prst="rect">
+            <a:avLst/>
+          </a:prstGeom>
+          <a:solidFill>
+            <a:srgbClr val="003365"/>
+          </a:solidFill>
+          <a:ln w="12700" cap="flat" cmpd="sng" algn="ctr">
+            <a:noFill/>
+            <a:prstDash val="solid"/>
+            <a:miter lim="800000"/>
+          </a:ln>
+          <a:effectLst/>
+        </p:spPr>
+        <p:txBody>
+          <a:bodyPr rtlCol="0" anchor="ctr"/>
+          <a:lstStyle/>
+          <a:p>
+            <a:pPr marL="0" marR="0" lvl="0" indent="0" algn="ctr" defTabSz="914400" eaLnBrk="1" fontAlgn="auto" latinLnBrk="0" hangingPunct="1">
+              <a:lnSpc>
+                <a:spcPct val="100000"/>
+              </a:lnSpc>
+              <a:spcBef>
+                <a:spcPts val="0"/>
+              </a:spcBef>
+              <a:spcAft>
+                <a:spcPts val="0"/>
+              </a:spcAft>
+              <a:buClrTx/>
+              <a:buSzTx/>
+              <a:buFontTx/>
+              <a:buNone/>
+              <a:tabLst/>
+              <a:defRPr/>
+            </a:pPr>
+            <a:endParaRPr kumimoji="0" lang="it-IT" sz="1351" b="0" i="0" u="none" strike="noStrike" kern="0" cap="none" spc="0" normalizeH="0" baseline="0" noProof="0">
+              <a:ln>
+                <a:noFill/>
+              </a:ln>
+              <a:solidFill>
+                <a:prstClr val="white"/>
+              </a:solidFill>
+              <a:effectLst/>
+              <a:uLnTx/>
+              <a:uFillTx/>
+              <a:latin typeface="Calibri"/>
+              <a:ea typeface="+mn-ea"/>
+              <a:cs typeface="+mn-cs"/>
+            </a:endParaRPr>
+          </a:p>
+        </p:txBody>
+      </p:sp>
+      <p:pic>
+        <p:nvPicPr>
+          <p:cNvPr id="6" name="Immagine 5">
+            <a:extLst>
+              <a:ext uri="{FF2B5EF4-FFF2-40B4-BE49-F238E27FC236}">
+                <a16:creationId xmlns:a16="http://schemas.microsoft.com/office/drawing/2014/main" id="{B6ED27F2-31E0-4EB3-8925-57C5F875937F}"/>
+              </a:ext>
+            </a:extLst>
+          </p:cNvPr>
+          <p:cNvPicPr>
+            <a:picLocks noChangeAspect="1"/>
+          </p:cNvPicPr>
+          <p:nvPr/>
+        </p:nvPicPr>
+        <p:blipFill>
+          <a:blip r:embed="rId2">
+            <a:extLst>
+              <a:ext uri="{28A0092B-C50C-407E-A947-70E740481C1C}">
+                <a14:useLocalDpi xmlns:a14="http://schemas.microsoft.com/office/drawing/2010/main" val="0"/>
+              </a:ext>
+            </a:extLst>
+          </a:blip>
+          <a:stretch>
+            <a:fillRect/>
+          </a:stretch>
+        </p:blipFill>
+        <p:spPr>
+          <a:xfrm>
+            <a:off x="0" y="-15333"/>
+            <a:ext cx="8190723" cy="853200"/>
+          </a:xfrm>
+          <a:prstGeom prst="rect">
+            <a:avLst/>
+          </a:prstGeom>
+        </p:spPr>
+      </p:pic>
+      <p:sp>
+        <p:nvSpPr>
+          <p:cNvPr id="7" name="Titolo 9">
+            <a:extLst>
+              <a:ext uri="{FF2B5EF4-FFF2-40B4-BE49-F238E27FC236}">
+                <a16:creationId xmlns:a16="http://schemas.microsoft.com/office/drawing/2014/main" id="{45749890-86AE-4131-97FF-CF8F18E36904}"/>
+              </a:ext>
+            </a:extLst>
+          </p:cNvPr>
+          <p:cNvSpPr txBox="1">
+            <a:spLocks/>
+          </p:cNvSpPr>
+          <p:nvPr/>
+        </p:nvSpPr>
+        <p:spPr>
+          <a:xfrm>
+            <a:off x="-30144" y="-2188"/>
+            <a:ext cx="12113288" cy="848875"/>
+          </a:xfrm>
+          <a:prstGeom prst="rect">
+            <a:avLst/>
+          </a:prstGeom>
+        </p:spPr>
+        <p:txBody>
+          <a:bodyPr vert="horz" lIns="91440" tIns="45720" rIns="91440" bIns="45720" rtlCol="0" anchor="ctr">
+            <a:normAutofit/>
+          </a:bodyPr>
+          <a:lstStyle>
+            <a:lvl1pPr algn="l" defTabSz="914400" rtl="0" eaLnBrk="1" latinLnBrk="0" hangingPunct="1">
+              <a:lnSpc>
+                <a:spcPct val="90000"/>
+              </a:lnSpc>
+              <a:spcBef>
+                <a:spcPct val="0"/>
+              </a:spcBef>
+              <a:buNone/>
+              <a:defRPr sz="4400" kern="1200">
+                <a:solidFill>
+                  <a:schemeClr val="tx1"/>
+                </a:solidFill>
+                <a:latin typeface="+mj-lt"/>
+                <a:ea typeface="+mj-ea"/>
+                <a:cs typeface="+mj-cs"/>
+              </a:defRPr>
+            </a:lvl1pPr>
+          </a:lstStyle>
+          <a:p>
+            <a:pPr marL="0" marR="0" lvl="0" indent="0" algn="r" defTabSz="914400" rtl="0" eaLnBrk="1" fontAlgn="auto" latinLnBrk="0" hangingPunct="1">
+              <a:lnSpc>
+                <a:spcPct val="90000"/>
+              </a:lnSpc>
+              <a:spcBef>
+                <a:spcPct val="0"/>
+              </a:spcBef>
+              <a:spcAft>
+                <a:spcPts val="0"/>
+              </a:spcAft>
+              <a:buClrTx/>
+              <a:buSzTx/>
+              <a:buFontTx/>
+              <a:buNone/>
+              <a:tabLst/>
+              <a:defRPr/>
+            </a:pPr>
+            <a:r>
+              <a:rPr lang="it-IT" sz="4200" b="1" i="1" dirty="0">
+                <a:solidFill>
+                  <a:sysClr val="window" lastClr="FFFFFF"/>
+                </a:solidFill>
+                <a:latin typeface="Calibri"/>
+              </a:rPr>
+              <a:t>L</a:t>
+            </a:r>
+            <a:r>
+              <a:rPr kumimoji="0" lang="it-IT" sz="4200" b="1" i="1" u="none" strike="noStrike" kern="1200" cap="none" spc="0" normalizeH="0" baseline="0" noProof="0" dirty="0" err="1">
+                <a:ln>
+                  <a:noFill/>
+                </a:ln>
+                <a:solidFill>
+                  <a:sysClr val="window" lastClr="FFFFFF"/>
+                </a:solidFill>
+                <a:effectLst/>
+                <a:uLnTx/>
+                <a:uFillTx/>
+                <a:latin typeface="Calibri"/>
+                <a:ea typeface="+mj-ea"/>
+                <a:cs typeface="+mj-cs"/>
+              </a:rPr>
+              <a:t>earnt</a:t>
+            </a:r>
+            <a:r>
+              <a:rPr kumimoji="0" lang="it-IT" sz="4200" b="1" i="1" u="none" strike="noStrike" kern="1200" cap="none" spc="0" normalizeH="0" baseline="0" noProof="0" dirty="0">
+                <a:ln>
+                  <a:noFill/>
+                </a:ln>
+                <a:solidFill>
+                  <a:sysClr val="window" lastClr="FFFFFF"/>
+                </a:solidFill>
+                <a:effectLst/>
+                <a:uLnTx/>
+                <a:uFillTx/>
+                <a:latin typeface="Calibri"/>
+                <a:ea typeface="+mj-ea"/>
+                <a:cs typeface="+mj-cs"/>
+              </a:rPr>
+              <a:t> </a:t>
+            </a:r>
+            <a:r>
+              <a:rPr kumimoji="0" lang="it-IT" sz="4200" b="1" i="1" u="none" strike="noStrike" kern="1200" cap="none" spc="0" normalizeH="0" baseline="0" noProof="0" dirty="0" err="1">
+                <a:ln>
+                  <a:noFill/>
+                </a:ln>
+                <a:solidFill>
+                  <a:sysClr val="window" lastClr="FFFFFF"/>
+                </a:solidFill>
+                <a:effectLst/>
+                <a:uLnTx/>
+                <a:uFillTx/>
+                <a:latin typeface="Calibri"/>
+                <a:ea typeface="+mj-ea"/>
+                <a:cs typeface="+mj-cs"/>
+              </a:rPr>
+              <a:t>lessons</a:t>
+            </a:r>
+            <a:r>
+              <a:rPr kumimoji="0" lang="it-IT" sz="4200" b="1" i="1" u="none" strike="noStrike" kern="1200" cap="none" spc="0" normalizeH="0" baseline="0" noProof="0" dirty="0">
+                <a:ln>
+                  <a:noFill/>
+                </a:ln>
+                <a:solidFill>
+                  <a:sysClr val="window" lastClr="FFFFFF"/>
+                </a:solidFill>
+                <a:effectLst/>
+                <a:uLnTx/>
+                <a:uFillTx/>
+                <a:latin typeface="Calibri"/>
+                <a:ea typeface="+mj-ea"/>
+                <a:cs typeface="+mj-cs"/>
+              </a:rPr>
+              <a:t>  </a:t>
+            </a:r>
+          </a:p>
+        </p:txBody>
+      </p:sp>
+      <p:sp>
+        <p:nvSpPr>
+          <p:cNvPr id="2" name="CasellaDiTesto 1">
+            <a:extLst>
+              <a:ext uri="{FF2B5EF4-FFF2-40B4-BE49-F238E27FC236}">
+                <a16:creationId xmlns:a16="http://schemas.microsoft.com/office/drawing/2014/main" id="{020E2C89-7C6B-45D7-8D3B-5B4E0D4BCF11}"/>
+              </a:ext>
+            </a:extLst>
+          </p:cNvPr>
+          <p:cNvSpPr txBox="1"/>
+          <p:nvPr/>
+        </p:nvSpPr>
+        <p:spPr>
+          <a:xfrm>
+            <a:off x="2153634" y="2274838"/>
+            <a:ext cx="7745731" cy="2308324"/>
+          </a:xfrm>
+          <a:prstGeom prst="rect">
+            <a:avLst/>
+          </a:prstGeom>
+          <a:noFill/>
+        </p:spPr>
+        <p:txBody>
+          <a:bodyPr wrap="square" rtlCol="0">
+            <a:spAutoFit/>
+          </a:bodyPr>
+          <a:lstStyle/>
+          <a:p>
+            <a:pPr marL="285750" indent="-285750">
+              <a:buFont typeface="Arial" panose="020B0604020202020204" pitchFamily="34" charset="0"/>
+              <a:buChar char="•"/>
+            </a:pPr>
+            <a:r>
+              <a:rPr lang="it-IT" sz="3600" b="1" dirty="0" err="1"/>
+              <a:t>Importance</a:t>
+            </a:r>
+            <a:r>
+              <a:rPr lang="it-IT" sz="3600" b="1" dirty="0"/>
+              <a:t> of Data </a:t>
+            </a:r>
+            <a:r>
+              <a:rPr lang="it-IT" sz="3600" b="1" dirty="0" err="1"/>
+              <a:t>Standardization</a:t>
+            </a:r>
+            <a:endParaRPr lang="it-IT" sz="3600" b="1" dirty="0"/>
+          </a:p>
+          <a:p>
+            <a:endParaRPr lang="it-IT" sz="1600" b="1" dirty="0"/>
+          </a:p>
+          <a:p>
+            <a:pPr marL="285750" indent="-285750">
+              <a:buFont typeface="Arial" panose="020B0604020202020204" pitchFamily="34" charset="0"/>
+              <a:buChar char="•"/>
+            </a:pPr>
+            <a:r>
+              <a:rPr lang="it-IT" sz="3600" b="1" dirty="0" err="1"/>
+              <a:t>Error</a:t>
+            </a:r>
+            <a:r>
+              <a:rPr lang="it-IT" sz="3600" b="1" dirty="0"/>
+              <a:t> Handling</a:t>
+            </a:r>
+          </a:p>
+          <a:p>
+            <a:endParaRPr lang="it-IT" b="1" dirty="0"/>
+          </a:p>
+          <a:p>
+            <a:pPr marL="285750" indent="-285750">
+              <a:buFont typeface="Arial" panose="020B0604020202020204" pitchFamily="34" charset="0"/>
+              <a:buChar char="•"/>
+            </a:pPr>
+            <a:r>
+              <a:rPr lang="it-IT" sz="3600" b="1" dirty="0"/>
+              <a:t>Regular </a:t>
+            </a:r>
+            <a:r>
+              <a:rPr lang="it-IT" sz="3600" b="1" dirty="0" err="1"/>
+              <a:t>Expressions</a:t>
+            </a:r>
+            <a:r>
+              <a:rPr lang="it-IT" sz="3600" b="1" dirty="0"/>
+              <a:t> and </a:t>
+            </a:r>
+            <a:r>
+              <a:rPr lang="it-IT" sz="3600" b="1" dirty="0" err="1"/>
+              <a:t>XPath</a:t>
+            </a:r>
+            <a:endParaRPr lang="it-IT" sz="3600" b="1" dirty="0"/>
+          </a:p>
+        </p:txBody>
+      </p:sp>
+    </p:spTree>
+    <p:extLst>
+      <p:ext uri="{BB962C8B-B14F-4D97-AF65-F5344CB8AC3E}">
+        <p14:creationId xmlns:p14="http://schemas.microsoft.com/office/powerpoint/2010/main" val="2522121914"/>
+      </p:ext>
+    </p:extLst>
+  </p:cSld>
+  <p:clrMapOvr>
+    <a:masterClrMapping/>
+  </p:clrMapOvr>
+</p:sld>
+</file>
+
+<file path=ppt/slides/slide15.xml><?xml version="1.0" encoding="utf-8"?>
+<p:sld xmlns:a="http://schemas.openxmlformats.org/drawingml/2006/main" xmlns:r="http://schemas.openxmlformats.org/officeDocument/2006/relationships" xmlns:p="http://schemas.openxmlformats.org/presentationml/2006/main">
+  <p:cSld>
+    <p:spTree>
+      <p:nvGrpSpPr>
+        <p:cNvPr id="1" name=""/>
+        <p:cNvGrpSpPr/>
+        <p:nvPr/>
+      </p:nvGrpSpPr>
+      <p:grpSpPr>
+        <a:xfrm>
+          <a:off x="0" y="0"/>
+          <a:ext cx="0" cy="0"/>
+          <a:chOff x="0" y="0"/>
+          <a:chExt cx="0" cy="0"/>
+        </a:xfrm>
+      </p:grpSpPr>
+      <p:sp>
+        <p:nvSpPr>
+          <p:cNvPr id="4" name="Rettangolo 3">
+            <a:extLst>
+              <a:ext uri="{FF2B5EF4-FFF2-40B4-BE49-F238E27FC236}">
+                <a16:creationId xmlns:a16="http://schemas.microsoft.com/office/drawing/2014/main" id="{3234B922-91EB-46D9-ADFB-DE530F10C933}"/>
+              </a:ext>
+            </a:extLst>
+          </p:cNvPr>
+          <p:cNvSpPr/>
+          <p:nvPr/>
+        </p:nvSpPr>
+        <p:spPr>
+          <a:xfrm>
+            <a:off x="0" y="6536887"/>
+            <a:ext cx="12192000" cy="321115"/>
+          </a:xfrm>
+          <a:prstGeom prst="rect">
+            <a:avLst/>
+          </a:prstGeom>
+          <a:solidFill>
+            <a:srgbClr val="003365"/>
+          </a:solidFill>
+        </p:spPr>
+        <p:style>
+          <a:lnRef idx="2">
+            <a:schemeClr val="accent1">
+              <a:shade val="50000"/>
+            </a:schemeClr>
+          </a:lnRef>
+          <a:fillRef idx="1">
+            <a:schemeClr val="accent1"/>
+          </a:fillRef>
+          <a:effectRef idx="0">
+            <a:schemeClr val="accent1"/>
+          </a:effectRef>
+          <a:fontRef idx="minor">
+            <a:schemeClr val="lt1"/>
+          </a:fontRef>
+        </p:style>
+        <p:txBody>
+          <a:bodyPr rtlCol="0" anchor="ctr"/>
+          <a:lstStyle/>
+          <a:p>
+            <a:pPr algn="ctr"/>
+            <a:endParaRPr lang="it-IT" sz="1351" b="1" dirty="0"/>
+          </a:p>
+        </p:txBody>
+      </p:sp>
+      <p:sp>
+        <p:nvSpPr>
+          <p:cNvPr id="5" name="Rettangolo 4">
+            <a:extLst>
+              <a:ext uri="{FF2B5EF4-FFF2-40B4-BE49-F238E27FC236}">
+                <a16:creationId xmlns:a16="http://schemas.microsoft.com/office/drawing/2014/main" id="{640887F2-24B6-4F98-BA60-077BFE8087AE}"/>
+              </a:ext>
+            </a:extLst>
+          </p:cNvPr>
+          <p:cNvSpPr/>
+          <p:nvPr/>
+        </p:nvSpPr>
+        <p:spPr>
+          <a:xfrm>
+            <a:off x="0" y="-15333"/>
+            <a:ext cx="12192000" cy="867601"/>
+          </a:xfrm>
+          <a:prstGeom prst="rect">
+            <a:avLst/>
+          </a:prstGeom>
+          <a:solidFill>
+            <a:srgbClr val="003365"/>
+          </a:solidFill>
+          <a:ln w="12700" cap="flat" cmpd="sng" algn="ctr">
+            <a:noFill/>
+            <a:prstDash val="solid"/>
+            <a:miter lim="800000"/>
+          </a:ln>
+          <a:effectLst/>
+        </p:spPr>
+        <p:txBody>
+          <a:bodyPr rtlCol="0" anchor="ctr"/>
+          <a:lstStyle/>
+          <a:p>
+            <a:pPr marL="0" marR="0" lvl="0" indent="0" algn="ctr" defTabSz="914400" eaLnBrk="1" fontAlgn="auto" latinLnBrk="0" hangingPunct="1">
+              <a:lnSpc>
+                <a:spcPct val="100000"/>
+              </a:lnSpc>
+              <a:spcBef>
+                <a:spcPts val="0"/>
+              </a:spcBef>
+              <a:spcAft>
+                <a:spcPts val="0"/>
+              </a:spcAft>
+              <a:buClrTx/>
+              <a:buSzTx/>
+              <a:buFontTx/>
+              <a:buNone/>
+              <a:tabLst/>
+              <a:defRPr/>
+            </a:pPr>
             <a:endParaRPr kumimoji="0" lang="it-IT" sz="1351" b="0" i="0" u="none" strike="noStrike" kern="0" cap="none" spc="0" normalizeH="0" baseline="0" noProof="0" dirty="0">
               <a:ln>
                 <a:noFill/>
@@ -5065,14 +7257,14 @@
           <a:effectLst/>
           <a:extLst>
             <a:ext uri="{909E8E84-426E-40dd-AFC4-6F175D3DCCD1}">
-              <a14:hiddenFill xmlns:a14="http://schemas.microsoft.com/office/drawing/2010/main" xmlns="">
+              <a14:hiddenFill xmlns="" xmlns:a14="http://schemas.microsoft.com/office/drawing/2010/main">
                 <a:solidFill>
                   <a:srgbClr val="FFFFFF"/>
                 </a:solidFill>
               </a14:hiddenFill>
             </a:ext>
             <a:ext uri="{91240B29-F687-4f45-9708-019B960494DF}">
-              <a14:hiddenLine xmlns:a14="http://schemas.microsoft.com/office/drawing/2010/main" xmlns="" w="9525">
+              <a14:hiddenLine xmlns="" xmlns:a14="http://schemas.microsoft.com/office/drawing/2010/main" w="9525">
                 <a:solidFill>
                   <a:srgbClr val="808080"/>
                 </a:solidFill>
@@ -5082,7 +7274,7 @@
               </a14:hiddenLine>
             </a:ext>
             <a:ext uri="{AF507438-7753-43e0-B8FC-AC1667EBCBE1}">
-              <a14:hiddenEffects xmlns:a14="http://schemas.microsoft.com/office/drawing/2010/main" xmlns="">
+              <a14:hiddenEffects xmlns="" xmlns:a14="http://schemas.microsoft.com/office/drawing/2010/main">
                 <a:effectLst>
                   <a:outerShdw blurRad="63500" dist="38099" dir="2700000" algn="ctr" rotWithShape="0">
                     <a:srgbClr val="000000">
@@ -5407,14 +7599,14 @@
           <a:effectLst/>
           <a:extLst>
             <a:ext uri="{909E8E84-426E-40dd-AFC4-6F175D3DCCD1}">
-              <a14:hiddenFill xmlns:a14="http://schemas.microsoft.com/office/drawing/2010/main" xmlns="">
+              <a14:hiddenFill xmlns="" xmlns:a14="http://schemas.microsoft.com/office/drawing/2010/main">
                 <a:solidFill>
                   <a:srgbClr val="FFFFFF"/>
                 </a:solidFill>
               </a14:hiddenFill>
             </a:ext>
             <a:ext uri="{91240B29-F687-4f45-9708-019B960494DF}">
-              <a14:hiddenLine xmlns:a14="http://schemas.microsoft.com/office/drawing/2010/main" xmlns="" w="9525">
+              <a14:hiddenLine xmlns="" xmlns:a14="http://schemas.microsoft.com/office/drawing/2010/main" w="9525">
                 <a:solidFill>
                   <a:srgbClr val="808080"/>
                 </a:solidFill>
@@ -5424,7 +7616,7 @@
               </a14:hiddenLine>
             </a:ext>
             <a:ext uri="{AF507438-7753-43e0-B8FC-AC1667EBCBE1}">
-              <a14:hiddenEffects xmlns:a14="http://schemas.microsoft.com/office/drawing/2010/main" xmlns="">
+              <a14:hiddenEffects xmlns="" xmlns:a14="http://schemas.microsoft.com/office/drawing/2010/main">
                 <a:effectLst>
                   <a:outerShdw blurRad="63500" dist="38099" dir="2700000" algn="ctr" rotWithShape="0">
                     <a:srgbClr val="000000">
@@ -6357,29 +8549,13 @@
             <a:pPr lvl="1"/>
             <a:r>
               <a:rPr lang="it-IT" sz="2400" dirty="0"/>
-              <a:t>	</a:t>
-            </a:r>
-            <a:r>
-              <a:rPr lang="it-IT" sz="2400" dirty="0">
-                <a:highlight>
-                  <a:srgbClr val="FFFF00"/>
-                </a:highlight>
-              </a:rPr>
-              <a:t>114 papers </a:t>
-            </a:r>
-            <a:r>
-              <a:rPr lang="it-IT" sz="2400" dirty="0" err="1">
-                <a:highlight>
-                  <a:srgbClr val="FFFF00"/>
-                </a:highlight>
-              </a:rPr>
+              <a:t>	114 papers </a:t>
+            </a:r>
+            <a:r>
+              <a:rPr lang="it-IT" sz="2400" dirty="0" err="1"/>
               <a:t>downloaded</a:t>
             </a:r>
-            <a:endParaRPr lang="it-IT" sz="2400" dirty="0">
-              <a:highlight>
-                <a:srgbClr val="FFFF00"/>
-              </a:highlight>
-            </a:endParaRPr>
+            <a:endParaRPr lang="it-IT" sz="2400" dirty="0"/>
           </a:p>
         </p:txBody>
       </p:sp>
@@ -7560,7 +9736,7 @@
               <a:t>additional</a:t>
             </a:r>
             <a:r>
-              <a:rPr kumimoji="0" lang="it-IT" altLang="it-IT" sz="2200" b="0" i="0" u="none" strike="noStrike" cap="none" normalizeH="0" baseline="0" dirty="0">
+              <a:rPr kumimoji="0" lang="it-IT" altLang="it-IT" sz="2200" b="0" i="0" u="none" strike="noStrike" cap="none" normalizeH="0" baseline="0">
                 <a:ln>
                   <a:noFill/>
                 </a:ln>
@@ -7572,19 +9748,20 @@
               <a:t> </a:t>
             </a:r>
             <a:r>
-              <a:rPr kumimoji="0" lang="it-IT" altLang="it-IT" sz="2200" b="0" i="0" u="none" strike="noStrike" cap="none" normalizeH="0" baseline="0" dirty="0">
-                <a:ln>
-                  <a:noFill/>
-                </a:ln>
-                <a:solidFill>
-                  <a:schemeClr val="tx1"/>
-                </a:solidFill>
-                <a:effectLst/>
-                <a:highlight>
-                  <a:srgbClr val="FFFF00"/>
-                </a:highlight>
-              </a:rPr>
-              <a:t>100</a:t>
+              <a:rPr lang="it-IT" altLang="it-IT" sz="2200" dirty="0"/>
+              <a:t>2</a:t>
+            </a:r>
+            <a:r>
+              <a:rPr kumimoji="0" lang="it-IT" altLang="it-IT" sz="2200" b="0" i="0" u="none" strike="noStrike" cap="none" normalizeH="0" baseline="0">
+                <a:ln>
+                  <a:noFill/>
+                </a:ln>
+                <a:solidFill>
+                  <a:schemeClr val="tx1"/>
+                </a:solidFill>
+                <a:effectLst/>
+              </a:rPr>
+              <a:t>00</a:t>
             </a:r>
             <a:r>
               <a:rPr kumimoji="0" lang="it-IT" altLang="it-IT" sz="2200" b="0" i="0" u="none" strike="noStrike" cap="none" normalizeH="0" baseline="0" dirty="0">
@@ -9884,41 +12061,72 @@
                 <a:ea typeface="+mj-ea"/>
                 <a:cs typeface="+mj-cs"/>
               </a:rPr>
-              <a:t>Some </a:t>
-            </a:r>
-            <a:r>
-              <a:rPr kumimoji="0" lang="it-IT" sz="4200" b="1" i="1" u="none" strike="noStrike" kern="1200" cap="none" spc="0" normalizeH="0" baseline="0" noProof="0" dirty="0" err="1">
-                <a:ln>
-                  <a:noFill/>
-                </a:ln>
-                <a:solidFill>
-                  <a:sysClr val="window" lastClr="FFFFFF"/>
-                </a:solidFill>
-                <a:effectLst/>
-                <a:uLnTx/>
-                <a:uFillTx/>
-                <a:latin typeface="Calibri"/>
-                <a:ea typeface="+mj-ea"/>
-                <a:cs typeface="+mj-cs"/>
-              </a:rPr>
-              <a:t>stats</a:t>
-            </a:r>
-            <a:r>
-              <a:rPr kumimoji="0" lang="it-IT" sz="4200" b="1" i="1" u="none" strike="noStrike" kern="1200" cap="none" spc="0" normalizeH="0" baseline="0" noProof="0" dirty="0">
-                <a:ln>
-                  <a:noFill/>
-                </a:ln>
-                <a:solidFill>
-                  <a:sysClr val="window" lastClr="FFFFFF"/>
-                </a:solidFill>
-                <a:effectLst/>
-                <a:uLnTx/>
-                <a:uFillTx/>
-                <a:latin typeface="Calibri"/>
-                <a:ea typeface="+mj-ea"/>
-                <a:cs typeface="+mj-cs"/>
-              </a:rPr>
-              <a:t>   </a:t>
+              <a:t>Distribution   </a:t>
+            </a:r>
+          </a:p>
+        </p:txBody>
+      </p:sp>
+      <p:pic>
+        <p:nvPicPr>
+          <p:cNvPr id="3" name="Immagine 2">
+            <a:extLst>
+              <a:ext uri="{FF2B5EF4-FFF2-40B4-BE49-F238E27FC236}">
+                <a16:creationId xmlns:a16="http://schemas.microsoft.com/office/drawing/2014/main" id="{DC069C2E-89B3-498E-8D45-E48A5A80F3C1}"/>
+              </a:ext>
+            </a:extLst>
+          </p:cNvPr>
+          <p:cNvPicPr>
+            <a:picLocks noChangeAspect="1"/>
+          </p:cNvPicPr>
+          <p:nvPr/>
+        </p:nvPicPr>
+        <p:blipFill>
+          <a:blip r:embed="rId3"/>
+          <a:stretch>
+            <a:fillRect/>
+          </a:stretch>
+        </p:blipFill>
+        <p:spPr>
+          <a:xfrm>
+            <a:off x="1860030" y="1353023"/>
+            <a:ext cx="8471940" cy="5009916"/>
+          </a:xfrm>
+          <a:prstGeom prst="rect">
+            <a:avLst/>
+          </a:prstGeom>
+        </p:spPr>
+      </p:pic>
+      <p:sp>
+        <p:nvSpPr>
+          <p:cNvPr id="8" name="CasellaDiTesto 7">
+            <a:extLst>
+              <a:ext uri="{FF2B5EF4-FFF2-40B4-BE49-F238E27FC236}">
+                <a16:creationId xmlns:a16="http://schemas.microsoft.com/office/drawing/2014/main" id="{484FCF97-1BF6-4FEA-BB1D-7041A0F8E591}"/>
+              </a:ext>
+            </a:extLst>
+          </p:cNvPr>
+          <p:cNvSpPr txBox="1"/>
+          <p:nvPr/>
+        </p:nvSpPr>
+        <p:spPr>
+          <a:xfrm>
+            <a:off x="2095500" y="1019175"/>
+            <a:ext cx="820481" cy="461665"/>
+          </a:xfrm>
+          <a:prstGeom prst="rect">
+            <a:avLst/>
+          </a:prstGeom>
+          <a:noFill/>
+        </p:spPr>
+        <p:txBody>
+          <a:bodyPr wrap="none" rtlCol="0">
+            <a:spAutoFit/>
+          </a:bodyPr>
+          <a:lstStyle/>
+          <a:p>
+            <a:r>
+              <a:rPr lang="it-IT" sz="2400" b="1" dirty="0"/>
+              <a:t>RAG:</a:t>
             </a:r>
           </a:p>
         </p:txBody>
@@ -10185,41 +12393,72 @@
                 <a:ea typeface="+mj-ea"/>
                 <a:cs typeface="+mj-cs"/>
               </a:rPr>
-              <a:t>Some </a:t>
-            </a:r>
-            <a:r>
-              <a:rPr kumimoji="0" lang="it-IT" sz="4200" b="1" i="1" u="none" strike="noStrike" kern="1200" cap="none" spc="0" normalizeH="0" baseline="0" noProof="0" dirty="0" err="1">
-                <a:ln>
-                  <a:noFill/>
-                </a:ln>
-                <a:solidFill>
-                  <a:sysClr val="window" lastClr="FFFFFF"/>
-                </a:solidFill>
-                <a:effectLst/>
-                <a:uLnTx/>
-                <a:uFillTx/>
-                <a:latin typeface="Calibri"/>
-                <a:ea typeface="+mj-ea"/>
-                <a:cs typeface="+mj-cs"/>
-              </a:rPr>
-              <a:t>stats</a:t>
-            </a:r>
-            <a:r>
-              <a:rPr kumimoji="0" lang="it-IT" sz="4200" b="1" i="1" u="none" strike="noStrike" kern="1200" cap="none" spc="0" normalizeH="0" baseline="0" noProof="0" dirty="0">
-                <a:ln>
-                  <a:noFill/>
-                </a:ln>
-                <a:solidFill>
-                  <a:sysClr val="window" lastClr="FFFFFF"/>
-                </a:solidFill>
-                <a:effectLst/>
-                <a:uLnTx/>
-                <a:uFillTx/>
-                <a:latin typeface="Calibri"/>
-                <a:ea typeface="+mj-ea"/>
-                <a:cs typeface="+mj-cs"/>
-              </a:rPr>
-              <a:t>   </a:t>
+              <a:t>Distribution   </a:t>
+            </a:r>
+          </a:p>
+        </p:txBody>
+      </p:sp>
+      <p:pic>
+        <p:nvPicPr>
+          <p:cNvPr id="3" name="Immagine 2">
+            <a:extLst>
+              <a:ext uri="{FF2B5EF4-FFF2-40B4-BE49-F238E27FC236}">
+                <a16:creationId xmlns:a16="http://schemas.microsoft.com/office/drawing/2014/main" id="{6D9083FB-4DAE-48DB-A533-5AA6517A829D}"/>
+              </a:ext>
+            </a:extLst>
+          </p:cNvPr>
+          <p:cNvPicPr>
+            <a:picLocks noChangeAspect="1"/>
+          </p:cNvPicPr>
+          <p:nvPr/>
+        </p:nvPicPr>
+        <p:blipFill>
+          <a:blip r:embed="rId3"/>
+          <a:stretch>
+            <a:fillRect/>
+          </a:stretch>
+        </p:blipFill>
+        <p:spPr>
+          <a:xfrm>
+            <a:off x="1603464" y="1216876"/>
+            <a:ext cx="8846072" cy="5238935"/>
+          </a:xfrm>
+          <a:prstGeom prst="rect">
+            <a:avLst/>
+          </a:prstGeom>
+        </p:spPr>
+      </p:pic>
+      <p:sp>
+        <p:nvSpPr>
+          <p:cNvPr id="8" name="CasellaDiTesto 7">
+            <a:extLst>
+              <a:ext uri="{FF2B5EF4-FFF2-40B4-BE49-F238E27FC236}">
+                <a16:creationId xmlns:a16="http://schemas.microsoft.com/office/drawing/2014/main" id="{953A4B18-D5A2-49B8-A43F-F061A14D0E9E}"/>
+              </a:ext>
+            </a:extLst>
+          </p:cNvPr>
+          <p:cNvSpPr txBox="1"/>
+          <p:nvPr/>
+        </p:nvSpPr>
+        <p:spPr>
+          <a:xfrm>
+            <a:off x="1857375" y="1000125"/>
+            <a:ext cx="1773755" cy="461665"/>
+          </a:xfrm>
+          <a:prstGeom prst="rect">
+            <a:avLst/>
+          </a:prstGeom>
+          <a:noFill/>
+        </p:spPr>
+        <p:txBody>
+          <a:bodyPr wrap="none" rtlCol="0">
+            <a:spAutoFit/>
+          </a:bodyPr>
+          <a:lstStyle/>
+          <a:p>
+            <a:r>
+              <a:rPr lang="it-IT" sz="2400" b="1" dirty="0"/>
+              <a:t>Data Fusion:</a:t>
             </a:r>
           </a:p>
         </p:txBody>
@@ -10486,41 +12725,80 @@
                 <a:ea typeface="+mj-ea"/>
                 <a:cs typeface="+mj-cs"/>
               </a:rPr>
-              <a:t>Some </a:t>
-            </a:r>
-            <a:r>
-              <a:rPr kumimoji="0" lang="it-IT" sz="4200" b="1" i="1" u="none" strike="noStrike" kern="1200" cap="none" spc="0" normalizeH="0" baseline="0" noProof="0" dirty="0" err="1">
-                <a:ln>
-                  <a:noFill/>
-                </a:ln>
-                <a:solidFill>
-                  <a:sysClr val="window" lastClr="FFFFFF"/>
-                </a:solidFill>
-                <a:effectLst/>
-                <a:uLnTx/>
-                <a:uFillTx/>
-                <a:latin typeface="Calibri"/>
-                <a:ea typeface="+mj-ea"/>
-                <a:cs typeface="+mj-cs"/>
-              </a:rPr>
-              <a:t>stats</a:t>
-            </a:r>
-            <a:r>
-              <a:rPr kumimoji="0" lang="it-IT" sz="4200" b="1" i="1" u="none" strike="noStrike" kern="1200" cap="none" spc="0" normalizeH="0" baseline="0" noProof="0" dirty="0">
-                <a:ln>
-                  <a:noFill/>
-                </a:ln>
-                <a:solidFill>
-                  <a:sysClr val="window" lastClr="FFFFFF"/>
-                </a:solidFill>
-                <a:effectLst/>
-                <a:uLnTx/>
-                <a:uFillTx/>
-                <a:latin typeface="Calibri"/>
-                <a:ea typeface="+mj-ea"/>
-                <a:cs typeface="+mj-cs"/>
-              </a:rPr>
-              <a:t>   </a:t>
+              <a:t>Distribution</a:t>
+            </a:r>
+          </a:p>
+        </p:txBody>
+      </p:sp>
+      <p:pic>
+        <p:nvPicPr>
+          <p:cNvPr id="3" name="Immagine 2">
+            <a:extLst>
+              <a:ext uri="{FF2B5EF4-FFF2-40B4-BE49-F238E27FC236}">
+                <a16:creationId xmlns:a16="http://schemas.microsoft.com/office/drawing/2014/main" id="{A8F6082A-6604-41AE-AD3B-6E07D9DEFFAF}"/>
+              </a:ext>
+            </a:extLst>
+          </p:cNvPr>
+          <p:cNvPicPr>
+            <a:picLocks noChangeAspect="1"/>
+          </p:cNvPicPr>
+          <p:nvPr/>
+        </p:nvPicPr>
+        <p:blipFill>
+          <a:blip r:embed="rId3"/>
+          <a:stretch>
+            <a:fillRect/>
+          </a:stretch>
+        </p:blipFill>
+        <p:spPr>
+          <a:xfrm>
+            <a:off x="1533355" y="1171759"/>
+            <a:ext cx="8986290" cy="5350727"/>
+          </a:xfrm>
+          <a:prstGeom prst="rect">
+            <a:avLst/>
+          </a:prstGeom>
+        </p:spPr>
+      </p:pic>
+      <p:sp>
+        <p:nvSpPr>
+          <p:cNvPr id="8" name="CasellaDiTesto 7">
+            <a:extLst>
+              <a:ext uri="{FF2B5EF4-FFF2-40B4-BE49-F238E27FC236}">
+                <a16:creationId xmlns:a16="http://schemas.microsoft.com/office/drawing/2014/main" id="{8030AC09-B371-4731-8ABA-E93A7CFA69B8}"/>
+              </a:ext>
+            </a:extLst>
+          </p:cNvPr>
+          <p:cNvSpPr txBox="1"/>
+          <p:nvPr/>
+        </p:nvSpPr>
+        <p:spPr>
+          <a:xfrm>
+            <a:off x="1857375" y="1000125"/>
+            <a:ext cx="2036648" cy="461665"/>
+          </a:xfrm>
+          <a:prstGeom prst="rect">
+            <a:avLst/>
+          </a:prstGeom>
+          <a:noFill/>
+        </p:spPr>
+        <p:txBody>
+          <a:bodyPr wrap="none" rtlCol="0">
+            <a:spAutoFit/>
+          </a:bodyPr>
+          <a:lstStyle/>
+          <a:p>
+            <a:r>
+              <a:rPr lang="it-IT" sz="2400" b="1" dirty="0"/>
+              <a:t>Data </a:t>
+            </a:r>
+            <a:r>
+              <a:rPr lang="it-IT" sz="2400" b="1" dirty="0" err="1"/>
+              <a:t>Cleaning</a:t>
+            </a:r>
+            <a:r>
+              <a:rPr lang="it-IT" sz="2400" b="1" dirty="0"/>
+              <a:t>:</a:t>
             </a:r>
           </a:p>
         </p:txBody>
@@ -10787,7 +13065,7 @@
                 <a:ea typeface="+mj-ea"/>
                 <a:cs typeface="+mj-cs"/>
               </a:rPr>
-              <a:t>Some </a:t>
+              <a:t>Total </a:t>
             </a:r>
             <a:r>
               <a:rPr kumimoji="0" lang="it-IT" sz="4200" b="1" i="1" u="none" strike="noStrike" kern="1200" cap="none" spc="0" normalizeH="0" baseline="0" noProof="0" dirty="0" err="1">
@@ -10804,32 +13082,339 @@
                 <a:ea typeface="+mj-ea"/>
                 <a:cs typeface="+mj-cs"/>
               </a:rPr>
-              <a:t>stats</a:t>
-            </a:r>
-            <a:r>
-              <a:rPr kumimoji="0" lang="it-IT" sz="4200" b="1" i="1" u="none" strike="noStrike" kern="1200" cap="none" spc="0" normalizeH="0" baseline="0" noProof="0" dirty="0">
-                <a:ln>
-                  <a:noFill/>
-                </a:ln>
-                <a:solidFill>
-                  <a:sysClr val="window" lastClr="FFFFFF"/>
-                </a:solidFill>
-                <a:effectLst/>
-                <a:uLnTx/>
-                <a:uFillTx/>
-                <a:latin typeface="Calibri"/>
-                <a:ea typeface="+mj-ea"/>
-                <a:cs typeface="+mj-cs"/>
-              </a:rPr>
-              <a:t>   </a:t>
-            </a:r>
+              <a:t>tables</a:t>
+            </a:r>
+            <a:endParaRPr kumimoji="0" lang="it-IT" sz="4200" b="1" i="1" u="none" strike="noStrike" kern="1200" cap="none" spc="0" normalizeH="0" baseline="0" noProof="0" dirty="0">
+              <a:ln>
+                <a:noFill/>
+              </a:ln>
+              <a:solidFill>
+                <a:sysClr val="window" lastClr="FFFFFF"/>
+              </a:solidFill>
+              <a:effectLst/>
+              <a:uLnTx/>
+              <a:uFillTx/>
+              <a:latin typeface="Calibri"/>
+              <a:ea typeface="+mj-ea"/>
+              <a:cs typeface="+mj-cs"/>
+            </a:endParaRPr>
           </a:p>
         </p:txBody>
       </p:sp>
+      <p:graphicFrame>
+        <p:nvGraphicFramePr>
+          <p:cNvPr id="9" name="Tabella 2">
+            <a:extLst>
+              <a:ext uri="{FF2B5EF4-FFF2-40B4-BE49-F238E27FC236}">
+                <a16:creationId xmlns:a16="http://schemas.microsoft.com/office/drawing/2014/main" id="{B5BF81E0-BAA1-48C0-8E09-2554006AD393}"/>
+              </a:ext>
+            </a:extLst>
+          </p:cNvPr>
+          <p:cNvGraphicFramePr>
+            <a:graphicFrameLocks noGrp="1"/>
+          </p:cNvGraphicFramePr>
+          <p:nvPr>
+            <p:extLst>
+              <p:ext uri="{D42A27DB-BD31-4B8C-83A1-F6EECF244321}">
+                <p14:modId xmlns:p14="http://schemas.microsoft.com/office/powerpoint/2010/main" val="3319360613"/>
+              </p:ext>
+            </p:extLst>
+          </p:nvPr>
+        </p:nvGraphicFramePr>
+        <p:xfrm>
+          <a:off x="1254650" y="2217208"/>
+          <a:ext cx="9543699" cy="2640648"/>
+        </p:xfrm>
+        <a:graphic>
+          <a:graphicData uri="http://schemas.openxmlformats.org/drawingml/2006/table">
+            <a:tbl>
+              <a:tblPr firstRow="1" bandRow="1">
+                <a:tableStyleId>{5C22544A-7EE6-4342-B048-85BDC9FD1C3A}</a:tableStyleId>
+              </a:tblPr>
+              <a:tblGrid>
+                <a:gridCol w="3181233">
+                  <a:extLst>
+                    <a:ext uri="{9D8B030D-6E8A-4147-A177-3AD203B41FA5}">
+                      <a16:colId xmlns:a16="http://schemas.microsoft.com/office/drawing/2014/main" val="2984667934"/>
+                    </a:ext>
+                  </a:extLst>
+                </a:gridCol>
+                <a:gridCol w="3181233">
+                  <a:extLst>
+                    <a:ext uri="{9D8B030D-6E8A-4147-A177-3AD203B41FA5}">
+                      <a16:colId xmlns:a16="http://schemas.microsoft.com/office/drawing/2014/main" val="3060977030"/>
+                    </a:ext>
+                  </a:extLst>
+                </a:gridCol>
+                <a:gridCol w="3181233">
+                  <a:extLst>
+                    <a:ext uri="{9D8B030D-6E8A-4147-A177-3AD203B41FA5}">
+                      <a16:colId xmlns:a16="http://schemas.microsoft.com/office/drawing/2014/main" val="2825146257"/>
+                    </a:ext>
+                  </a:extLst>
+                </a:gridCol>
+              </a:tblGrid>
+              <a:tr h="605896">
+                <a:tc>
+                  <a:txBody>
+                    <a:bodyPr/>
+                    <a:lstStyle/>
+                    <a:p>
+                      <a:pPr algn="l"/>
+                      <a:r>
+                        <a:rPr lang="it-IT" sz="2400" dirty="0" err="1"/>
+                        <a:t>Topic</a:t>
+                      </a:r>
+                      <a:endParaRPr lang="it-IT" sz="2400" dirty="0"/>
+                    </a:p>
+                  </a:txBody>
+                  <a:tcPr anchor="ctr"/>
+                </a:tc>
+                <a:tc>
+                  <a:txBody>
+                    <a:bodyPr/>
+                    <a:lstStyle/>
+                    <a:p>
+                      <a:pPr algn="l"/>
+                      <a:r>
+                        <a:rPr lang="it-IT" sz="2400" dirty="0"/>
+                        <a:t># of </a:t>
+                      </a:r>
+                      <a:r>
+                        <a:rPr lang="it-IT" sz="2400" dirty="0" err="1"/>
+                        <a:t>tables</a:t>
+                      </a:r>
+                      <a:endParaRPr lang="it-IT" sz="2400" dirty="0"/>
+                    </a:p>
+                  </a:txBody>
+                  <a:tcPr anchor="ctr"/>
+                </a:tc>
+                <a:tc>
+                  <a:txBody>
+                    <a:bodyPr/>
+                    <a:lstStyle/>
+                    <a:p>
+                      <a:pPr algn="l"/>
+                      <a:r>
+                        <a:rPr lang="it-IT" sz="2400" dirty="0"/>
+                        <a:t>of </a:t>
+                      </a:r>
+                      <a:r>
+                        <a:rPr lang="it-IT" sz="2400" dirty="0" err="1"/>
+                        <a:t>which</a:t>
+                      </a:r>
+                      <a:r>
+                        <a:rPr lang="it-IT" sz="2400" dirty="0"/>
+                        <a:t> </a:t>
+                      </a:r>
+                      <a:r>
+                        <a:rPr lang="it-IT" sz="2400" dirty="0" err="1"/>
+                        <a:t>equations</a:t>
+                      </a:r>
+                      <a:endParaRPr lang="it-IT" sz="2400" dirty="0"/>
+                    </a:p>
+                  </a:txBody>
+                  <a:tcPr anchor="ctr"/>
+                </a:tc>
+                <a:extLst>
+                  <a:ext uri="{0D108BD9-81ED-4DB2-BD59-A6C34878D82A}">
+                    <a16:rowId xmlns:a16="http://schemas.microsoft.com/office/drawing/2014/main" val="789778474"/>
+                  </a:ext>
+                </a:extLst>
+              </a:tr>
+              <a:tr h="605896">
+                <a:tc>
+                  <a:txBody>
+                    <a:bodyPr/>
+                    <a:lstStyle/>
+                    <a:p>
+                      <a:pPr algn="l"/>
+                      <a:r>
+                        <a:rPr lang="it-IT" sz="2400" b="0" kern="1200" dirty="0" err="1">
+                          <a:solidFill>
+                            <a:schemeClr val="dk1"/>
+                          </a:solidFill>
+                          <a:effectLst/>
+                        </a:rPr>
+                        <a:t>Retrieval</a:t>
+                      </a:r>
+                      <a:r>
+                        <a:rPr lang="it-IT" sz="2400" b="0" kern="1200" dirty="0">
+                          <a:solidFill>
+                            <a:schemeClr val="dk1"/>
+                          </a:solidFill>
+                          <a:effectLst/>
+                        </a:rPr>
+                        <a:t> </a:t>
+                      </a:r>
+                      <a:r>
+                        <a:rPr lang="it-IT" sz="2400" b="0" kern="1200" dirty="0" err="1">
+                          <a:solidFill>
+                            <a:schemeClr val="dk1"/>
+                          </a:solidFill>
+                          <a:effectLst/>
+                        </a:rPr>
+                        <a:t>Augmented</a:t>
+                      </a:r>
+                      <a:r>
+                        <a:rPr lang="it-IT" sz="2400" b="0" kern="1200" dirty="0">
+                          <a:solidFill>
+                            <a:schemeClr val="dk1"/>
+                          </a:solidFill>
+                          <a:effectLst/>
+                        </a:rPr>
+                        <a:t> Generation</a:t>
+                      </a:r>
+                      <a:endParaRPr lang="it-IT" sz="2400" dirty="0"/>
+                    </a:p>
+                  </a:txBody>
+                  <a:tcPr anchor="ctr"/>
+                </a:tc>
+                <a:tc>
+                  <a:txBody>
+                    <a:bodyPr/>
+                    <a:lstStyle/>
+                    <a:p>
+                      <a:pPr algn="l"/>
+                      <a:r>
+                        <a:rPr lang="it-IT" sz="2400" dirty="0"/>
+                        <a:t>2811</a:t>
+                      </a:r>
+                    </a:p>
+                  </a:txBody>
+                  <a:tcPr anchor="ctr"/>
+                </a:tc>
+                <a:tc>
+                  <a:txBody>
+                    <a:bodyPr/>
+                    <a:lstStyle/>
+                    <a:p>
+                      <a:pPr algn="l"/>
+                      <a:r>
+                        <a:rPr lang="it-IT" sz="2400" dirty="0"/>
+                        <a:t>1091</a:t>
+                      </a:r>
+                    </a:p>
+                  </a:txBody>
+                  <a:tcPr anchor="ctr"/>
+                </a:tc>
+                <a:extLst>
+                  <a:ext uri="{0D108BD9-81ED-4DB2-BD59-A6C34878D82A}">
+                    <a16:rowId xmlns:a16="http://schemas.microsoft.com/office/drawing/2014/main" val="2415826370"/>
+                  </a:ext>
+                </a:extLst>
+              </a:tr>
+              <a:tr h="605896">
+                <a:tc>
+                  <a:txBody>
+                    <a:bodyPr/>
+                    <a:lstStyle/>
+                    <a:p>
+                      <a:pPr algn="l"/>
+                      <a:r>
+                        <a:rPr lang="it-IT" sz="2400" dirty="0"/>
+                        <a:t>Data Fusion</a:t>
+                      </a:r>
+                    </a:p>
+                  </a:txBody>
+                  <a:tcPr anchor="ctr"/>
+                </a:tc>
+                <a:tc>
+                  <a:txBody>
+                    <a:bodyPr/>
+                    <a:lstStyle/>
+                    <a:p>
+                      <a:pPr algn="l"/>
+                      <a:r>
+                        <a:rPr lang="it-IT" sz="2400" dirty="0"/>
+                        <a:t>2223</a:t>
+                      </a:r>
+                    </a:p>
+                  </a:txBody>
+                  <a:tcPr anchor="ctr"/>
+                </a:tc>
+                <a:tc>
+                  <a:txBody>
+                    <a:bodyPr/>
+                    <a:lstStyle/>
+                    <a:p>
+                      <a:pPr algn="l"/>
+                      <a:r>
+                        <a:rPr lang="it-IT" sz="2400" dirty="0"/>
+                        <a:t>1636</a:t>
+                      </a:r>
+                    </a:p>
+                  </a:txBody>
+                  <a:tcPr anchor="ctr"/>
+                </a:tc>
+                <a:extLst>
+                  <a:ext uri="{0D108BD9-81ED-4DB2-BD59-A6C34878D82A}">
+                    <a16:rowId xmlns:a16="http://schemas.microsoft.com/office/drawing/2014/main" val="1107241392"/>
+                  </a:ext>
+                </a:extLst>
+              </a:tr>
+              <a:tr h="605896">
+                <a:tc>
+                  <a:txBody>
+                    <a:bodyPr/>
+                    <a:lstStyle/>
+                    <a:p>
+                      <a:pPr algn="l"/>
+                      <a:r>
+                        <a:rPr lang="it-IT" sz="2400" dirty="0"/>
+                        <a:t>Data </a:t>
+                      </a:r>
+                      <a:r>
+                        <a:rPr lang="it-IT" sz="2400" dirty="0" err="1"/>
+                        <a:t>Cleaning</a:t>
+                      </a:r>
+                      <a:endParaRPr lang="it-IT" sz="2400" dirty="0"/>
+                    </a:p>
+                  </a:txBody>
+                  <a:tcPr anchor="ctr"/>
+                </a:tc>
+                <a:tc>
+                  <a:txBody>
+                    <a:bodyPr/>
+                    <a:lstStyle/>
+                    <a:p>
+                      <a:pPr algn="l"/>
+                      <a:r>
+                        <a:rPr lang="it-IT" sz="2400" dirty="0"/>
+                        <a:t>545</a:t>
+                      </a:r>
+                    </a:p>
+                  </a:txBody>
+                  <a:tcPr anchor="ctr"/>
+                </a:tc>
+                <a:tc>
+                  <a:txBody>
+                    <a:bodyPr/>
+                    <a:lstStyle/>
+                    <a:p>
+                      <a:pPr algn="l"/>
+                      <a:r>
+                        <a:rPr lang="it-IT" sz="2400" dirty="0"/>
+                        <a:t>467</a:t>
+                      </a:r>
+                    </a:p>
+                  </a:txBody>
+                  <a:tcPr anchor="ctr"/>
+                </a:tc>
+                <a:extLst>
+                  <a:ext uri="{0D108BD9-81ED-4DB2-BD59-A6C34878D82A}">
+                    <a16:rowId xmlns:a16="http://schemas.microsoft.com/office/drawing/2014/main" val="1669083752"/>
+                  </a:ext>
+                </a:extLst>
+              </a:tr>
+            </a:tbl>
+          </a:graphicData>
+        </a:graphic>
+      </p:graphicFrame>
     </p:spTree>
     <p:extLst>
       <p:ext uri="{BB962C8B-B14F-4D97-AF65-F5344CB8AC3E}">
-        <p14:creationId xmlns:p14="http://schemas.microsoft.com/office/powerpoint/2010/main" val="4180441692"/>
+        <p14:creationId xmlns:p14="http://schemas.microsoft.com/office/powerpoint/2010/main" val="946639283"/>
       </p:ext>
     </p:extLst>
   </p:cSld>
@@ -11088,10 +13673,19 @@
                 <a:ea typeface="+mj-ea"/>
                 <a:cs typeface="+mj-cs"/>
               </a:rPr>
-              <a:t>Challenges and </a:t>
-            </a:r>
-            <a:r>
-              <a:rPr kumimoji="0" lang="it-IT" sz="4200" b="1" i="1" u="none" strike="noStrike" kern="1200" cap="none" spc="0" normalizeH="0" baseline="0" noProof="0" dirty="0" err="1">
+              <a:t>J</a:t>
+            </a:r>
+            <a:r>
+              <a:rPr lang="it-IT" sz="4200" b="1" i="1" dirty="0">
+                <a:solidFill>
+                  <a:sysClr val="window" lastClr="FFFFFF"/>
+                </a:solidFill>
+                <a:latin typeface="Calibri"/>
+              </a:rPr>
+              <a:t>SON</a:t>
+            </a:r>
+            <a:r>
+              <a:rPr kumimoji="0" lang="it-IT" sz="4200" b="1" i="1" u="none" strike="noStrike" kern="1200" cap="none" spc="0" normalizeH="0" baseline="0" noProof="0" dirty="0">
                 <a:ln>
                   <a:noFill/>
                 </a:ln>
@@ -11105,10 +13699,10 @@
                 <a:ea typeface="+mj-ea"/>
                 <a:cs typeface="+mj-cs"/>
               </a:rPr>
-              <a:t>difficulties</a:t>
-            </a:r>
-            <a:r>
-              <a:rPr kumimoji="0" lang="it-IT" sz="4200" b="1" i="1" u="none" strike="noStrike" kern="1200" cap="none" spc="0" normalizeH="0" baseline="0" noProof="0" dirty="0">
+              <a:t> with 0 </a:t>
+            </a:r>
+            <a:r>
+              <a:rPr kumimoji="0" lang="it-IT" sz="4200" b="1" i="1" u="none" strike="noStrike" kern="1200" cap="none" spc="0" normalizeH="0" baseline="0" noProof="0" dirty="0" err="1">
                 <a:ln>
                   <a:noFill/>
                 </a:ln>
@@ -11122,172 +13716,266 @@
                 <a:ea typeface="+mj-ea"/>
                 <a:cs typeface="+mj-cs"/>
               </a:rPr>
-              <a:t>   </a:t>
-            </a:r>
+              <a:t>tables</a:t>
+            </a:r>
+            <a:endParaRPr kumimoji="0" lang="it-IT" sz="4200" b="1" i="1" u="none" strike="noStrike" kern="1200" cap="none" spc="0" normalizeH="0" baseline="0" noProof="0" dirty="0">
+              <a:ln>
+                <a:noFill/>
+              </a:ln>
+              <a:solidFill>
+                <a:sysClr val="window" lastClr="FFFFFF"/>
+              </a:solidFill>
+              <a:effectLst/>
+              <a:uLnTx/>
+              <a:uFillTx/>
+              <a:latin typeface="Calibri"/>
+              <a:ea typeface="+mj-ea"/>
+              <a:cs typeface="+mj-cs"/>
+            </a:endParaRPr>
           </a:p>
         </p:txBody>
       </p:sp>
-      <p:sp>
-        <p:nvSpPr>
-          <p:cNvPr id="8" name="CasellaDiTesto 7">
-            <a:extLst>
-              <a:ext uri="{FF2B5EF4-FFF2-40B4-BE49-F238E27FC236}">
-                <a16:creationId xmlns:a16="http://schemas.microsoft.com/office/drawing/2014/main" id="{5236FE2F-F2AC-4F8A-AF87-834EEF3155B3}"/>
-              </a:ext>
-            </a:extLst>
-          </p:cNvPr>
-          <p:cNvSpPr txBox="1"/>
-          <p:nvPr/>
-        </p:nvSpPr>
-        <p:spPr>
-          <a:xfrm>
-            <a:off x="1237718" y="1782395"/>
-            <a:ext cx="9577563" cy="3293209"/>
-          </a:xfrm>
-          <a:prstGeom prst="rect">
-            <a:avLst/>
-          </a:prstGeom>
-          <a:noFill/>
-        </p:spPr>
-        <p:txBody>
-          <a:bodyPr wrap="square" rtlCol="0">
-            <a:spAutoFit/>
-          </a:bodyPr>
-          <a:lstStyle/>
-          <a:p>
-            <a:pPr marL="285750" indent="-285750" algn="just">
-              <a:buFont typeface="Arial" panose="020B0604020202020204" pitchFamily="34" charset="0"/>
-              <a:buChar char="•"/>
-            </a:pPr>
-            <a:r>
-              <a:rPr lang="it-IT" sz="3200" b="1" dirty="0"/>
-              <a:t>HTML </a:t>
-            </a:r>
-            <a:r>
-              <a:rPr lang="it-IT" sz="3200" b="1" dirty="0" err="1"/>
-              <a:t>Parsing</a:t>
-            </a:r>
-            <a:r>
-              <a:rPr lang="it-IT" sz="3200" b="1" dirty="0"/>
-              <a:t> </a:t>
-            </a:r>
-            <a:r>
-              <a:rPr lang="it-IT" sz="3200" b="1" dirty="0" err="1"/>
-              <a:t>Complexity</a:t>
-            </a:r>
-            <a:r>
-              <a:rPr lang="it-IT" sz="3200" b="1" dirty="0"/>
-              <a:t> </a:t>
-            </a:r>
-          </a:p>
-          <a:p>
-            <a:pPr algn="just"/>
-            <a:r>
-              <a:rPr lang="it-IT" sz="2800" b="1" dirty="0"/>
-              <a:t>	</a:t>
-            </a:r>
-            <a:r>
-              <a:rPr lang="it-IT" sz="2800" dirty="0"/>
-              <a:t>(</a:t>
-            </a:r>
-            <a:r>
-              <a:rPr lang="it-IT" sz="2800" dirty="0" err="1"/>
-              <a:t>Varied</a:t>
-            </a:r>
-            <a:r>
-              <a:rPr lang="it-IT" sz="2800" dirty="0"/>
-              <a:t> HTML </a:t>
-            </a:r>
-            <a:r>
-              <a:rPr lang="it-IT" sz="2800" dirty="0" err="1"/>
-              <a:t>Structures</a:t>
-            </a:r>
-            <a:r>
-              <a:rPr lang="it-IT" sz="2800" dirty="0"/>
-              <a:t>, </a:t>
-            </a:r>
-            <a:r>
-              <a:rPr lang="it-IT" sz="2800" dirty="0" err="1"/>
-              <a:t>Malformed</a:t>
-            </a:r>
-            <a:r>
-              <a:rPr lang="it-IT" sz="2800" dirty="0"/>
-              <a:t> HTML)</a:t>
-            </a:r>
-          </a:p>
-          <a:p>
-            <a:pPr marL="342900" indent="-342900" algn="just">
-              <a:buFont typeface="Arial" panose="020B0604020202020204" pitchFamily="34" charset="0"/>
-              <a:buChar char="•"/>
-            </a:pPr>
-            <a:r>
-              <a:rPr lang="en-US" sz="3200" b="1" dirty="0"/>
-              <a:t>Data Extraction </a:t>
-            </a:r>
-          </a:p>
-          <a:p>
-            <a:pPr algn="just"/>
-            <a:r>
-              <a:rPr lang="en-US" sz="2800" b="1" dirty="0"/>
-              <a:t>	</a:t>
-            </a:r>
-            <a:r>
-              <a:rPr lang="en-US" sz="2800" dirty="0"/>
-              <a:t>(Table Identification, Footnotes and References Handling, 	Nested Elements)</a:t>
-            </a:r>
-            <a:endParaRPr lang="it-IT" sz="2800" dirty="0"/>
-          </a:p>
-          <a:p>
-            <a:pPr marL="342900" indent="-342900" algn="just">
-              <a:buFont typeface="Arial" panose="020B0604020202020204" pitchFamily="34" charset="0"/>
-              <a:buChar char="•"/>
-            </a:pPr>
-            <a:r>
-              <a:rPr lang="it-IT" sz="3200" b="1" dirty="0"/>
-              <a:t>Data </a:t>
-            </a:r>
-            <a:r>
-              <a:rPr lang="it-IT" sz="3200" b="1" dirty="0" err="1"/>
-              <a:t>Consistency</a:t>
-            </a:r>
-            <a:r>
-              <a:rPr lang="it-IT" sz="3200" b="1" dirty="0"/>
-              <a:t> </a:t>
-            </a:r>
-          </a:p>
-          <a:p>
-            <a:pPr algn="just"/>
-            <a:r>
-              <a:rPr lang="it-IT" sz="2800" b="1" dirty="0"/>
-              <a:t>	</a:t>
-            </a:r>
-            <a:r>
-              <a:rPr lang="it-IT" sz="2800" dirty="0"/>
-              <a:t>(</a:t>
-            </a:r>
-            <a:r>
-              <a:rPr lang="it-IT" sz="2800" dirty="0" err="1"/>
-              <a:t>Inconsistent</a:t>
-            </a:r>
-            <a:r>
-              <a:rPr lang="it-IT" sz="2800" dirty="0"/>
-              <a:t> </a:t>
-            </a:r>
-            <a:r>
-              <a:rPr lang="it-IT" sz="2800" dirty="0" err="1"/>
-              <a:t>Terminology</a:t>
-            </a:r>
-            <a:r>
-              <a:rPr lang="it-IT" sz="2800" dirty="0"/>
-              <a:t>)</a:t>
-            </a:r>
-          </a:p>
-        </p:txBody>
-      </p:sp>
+      <p:graphicFrame>
+        <p:nvGraphicFramePr>
+          <p:cNvPr id="2" name="Tabella 2">
+            <a:extLst>
+              <a:ext uri="{FF2B5EF4-FFF2-40B4-BE49-F238E27FC236}">
+                <a16:creationId xmlns:a16="http://schemas.microsoft.com/office/drawing/2014/main" id="{D39E0395-A071-423D-AF22-6DE676604AC0}"/>
+              </a:ext>
+            </a:extLst>
+          </p:cNvPr>
+          <p:cNvGraphicFramePr>
+            <a:graphicFrameLocks noGrp="1"/>
+          </p:cNvGraphicFramePr>
+          <p:nvPr>
+            <p:extLst>
+              <p:ext uri="{D42A27DB-BD31-4B8C-83A1-F6EECF244321}">
+                <p14:modId xmlns:p14="http://schemas.microsoft.com/office/powerpoint/2010/main" val="1298476172"/>
+              </p:ext>
+            </p:extLst>
+          </p:nvPr>
+        </p:nvGraphicFramePr>
+        <p:xfrm>
+          <a:off x="1254650" y="2217208"/>
+          <a:ext cx="9543700" cy="2423584"/>
+        </p:xfrm>
+        <a:graphic>
+          <a:graphicData uri="http://schemas.openxmlformats.org/drawingml/2006/table">
+            <a:tbl>
+              <a:tblPr firstRow="1" bandRow="1">
+                <a:tableStyleId>{5C22544A-7EE6-4342-B048-85BDC9FD1C3A}</a:tableStyleId>
+              </a:tblPr>
+              <a:tblGrid>
+                <a:gridCol w="4771850">
+                  <a:extLst>
+                    <a:ext uri="{9D8B030D-6E8A-4147-A177-3AD203B41FA5}">
+                      <a16:colId xmlns:a16="http://schemas.microsoft.com/office/drawing/2014/main" val="2984667934"/>
+                    </a:ext>
+                  </a:extLst>
+                </a:gridCol>
+                <a:gridCol w="4771850">
+                  <a:extLst>
+                    <a:ext uri="{9D8B030D-6E8A-4147-A177-3AD203B41FA5}">
+                      <a16:colId xmlns:a16="http://schemas.microsoft.com/office/drawing/2014/main" val="3060977030"/>
+                    </a:ext>
+                  </a:extLst>
+                </a:gridCol>
+              </a:tblGrid>
+              <a:tr h="605896">
+                <a:tc>
+                  <a:txBody>
+                    <a:bodyPr/>
+                    <a:lstStyle/>
+                    <a:p>
+                      <a:pPr algn="l"/>
+                      <a:r>
+                        <a:rPr lang="it-IT" sz="2400" dirty="0" err="1"/>
+                        <a:t>Topic</a:t>
+                      </a:r>
+                      <a:endParaRPr lang="it-IT" sz="2400" dirty="0"/>
+                    </a:p>
+                  </a:txBody>
+                  <a:tcPr anchor="ctr"/>
+                </a:tc>
+                <a:tc>
+                  <a:txBody>
+                    <a:bodyPr/>
+                    <a:lstStyle/>
+                    <a:p>
+                      <a:pPr algn="l"/>
+                      <a:r>
+                        <a:rPr lang="it-IT" sz="2400" dirty="0"/>
+                        <a:t># of </a:t>
+                      </a:r>
+                      <a:r>
+                        <a:rPr lang="it-IT" sz="2400" dirty="0" err="1"/>
+                        <a:t>empty</a:t>
+                      </a:r>
+                      <a:r>
+                        <a:rPr lang="it-IT" sz="2400" dirty="0"/>
+                        <a:t> JSON files</a:t>
+                      </a:r>
+                    </a:p>
+                  </a:txBody>
+                  <a:tcPr anchor="ctr"/>
+                </a:tc>
+                <a:extLst>
+                  <a:ext uri="{0D108BD9-81ED-4DB2-BD59-A6C34878D82A}">
+                    <a16:rowId xmlns:a16="http://schemas.microsoft.com/office/drawing/2014/main" val="789778474"/>
+                  </a:ext>
+                </a:extLst>
+              </a:tr>
+              <a:tr h="605896">
+                <a:tc>
+                  <a:txBody>
+                    <a:bodyPr/>
+                    <a:lstStyle/>
+                    <a:p>
+                      <a:pPr algn="l"/>
+                      <a:r>
+                        <a:rPr lang="it-IT" sz="2400" b="0" kern="1200" dirty="0" err="1">
+                          <a:solidFill>
+                            <a:schemeClr val="dk1"/>
+                          </a:solidFill>
+                          <a:effectLst/>
+                        </a:rPr>
+                        <a:t>Retrieval</a:t>
+                      </a:r>
+                      <a:r>
+                        <a:rPr lang="it-IT" sz="2400" b="0" kern="1200" dirty="0">
+                          <a:solidFill>
+                            <a:schemeClr val="dk1"/>
+                          </a:solidFill>
+                          <a:effectLst/>
+                        </a:rPr>
+                        <a:t> </a:t>
+                      </a:r>
+                      <a:r>
+                        <a:rPr lang="it-IT" sz="2400" b="0" kern="1200" dirty="0" err="1">
+                          <a:solidFill>
+                            <a:schemeClr val="dk1"/>
+                          </a:solidFill>
+                          <a:effectLst/>
+                        </a:rPr>
+                        <a:t>Augmented</a:t>
+                      </a:r>
+                      <a:r>
+                        <a:rPr lang="it-IT" sz="2400" b="0" kern="1200" dirty="0">
+                          <a:solidFill>
+                            <a:schemeClr val="dk1"/>
+                          </a:solidFill>
+                          <a:effectLst/>
+                        </a:rPr>
+                        <a:t> Generation</a:t>
+                      </a:r>
+                      <a:endParaRPr lang="it-IT" sz="2400" dirty="0"/>
+                    </a:p>
+                  </a:txBody>
+                  <a:tcPr anchor="ctr"/>
+                </a:tc>
+                <a:tc>
+                  <a:txBody>
+                    <a:bodyPr/>
+                    <a:lstStyle/>
+                    <a:p>
+                      <a:pPr algn="l"/>
+                      <a:r>
+                        <a:rPr lang="it-IT" sz="2400" dirty="0"/>
+                        <a:t>14</a:t>
+                      </a:r>
+                    </a:p>
+                  </a:txBody>
+                  <a:tcPr anchor="ctr"/>
+                </a:tc>
+                <a:extLst>
+                  <a:ext uri="{0D108BD9-81ED-4DB2-BD59-A6C34878D82A}">
+                    <a16:rowId xmlns:a16="http://schemas.microsoft.com/office/drawing/2014/main" val="2415826370"/>
+                  </a:ext>
+                </a:extLst>
+              </a:tr>
+              <a:tr h="605896">
+                <a:tc>
+                  <a:txBody>
+                    <a:bodyPr/>
+                    <a:lstStyle/>
+                    <a:p>
+                      <a:pPr algn="l"/>
+                      <a:r>
+                        <a:rPr lang="it-IT" sz="2400" dirty="0"/>
+                        <a:t>Data Fusion</a:t>
+                      </a:r>
+                    </a:p>
+                  </a:txBody>
+                  <a:tcPr anchor="ctr"/>
+                </a:tc>
+                <a:tc>
+                  <a:txBody>
+                    <a:bodyPr/>
+                    <a:lstStyle/>
+                    <a:p>
+                      <a:pPr algn="l"/>
+                      <a:r>
+                        <a:rPr lang="it-IT" sz="2400" dirty="0"/>
+                        <a:t>7</a:t>
+                      </a:r>
+                    </a:p>
+                  </a:txBody>
+                  <a:tcPr anchor="ctr"/>
+                </a:tc>
+                <a:extLst>
+                  <a:ext uri="{0D108BD9-81ED-4DB2-BD59-A6C34878D82A}">
+                    <a16:rowId xmlns:a16="http://schemas.microsoft.com/office/drawing/2014/main" val="1107241392"/>
+                  </a:ext>
+                </a:extLst>
+              </a:tr>
+              <a:tr h="605896">
+                <a:tc>
+                  <a:txBody>
+                    <a:bodyPr/>
+                    <a:lstStyle/>
+                    <a:p>
+                      <a:pPr algn="l"/>
+                      <a:r>
+                        <a:rPr lang="it-IT" sz="2400" dirty="0"/>
+                        <a:t>Data </a:t>
+                      </a:r>
+                      <a:r>
+                        <a:rPr lang="it-IT" sz="2400" dirty="0" err="1"/>
+                        <a:t>Cleaning</a:t>
+                      </a:r>
+                      <a:endParaRPr lang="it-IT" sz="2400" dirty="0"/>
+                    </a:p>
+                  </a:txBody>
+                  <a:tcPr anchor="ctr"/>
+                </a:tc>
+                <a:tc>
+                  <a:txBody>
+                    <a:bodyPr/>
+                    <a:lstStyle/>
+                    <a:p>
+                      <a:pPr algn="l"/>
+                      <a:r>
+                        <a:rPr lang="it-IT" sz="2400" dirty="0"/>
+                        <a:t>1</a:t>
+                      </a:r>
+                    </a:p>
+                  </a:txBody>
+                  <a:tcPr anchor="ctr"/>
+                </a:tc>
+                <a:extLst>
+                  <a:ext uri="{0D108BD9-81ED-4DB2-BD59-A6C34878D82A}">
+                    <a16:rowId xmlns:a16="http://schemas.microsoft.com/office/drawing/2014/main" val="1669083752"/>
+                  </a:ext>
+                </a:extLst>
+              </a:tr>
+            </a:tbl>
+          </a:graphicData>
+        </a:graphic>
+      </p:graphicFrame>
     </p:spTree>
     <p:extLst>
       <p:ext uri="{BB962C8B-B14F-4D97-AF65-F5344CB8AC3E}">
-        <p14:creationId xmlns:p14="http://schemas.microsoft.com/office/powerpoint/2010/main" val="3653404674"/>
+        <p14:creationId xmlns:p14="http://schemas.microsoft.com/office/powerpoint/2010/main" val="450941162"/>
       </p:ext>
     </p:extLst>
   </p:cSld>

--- a/homework1/Homework1.pptx
+++ b/homework1/Homework1.pptx
@@ -9,17 +9,19 @@
     <p:sldId id="257" r:id="rId3"/>
     <p:sldId id="258" r:id="rId4"/>
     <p:sldId id="263" r:id="rId5"/>
-    <p:sldId id="262" r:id="rId6"/>
-    <p:sldId id="266" r:id="rId7"/>
-    <p:sldId id="265" r:id="rId8"/>
-    <p:sldId id="268" r:id="rId9"/>
-    <p:sldId id="267" r:id="rId10"/>
-    <p:sldId id="270" r:id="rId11"/>
-    <p:sldId id="269" r:id="rId12"/>
-    <p:sldId id="271" r:id="rId13"/>
-    <p:sldId id="261" r:id="rId14"/>
-    <p:sldId id="260" r:id="rId15"/>
-    <p:sldId id="259" r:id="rId16"/>
+    <p:sldId id="273" r:id="rId6"/>
+    <p:sldId id="262" r:id="rId7"/>
+    <p:sldId id="266" r:id="rId8"/>
+    <p:sldId id="265" r:id="rId9"/>
+    <p:sldId id="268" r:id="rId10"/>
+    <p:sldId id="267" r:id="rId11"/>
+    <p:sldId id="270" r:id="rId12"/>
+    <p:sldId id="269" r:id="rId13"/>
+    <p:sldId id="271" r:id="rId14"/>
+    <p:sldId id="272" r:id="rId15"/>
+    <p:sldId id="261" r:id="rId16"/>
+    <p:sldId id="260" r:id="rId17"/>
+    <p:sldId id="259" r:id="rId18"/>
   </p:sldIdLst>
   <p:sldSz cx="12192000" cy="6858000"/>
   <p:notesSz cx="6858000" cy="9144000"/>
@@ -3585,14 +3587,14 @@
           <a:effectLst/>
           <a:extLst>
             <a:ext uri="{909E8E84-426E-40dd-AFC4-6F175D3DCCD1}">
-              <a14:hiddenFill xmlns="" xmlns:a14="http://schemas.microsoft.com/office/drawing/2010/main">
+              <a14:hiddenFill xmlns:a14="http://schemas.microsoft.com/office/drawing/2010/main" xmlns="">
                 <a:solidFill>
                   <a:srgbClr val="FFFFFF"/>
                 </a:solidFill>
               </a14:hiddenFill>
             </a:ext>
             <a:ext uri="{91240B29-F687-4f45-9708-019B960494DF}">
-              <a14:hiddenLine xmlns="" xmlns:a14="http://schemas.microsoft.com/office/drawing/2010/main" w="9525">
+              <a14:hiddenLine xmlns:a14="http://schemas.microsoft.com/office/drawing/2010/main" xmlns="" w="9525">
                 <a:solidFill>
                   <a:srgbClr val="808080"/>
                 </a:solidFill>
@@ -3602,7 +3604,7 @@
               </a14:hiddenLine>
             </a:ext>
             <a:ext uri="{AF507438-7753-43e0-B8FC-AC1667EBCBE1}">
-              <a14:hiddenEffects xmlns="" xmlns:a14="http://schemas.microsoft.com/office/drawing/2010/main">
+              <a14:hiddenEffects xmlns:a14="http://schemas.microsoft.com/office/drawing/2010/main" xmlns="">
                 <a:effectLst>
                   <a:outerShdw blurRad="63500" dist="38099" dir="2700000" algn="ctr" rotWithShape="0">
                     <a:srgbClr val="000000">
@@ -3927,14 +3929,14 @@
           <a:effectLst/>
           <a:extLst>
             <a:ext uri="{909E8E84-426E-40dd-AFC4-6F175D3DCCD1}">
-              <a14:hiddenFill xmlns="" xmlns:a14="http://schemas.microsoft.com/office/drawing/2010/main">
+              <a14:hiddenFill xmlns:a14="http://schemas.microsoft.com/office/drawing/2010/main" xmlns="">
                 <a:solidFill>
                   <a:srgbClr val="FFFFFF"/>
                 </a:solidFill>
               </a14:hiddenFill>
             </a:ext>
             <a:ext uri="{91240B29-F687-4f45-9708-019B960494DF}">
-              <a14:hiddenLine xmlns="" xmlns:a14="http://schemas.microsoft.com/office/drawing/2010/main" w="9525">
+              <a14:hiddenLine xmlns:a14="http://schemas.microsoft.com/office/drawing/2010/main" xmlns="" w="9525">
                 <a:solidFill>
                   <a:srgbClr val="808080"/>
                 </a:solidFill>
@@ -3944,7 +3946,7 @@
               </a14:hiddenLine>
             </a:ext>
             <a:ext uri="{AF507438-7753-43e0-B8FC-AC1667EBCBE1}">
-              <a14:hiddenEffects xmlns="" xmlns:a14="http://schemas.microsoft.com/office/drawing/2010/main">
+              <a14:hiddenEffects xmlns:a14="http://schemas.microsoft.com/office/drawing/2010/main" xmlns="">
                 <a:effectLst>
                   <a:outerShdw blurRad="63500" dist="38099" dir="2700000" algn="ctr" rotWithShape="0">
                     <a:srgbClr val="000000">
@@ -4311,6 +4313,567 @@
 </file>
 
 <file path=ppt/slides/slide10.xml><?xml version="1.0" encoding="utf-8"?>
+<p:sld xmlns:a="http://schemas.openxmlformats.org/drawingml/2006/main" xmlns:r="http://schemas.openxmlformats.org/officeDocument/2006/relationships" xmlns:p="http://schemas.openxmlformats.org/presentationml/2006/main">
+  <p:cSld>
+    <p:spTree>
+      <p:nvGrpSpPr>
+        <p:cNvPr id="1" name=""/>
+        <p:cNvGrpSpPr/>
+        <p:nvPr/>
+      </p:nvGrpSpPr>
+      <p:grpSpPr>
+        <a:xfrm>
+          <a:off x="0" y="0"/>
+          <a:ext cx="0" cy="0"/>
+          <a:chOff x="0" y="0"/>
+          <a:chExt cx="0" cy="0"/>
+        </a:xfrm>
+      </p:grpSpPr>
+      <p:sp>
+        <p:nvSpPr>
+          <p:cNvPr id="4" name="Rettangolo 3">
+            <a:extLst>
+              <a:ext uri="{FF2B5EF4-FFF2-40B4-BE49-F238E27FC236}">
+                <a16:creationId xmlns:a16="http://schemas.microsoft.com/office/drawing/2014/main" id="{3234B922-91EB-46D9-ADFB-DE530F10C933}"/>
+              </a:ext>
+            </a:extLst>
+          </p:cNvPr>
+          <p:cNvSpPr/>
+          <p:nvPr/>
+        </p:nvSpPr>
+        <p:spPr>
+          <a:xfrm>
+            <a:off x="0" y="6536887"/>
+            <a:ext cx="12192000" cy="321115"/>
+          </a:xfrm>
+          <a:prstGeom prst="rect">
+            <a:avLst/>
+          </a:prstGeom>
+          <a:solidFill>
+            <a:srgbClr val="003365"/>
+          </a:solidFill>
+        </p:spPr>
+        <p:style>
+          <a:lnRef idx="2">
+            <a:schemeClr val="accent1">
+              <a:shade val="50000"/>
+            </a:schemeClr>
+          </a:lnRef>
+          <a:fillRef idx="1">
+            <a:schemeClr val="accent1"/>
+          </a:fillRef>
+          <a:effectRef idx="0">
+            <a:schemeClr val="accent1"/>
+          </a:effectRef>
+          <a:fontRef idx="minor">
+            <a:schemeClr val="lt1"/>
+          </a:fontRef>
+        </p:style>
+        <p:txBody>
+          <a:bodyPr rtlCol="0" anchor="ctr"/>
+          <a:lstStyle/>
+          <a:p>
+            <a:pPr algn="ctr"/>
+            <a:endParaRPr lang="it-IT" sz="1351" b="1" dirty="0"/>
+          </a:p>
+        </p:txBody>
+      </p:sp>
+      <p:sp>
+        <p:nvSpPr>
+          <p:cNvPr id="5" name="Rettangolo 4">
+            <a:extLst>
+              <a:ext uri="{FF2B5EF4-FFF2-40B4-BE49-F238E27FC236}">
+                <a16:creationId xmlns:a16="http://schemas.microsoft.com/office/drawing/2014/main" id="{640887F2-24B6-4F98-BA60-077BFE8087AE}"/>
+              </a:ext>
+            </a:extLst>
+          </p:cNvPr>
+          <p:cNvSpPr/>
+          <p:nvPr/>
+        </p:nvSpPr>
+        <p:spPr>
+          <a:xfrm>
+            <a:off x="0" y="-15333"/>
+            <a:ext cx="12192000" cy="867601"/>
+          </a:xfrm>
+          <a:prstGeom prst="rect">
+            <a:avLst/>
+          </a:prstGeom>
+          <a:solidFill>
+            <a:srgbClr val="003365"/>
+          </a:solidFill>
+          <a:ln w="12700" cap="flat" cmpd="sng" algn="ctr">
+            <a:noFill/>
+            <a:prstDash val="solid"/>
+            <a:miter lim="800000"/>
+          </a:ln>
+          <a:effectLst/>
+        </p:spPr>
+        <p:txBody>
+          <a:bodyPr rtlCol="0" anchor="ctr"/>
+          <a:lstStyle/>
+          <a:p>
+            <a:pPr marL="0" marR="0" lvl="0" indent="0" algn="ctr" defTabSz="914400" eaLnBrk="1" fontAlgn="auto" latinLnBrk="0" hangingPunct="1">
+              <a:lnSpc>
+                <a:spcPct val="100000"/>
+              </a:lnSpc>
+              <a:spcBef>
+                <a:spcPts val="0"/>
+              </a:spcBef>
+              <a:spcAft>
+                <a:spcPts val="0"/>
+              </a:spcAft>
+              <a:buClrTx/>
+              <a:buSzTx/>
+              <a:buFontTx/>
+              <a:buNone/>
+              <a:tabLst/>
+              <a:defRPr/>
+            </a:pPr>
+            <a:endParaRPr kumimoji="0" lang="it-IT" sz="1351" b="0" i="0" u="none" strike="noStrike" kern="0" cap="none" spc="0" normalizeH="0" baseline="0" noProof="0">
+              <a:ln>
+                <a:noFill/>
+              </a:ln>
+              <a:solidFill>
+                <a:prstClr val="white"/>
+              </a:solidFill>
+              <a:effectLst/>
+              <a:uLnTx/>
+              <a:uFillTx/>
+              <a:latin typeface="Calibri"/>
+              <a:ea typeface="+mn-ea"/>
+              <a:cs typeface="+mn-cs"/>
+            </a:endParaRPr>
+          </a:p>
+        </p:txBody>
+      </p:sp>
+      <p:pic>
+        <p:nvPicPr>
+          <p:cNvPr id="6" name="Immagine 5">
+            <a:extLst>
+              <a:ext uri="{FF2B5EF4-FFF2-40B4-BE49-F238E27FC236}">
+                <a16:creationId xmlns:a16="http://schemas.microsoft.com/office/drawing/2014/main" id="{B6ED27F2-31E0-4EB3-8925-57C5F875937F}"/>
+              </a:ext>
+            </a:extLst>
+          </p:cNvPr>
+          <p:cNvPicPr>
+            <a:picLocks noChangeAspect="1"/>
+          </p:cNvPicPr>
+          <p:nvPr/>
+        </p:nvPicPr>
+        <p:blipFill>
+          <a:blip r:embed="rId2">
+            <a:extLst>
+              <a:ext uri="{28A0092B-C50C-407E-A947-70E740481C1C}">
+                <a14:useLocalDpi xmlns:a14="http://schemas.microsoft.com/office/drawing/2010/main" val="0"/>
+              </a:ext>
+            </a:extLst>
+          </a:blip>
+          <a:stretch>
+            <a:fillRect/>
+          </a:stretch>
+        </p:blipFill>
+        <p:spPr>
+          <a:xfrm>
+            <a:off x="0" y="-15333"/>
+            <a:ext cx="8190723" cy="853200"/>
+          </a:xfrm>
+          <a:prstGeom prst="rect">
+            <a:avLst/>
+          </a:prstGeom>
+        </p:spPr>
+      </p:pic>
+      <p:sp>
+        <p:nvSpPr>
+          <p:cNvPr id="7" name="Titolo 9">
+            <a:extLst>
+              <a:ext uri="{FF2B5EF4-FFF2-40B4-BE49-F238E27FC236}">
+                <a16:creationId xmlns:a16="http://schemas.microsoft.com/office/drawing/2014/main" id="{45749890-86AE-4131-97FF-CF8F18E36904}"/>
+              </a:ext>
+            </a:extLst>
+          </p:cNvPr>
+          <p:cNvSpPr txBox="1">
+            <a:spLocks/>
+          </p:cNvSpPr>
+          <p:nvPr/>
+        </p:nvSpPr>
+        <p:spPr>
+          <a:xfrm>
+            <a:off x="-30144" y="-2188"/>
+            <a:ext cx="12113288" cy="848875"/>
+          </a:xfrm>
+          <a:prstGeom prst="rect">
+            <a:avLst/>
+          </a:prstGeom>
+        </p:spPr>
+        <p:txBody>
+          <a:bodyPr vert="horz" lIns="91440" tIns="45720" rIns="91440" bIns="45720" rtlCol="0" anchor="ctr">
+            <a:normAutofit/>
+          </a:bodyPr>
+          <a:lstStyle>
+            <a:lvl1pPr algn="l" defTabSz="914400" rtl="0" eaLnBrk="1" latinLnBrk="0" hangingPunct="1">
+              <a:lnSpc>
+                <a:spcPct val="90000"/>
+              </a:lnSpc>
+              <a:spcBef>
+                <a:spcPct val="0"/>
+              </a:spcBef>
+              <a:buNone/>
+              <a:defRPr sz="4400" kern="1200">
+                <a:solidFill>
+                  <a:schemeClr val="tx1"/>
+                </a:solidFill>
+                <a:latin typeface="+mj-lt"/>
+                <a:ea typeface="+mj-ea"/>
+                <a:cs typeface="+mj-cs"/>
+              </a:defRPr>
+            </a:lvl1pPr>
+          </a:lstStyle>
+          <a:p>
+            <a:pPr marL="0" marR="0" lvl="0" indent="0" algn="r" defTabSz="914400" rtl="0" eaLnBrk="1" fontAlgn="auto" latinLnBrk="0" hangingPunct="1">
+              <a:lnSpc>
+                <a:spcPct val="90000"/>
+              </a:lnSpc>
+              <a:spcBef>
+                <a:spcPct val="0"/>
+              </a:spcBef>
+              <a:spcAft>
+                <a:spcPts val="0"/>
+              </a:spcAft>
+              <a:buClrTx/>
+              <a:buSzTx/>
+              <a:buFontTx/>
+              <a:buNone/>
+              <a:tabLst/>
+              <a:defRPr/>
+            </a:pPr>
+            <a:r>
+              <a:rPr kumimoji="0" lang="it-IT" sz="4200" b="1" i="1" u="none" strike="noStrike" kern="1200" cap="none" spc="0" normalizeH="0" baseline="0" noProof="0" dirty="0">
+                <a:ln>
+                  <a:noFill/>
+                </a:ln>
+                <a:solidFill>
+                  <a:sysClr val="window" lastClr="FFFFFF"/>
+                </a:solidFill>
+                <a:effectLst/>
+                <a:uLnTx/>
+                <a:uFillTx/>
+                <a:latin typeface="Calibri"/>
+                <a:ea typeface="+mj-ea"/>
+                <a:cs typeface="+mj-cs"/>
+              </a:rPr>
+              <a:t>J</a:t>
+            </a:r>
+            <a:r>
+              <a:rPr lang="it-IT" sz="4200" b="1" i="1" dirty="0">
+                <a:solidFill>
+                  <a:sysClr val="window" lastClr="FFFFFF"/>
+                </a:solidFill>
+                <a:latin typeface="Calibri"/>
+              </a:rPr>
+              <a:t>SON</a:t>
+            </a:r>
+            <a:r>
+              <a:rPr kumimoji="0" lang="it-IT" sz="4200" b="1" i="1" u="none" strike="noStrike" kern="1200" cap="none" spc="0" normalizeH="0" baseline="0" noProof="0" dirty="0">
+                <a:ln>
+                  <a:noFill/>
+                </a:ln>
+                <a:solidFill>
+                  <a:sysClr val="window" lastClr="FFFFFF"/>
+                </a:solidFill>
+                <a:effectLst/>
+                <a:uLnTx/>
+                <a:uFillTx/>
+                <a:latin typeface="Calibri"/>
+                <a:ea typeface="+mj-ea"/>
+                <a:cs typeface="+mj-cs"/>
+              </a:rPr>
+              <a:t> with 0 </a:t>
+            </a:r>
+            <a:r>
+              <a:rPr kumimoji="0" lang="it-IT" sz="4200" b="1" i="1" u="none" strike="noStrike" kern="1200" cap="none" spc="0" normalizeH="0" baseline="0" noProof="0" dirty="0" err="1">
+                <a:ln>
+                  <a:noFill/>
+                </a:ln>
+                <a:solidFill>
+                  <a:sysClr val="window" lastClr="FFFFFF"/>
+                </a:solidFill>
+                <a:effectLst/>
+                <a:uLnTx/>
+                <a:uFillTx/>
+                <a:latin typeface="Calibri"/>
+                <a:ea typeface="+mj-ea"/>
+                <a:cs typeface="+mj-cs"/>
+              </a:rPr>
+              <a:t>tables</a:t>
+            </a:r>
+            <a:endParaRPr kumimoji="0" lang="it-IT" sz="4200" b="1" i="1" u="none" strike="noStrike" kern="1200" cap="none" spc="0" normalizeH="0" baseline="0" noProof="0" dirty="0">
+              <a:ln>
+                <a:noFill/>
+              </a:ln>
+              <a:solidFill>
+                <a:sysClr val="window" lastClr="FFFFFF"/>
+              </a:solidFill>
+              <a:effectLst/>
+              <a:uLnTx/>
+              <a:uFillTx/>
+              <a:latin typeface="Calibri"/>
+              <a:ea typeface="+mj-ea"/>
+              <a:cs typeface="+mj-cs"/>
+            </a:endParaRPr>
+          </a:p>
+        </p:txBody>
+      </p:sp>
+      <p:graphicFrame>
+        <p:nvGraphicFramePr>
+          <p:cNvPr id="2" name="Tabella 2">
+            <a:extLst>
+              <a:ext uri="{FF2B5EF4-FFF2-40B4-BE49-F238E27FC236}">
+                <a16:creationId xmlns:a16="http://schemas.microsoft.com/office/drawing/2014/main" id="{D39E0395-A071-423D-AF22-6DE676604AC0}"/>
+              </a:ext>
+            </a:extLst>
+          </p:cNvPr>
+          <p:cNvGraphicFramePr>
+            <a:graphicFrameLocks noGrp="1"/>
+          </p:cNvGraphicFramePr>
+          <p:nvPr>
+            <p:extLst>
+              <p:ext uri="{D42A27DB-BD31-4B8C-83A1-F6EECF244321}">
+                <p14:modId xmlns:p14="http://schemas.microsoft.com/office/powerpoint/2010/main" val="1298476172"/>
+              </p:ext>
+            </p:extLst>
+          </p:nvPr>
+        </p:nvGraphicFramePr>
+        <p:xfrm>
+          <a:off x="1254650" y="2217208"/>
+          <a:ext cx="9543700" cy="2423584"/>
+        </p:xfrm>
+        <a:graphic>
+          <a:graphicData uri="http://schemas.openxmlformats.org/drawingml/2006/table">
+            <a:tbl>
+              <a:tblPr firstRow="1" bandRow="1">
+                <a:tableStyleId>{5C22544A-7EE6-4342-B048-85BDC9FD1C3A}</a:tableStyleId>
+              </a:tblPr>
+              <a:tblGrid>
+                <a:gridCol w="4771850">
+                  <a:extLst>
+                    <a:ext uri="{9D8B030D-6E8A-4147-A177-3AD203B41FA5}">
+                      <a16:colId xmlns:a16="http://schemas.microsoft.com/office/drawing/2014/main" val="2984667934"/>
+                    </a:ext>
+                  </a:extLst>
+                </a:gridCol>
+                <a:gridCol w="4771850">
+                  <a:extLst>
+                    <a:ext uri="{9D8B030D-6E8A-4147-A177-3AD203B41FA5}">
+                      <a16:colId xmlns:a16="http://schemas.microsoft.com/office/drawing/2014/main" val="3060977030"/>
+                    </a:ext>
+                  </a:extLst>
+                </a:gridCol>
+              </a:tblGrid>
+              <a:tr h="605896">
+                <a:tc>
+                  <a:txBody>
+                    <a:bodyPr/>
+                    <a:lstStyle/>
+                    <a:p>
+                      <a:pPr algn="l"/>
+                      <a:r>
+                        <a:rPr lang="it-IT" sz="2400" dirty="0" err="1"/>
+                        <a:t>Topic</a:t>
+                      </a:r>
+                      <a:endParaRPr lang="it-IT" sz="2400" dirty="0"/>
+                    </a:p>
+                  </a:txBody>
+                  <a:tcPr anchor="ctr"/>
+                </a:tc>
+                <a:tc>
+                  <a:txBody>
+                    <a:bodyPr/>
+                    <a:lstStyle/>
+                    <a:p>
+                      <a:pPr algn="l"/>
+                      <a:r>
+                        <a:rPr lang="it-IT" sz="2400" dirty="0"/>
+                        <a:t># of </a:t>
+                      </a:r>
+                      <a:r>
+                        <a:rPr lang="it-IT" sz="2400" dirty="0" err="1"/>
+                        <a:t>empty</a:t>
+                      </a:r>
+                      <a:r>
+                        <a:rPr lang="it-IT" sz="2400" dirty="0"/>
+                        <a:t> JSON files</a:t>
+                      </a:r>
+                    </a:p>
+                  </a:txBody>
+                  <a:tcPr anchor="ctr"/>
+                </a:tc>
+                <a:extLst>
+                  <a:ext uri="{0D108BD9-81ED-4DB2-BD59-A6C34878D82A}">
+                    <a16:rowId xmlns:a16="http://schemas.microsoft.com/office/drawing/2014/main" val="789778474"/>
+                  </a:ext>
+                </a:extLst>
+              </a:tr>
+              <a:tr h="605896">
+                <a:tc>
+                  <a:txBody>
+                    <a:bodyPr/>
+                    <a:lstStyle/>
+                    <a:p>
+                      <a:pPr algn="l"/>
+                      <a:r>
+                        <a:rPr lang="it-IT" sz="2400" b="0" kern="1200" dirty="0" err="1">
+                          <a:solidFill>
+                            <a:schemeClr val="dk1"/>
+                          </a:solidFill>
+                          <a:effectLst/>
+                        </a:rPr>
+                        <a:t>Retrieval</a:t>
+                      </a:r>
+                      <a:r>
+                        <a:rPr lang="it-IT" sz="2400" b="0" kern="1200" dirty="0">
+                          <a:solidFill>
+                            <a:schemeClr val="dk1"/>
+                          </a:solidFill>
+                          <a:effectLst/>
+                        </a:rPr>
+                        <a:t> </a:t>
+                      </a:r>
+                      <a:r>
+                        <a:rPr lang="it-IT" sz="2400" b="0" kern="1200" dirty="0" err="1">
+                          <a:solidFill>
+                            <a:schemeClr val="dk1"/>
+                          </a:solidFill>
+                          <a:effectLst/>
+                        </a:rPr>
+                        <a:t>Augmented</a:t>
+                      </a:r>
+                      <a:r>
+                        <a:rPr lang="it-IT" sz="2400" b="0" kern="1200" dirty="0">
+                          <a:solidFill>
+                            <a:schemeClr val="dk1"/>
+                          </a:solidFill>
+                          <a:effectLst/>
+                        </a:rPr>
+                        <a:t> Generation</a:t>
+                      </a:r>
+                      <a:endParaRPr lang="it-IT" sz="2400" dirty="0"/>
+                    </a:p>
+                  </a:txBody>
+                  <a:tcPr anchor="ctr"/>
+                </a:tc>
+                <a:tc>
+                  <a:txBody>
+                    <a:bodyPr/>
+                    <a:lstStyle/>
+                    <a:p>
+                      <a:pPr algn="l"/>
+                      <a:r>
+                        <a:rPr lang="it-IT" sz="2400" dirty="0"/>
+                        <a:t>14</a:t>
+                      </a:r>
+                    </a:p>
+                  </a:txBody>
+                  <a:tcPr anchor="ctr"/>
+                </a:tc>
+                <a:extLst>
+                  <a:ext uri="{0D108BD9-81ED-4DB2-BD59-A6C34878D82A}">
+                    <a16:rowId xmlns:a16="http://schemas.microsoft.com/office/drawing/2014/main" val="2415826370"/>
+                  </a:ext>
+                </a:extLst>
+              </a:tr>
+              <a:tr h="605896">
+                <a:tc>
+                  <a:txBody>
+                    <a:bodyPr/>
+                    <a:lstStyle/>
+                    <a:p>
+                      <a:pPr algn="l"/>
+                      <a:r>
+                        <a:rPr lang="it-IT" sz="2400" dirty="0"/>
+                        <a:t>Data Fusion</a:t>
+                      </a:r>
+                    </a:p>
+                  </a:txBody>
+                  <a:tcPr anchor="ctr"/>
+                </a:tc>
+                <a:tc>
+                  <a:txBody>
+                    <a:bodyPr/>
+                    <a:lstStyle/>
+                    <a:p>
+                      <a:pPr algn="l"/>
+                      <a:r>
+                        <a:rPr lang="it-IT" sz="2400" dirty="0"/>
+                        <a:t>7</a:t>
+                      </a:r>
+                    </a:p>
+                  </a:txBody>
+                  <a:tcPr anchor="ctr"/>
+                </a:tc>
+                <a:extLst>
+                  <a:ext uri="{0D108BD9-81ED-4DB2-BD59-A6C34878D82A}">
+                    <a16:rowId xmlns:a16="http://schemas.microsoft.com/office/drawing/2014/main" val="1107241392"/>
+                  </a:ext>
+                </a:extLst>
+              </a:tr>
+              <a:tr h="605896">
+                <a:tc>
+                  <a:txBody>
+                    <a:bodyPr/>
+                    <a:lstStyle/>
+                    <a:p>
+                      <a:pPr algn="l"/>
+                      <a:r>
+                        <a:rPr lang="it-IT" sz="2400" dirty="0"/>
+                        <a:t>Data </a:t>
+                      </a:r>
+                      <a:r>
+                        <a:rPr lang="it-IT" sz="2400" dirty="0" err="1"/>
+                        <a:t>Cleaning</a:t>
+                      </a:r>
+                      <a:endParaRPr lang="it-IT" sz="2400" dirty="0"/>
+                    </a:p>
+                  </a:txBody>
+                  <a:tcPr anchor="ctr"/>
+                </a:tc>
+                <a:tc>
+                  <a:txBody>
+                    <a:bodyPr/>
+                    <a:lstStyle/>
+                    <a:p>
+                      <a:pPr algn="l"/>
+                      <a:r>
+                        <a:rPr lang="it-IT" sz="2400" dirty="0"/>
+                        <a:t>1</a:t>
+                      </a:r>
+                    </a:p>
+                  </a:txBody>
+                  <a:tcPr anchor="ctr"/>
+                </a:tc>
+                <a:extLst>
+                  <a:ext uri="{0D108BD9-81ED-4DB2-BD59-A6C34878D82A}">
+                    <a16:rowId xmlns:a16="http://schemas.microsoft.com/office/drawing/2014/main" val="1669083752"/>
+                  </a:ext>
+                </a:extLst>
+              </a:tr>
+            </a:tbl>
+          </a:graphicData>
+        </a:graphic>
+      </p:graphicFrame>
+    </p:spTree>
+    <p:extLst>
+      <p:ext uri="{BB962C8B-B14F-4D97-AF65-F5344CB8AC3E}">
+        <p14:creationId xmlns:p14="http://schemas.microsoft.com/office/powerpoint/2010/main" val="450941162"/>
+      </p:ext>
+    </p:extLst>
+  </p:cSld>
+  <p:clrMapOvr>
+    <a:masterClrMapping/>
+  </p:clrMapOvr>
+</p:sld>
+</file>
+
+<file path=ppt/slides/slide11.xml><?xml version="1.0" encoding="utf-8"?>
 <p:sld xmlns:a="http://schemas.openxmlformats.org/drawingml/2006/main" xmlns:r="http://schemas.openxmlformats.org/officeDocument/2006/relationships" xmlns:p="http://schemas.openxmlformats.org/presentationml/2006/main">
   <p:cSld>
     <p:spTree>
@@ -4855,7 +5418,7 @@
 </p:sld>
 </file>
 
-<file path=ppt/slides/slide11.xml><?xml version="1.0" encoding="utf-8"?>
+<file path=ppt/slides/slide12.xml><?xml version="1.0" encoding="utf-8"?>
 <p:sld xmlns:a="http://schemas.openxmlformats.org/drawingml/2006/main" xmlns:r="http://schemas.openxmlformats.org/officeDocument/2006/relationships" xmlns:p="http://schemas.openxmlformats.org/presentationml/2006/main">
   <p:cSld>
     <p:spTree>
@@ -5439,7 +6002,7 @@
 </p:sld>
 </file>
 
-<file path=ppt/slides/slide12.xml><?xml version="1.0" encoding="utf-8"?>
+<file path=ppt/slides/slide13.xml><?xml version="1.0" encoding="utf-8"?>
 <p:sld xmlns:a="http://schemas.openxmlformats.org/drawingml/2006/main" xmlns:r="http://schemas.openxmlformats.org/officeDocument/2006/relationships" xmlns:p="http://schemas.openxmlformats.org/presentationml/2006/main">
   <p:cSld>
     <p:spTree>
@@ -6035,7 +6598,7 @@
 </p:sld>
 </file>
 
-<file path=ppt/slides/slide13.xml><?xml version="1.0" encoding="utf-8"?>
+<file path=ppt/slides/slide14.xml><?xml version="1.0" encoding="utf-8"?>
 <p:sld xmlns:a="http://schemas.openxmlformats.org/drawingml/2006/main" xmlns:r="http://schemas.openxmlformats.org/officeDocument/2006/relationships" xmlns:p="http://schemas.openxmlformats.org/presentationml/2006/main">
   <p:cSld>
     <p:spTree>
@@ -6270,220 +6833,265 @@
               <a:defRPr/>
             </a:pPr>
             <a:r>
-              <a:rPr kumimoji="0" lang="it-IT" sz="4200" b="1" i="1" u="none" strike="noStrike" kern="1200" cap="none" spc="0" normalizeH="0" baseline="0" noProof="0" dirty="0">
-                <a:ln>
-                  <a:noFill/>
-                </a:ln>
+              <a:rPr lang="en-US" sz="4200" b="1" i="1" dirty="0">
                 <a:solidFill>
                   <a:sysClr val="window" lastClr="FFFFFF"/>
                 </a:solidFill>
-                <a:effectLst/>
-                <a:uLnTx/>
-                <a:uFillTx/>
                 <a:latin typeface="Calibri"/>
-                <a:ea typeface="+mj-ea"/>
-                <a:cs typeface="+mj-cs"/>
-              </a:rPr>
-              <a:t>Challenges and </a:t>
-            </a:r>
-            <a:r>
-              <a:rPr kumimoji="0" lang="it-IT" sz="4200" b="1" i="1" u="none" strike="noStrike" kern="1200" cap="none" spc="0" normalizeH="0" baseline="0" noProof="0" dirty="0" err="1">
-                <a:ln>
-                  <a:noFill/>
-                </a:ln>
-                <a:solidFill>
-                  <a:sysClr val="window" lastClr="FFFFFF"/>
-                </a:solidFill>
-                <a:effectLst/>
-                <a:uLnTx/>
-                <a:uFillTx/>
-                <a:latin typeface="Calibri"/>
-                <a:ea typeface="+mj-ea"/>
-                <a:cs typeface="+mj-cs"/>
-              </a:rPr>
-              <a:t>difficulties</a:t>
-            </a:r>
-            <a:r>
-              <a:rPr kumimoji="0" lang="it-IT" sz="4200" b="1" i="1" u="none" strike="noStrike" kern="1200" cap="none" spc="0" normalizeH="0" baseline="0" noProof="0" dirty="0">
-                <a:ln>
-                  <a:noFill/>
-                </a:ln>
-                <a:solidFill>
-                  <a:sysClr val="window" lastClr="FFFFFF"/>
-                </a:solidFill>
-                <a:effectLst/>
-                <a:uLnTx/>
-                <a:uFillTx/>
-                <a:latin typeface="Calibri"/>
-                <a:ea typeface="+mj-ea"/>
-                <a:cs typeface="+mj-cs"/>
-              </a:rPr>
-              <a:t>   </a:t>
-            </a:r>
+              </a:rPr>
+              <a:t>Average Number of References</a:t>
+            </a:r>
+            <a:endParaRPr kumimoji="0" lang="it-IT" sz="4200" b="1" i="1" u="none" strike="noStrike" kern="1200" cap="none" spc="0" normalizeH="0" baseline="0" noProof="0" dirty="0">
+              <a:ln>
+                <a:noFill/>
+              </a:ln>
+              <a:solidFill>
+                <a:sysClr val="window" lastClr="FFFFFF"/>
+              </a:solidFill>
+              <a:effectLst/>
+              <a:uLnTx/>
+              <a:uFillTx/>
+              <a:latin typeface="Calibri"/>
+              <a:ea typeface="+mj-ea"/>
+              <a:cs typeface="+mj-cs"/>
+            </a:endParaRPr>
           </a:p>
         </p:txBody>
       </p:sp>
-      <p:sp>
-        <p:nvSpPr>
-          <p:cNvPr id="8" name="CasellaDiTesto 7">
-            <a:extLst>
-              <a:ext uri="{FF2B5EF4-FFF2-40B4-BE49-F238E27FC236}">
-                <a16:creationId xmlns:a16="http://schemas.microsoft.com/office/drawing/2014/main" id="{5236FE2F-F2AC-4F8A-AF87-834EEF3155B3}"/>
-              </a:ext>
-            </a:extLst>
-          </p:cNvPr>
-          <p:cNvSpPr txBox="1"/>
-          <p:nvPr/>
-        </p:nvSpPr>
-        <p:spPr>
-          <a:xfrm>
-            <a:off x="1237718" y="1782395"/>
-            <a:ext cx="9577563" cy="3293209"/>
-          </a:xfrm>
-          <a:prstGeom prst="rect">
-            <a:avLst/>
-          </a:prstGeom>
-          <a:noFill/>
-        </p:spPr>
-        <p:txBody>
-          <a:bodyPr wrap="square" rtlCol="0">
-            <a:spAutoFit/>
-          </a:bodyPr>
-          <a:lstStyle/>
-          <a:p>
-            <a:pPr marL="285750" indent="-285750" algn="just">
-              <a:buFont typeface="Arial" panose="020B0604020202020204" pitchFamily="34" charset="0"/>
-              <a:buChar char="•"/>
-            </a:pPr>
-            <a:r>
-              <a:rPr lang="it-IT" sz="3200" b="1" dirty="0"/>
-              <a:t>HTML </a:t>
-            </a:r>
-            <a:r>
-              <a:rPr lang="it-IT" sz="3200" b="1" dirty="0" err="1"/>
-              <a:t>Parsing</a:t>
-            </a:r>
-            <a:r>
-              <a:rPr lang="it-IT" sz="3200" b="1" dirty="0"/>
-              <a:t> </a:t>
-            </a:r>
-            <a:r>
-              <a:rPr lang="it-IT" sz="3200" b="1" dirty="0" err="1"/>
-              <a:t>Complexity</a:t>
-            </a:r>
-            <a:r>
-              <a:rPr lang="it-IT" sz="3200" b="1" dirty="0"/>
-              <a:t> </a:t>
-            </a:r>
-          </a:p>
-          <a:p>
-            <a:pPr algn="just"/>
-            <a:r>
-              <a:rPr lang="it-IT" sz="2800" b="1" dirty="0"/>
-              <a:t>	</a:t>
-            </a:r>
-            <a:r>
-              <a:rPr lang="it-IT" sz="2800" dirty="0"/>
-              <a:t>(</a:t>
-            </a:r>
-            <a:r>
-              <a:rPr lang="it-IT" sz="2800" dirty="0" err="1"/>
-              <a:t>Varied</a:t>
-            </a:r>
-            <a:r>
-              <a:rPr lang="it-IT" sz="2800" dirty="0"/>
-              <a:t> HTML </a:t>
-            </a:r>
-            <a:r>
-              <a:rPr lang="it-IT" sz="2800" dirty="0" err="1"/>
-              <a:t>Structures</a:t>
-            </a:r>
-            <a:r>
-              <a:rPr lang="it-IT" sz="2800" dirty="0"/>
-              <a:t>, </a:t>
-            </a:r>
-            <a:r>
-              <a:rPr lang="it-IT" sz="2800" dirty="0" err="1"/>
-              <a:t>Malformed</a:t>
-            </a:r>
-            <a:r>
-              <a:rPr lang="it-IT" sz="2800" dirty="0"/>
-              <a:t> HTML)</a:t>
-            </a:r>
-          </a:p>
-          <a:p>
-            <a:pPr marL="342900" indent="-342900" algn="just">
-              <a:buFont typeface="Arial" panose="020B0604020202020204" pitchFamily="34" charset="0"/>
-              <a:buChar char="•"/>
-            </a:pPr>
-            <a:r>
-              <a:rPr lang="en-US" sz="3200" b="1" dirty="0"/>
-              <a:t>Data Extraction </a:t>
-            </a:r>
-          </a:p>
-          <a:p>
-            <a:pPr algn="just"/>
-            <a:r>
-              <a:rPr lang="en-US" sz="2800" b="1" dirty="0"/>
-              <a:t>	</a:t>
-            </a:r>
-            <a:r>
-              <a:rPr lang="en-US" sz="2800" dirty="0"/>
-              <a:t>(Table Identification, Footnotes and References Handling, 	Nested Elements)</a:t>
-            </a:r>
-            <a:endParaRPr lang="it-IT" sz="2800" dirty="0"/>
-          </a:p>
-          <a:p>
-            <a:pPr marL="342900" indent="-342900" algn="just">
-              <a:buFont typeface="Arial" panose="020B0604020202020204" pitchFamily="34" charset="0"/>
-              <a:buChar char="•"/>
-            </a:pPr>
-            <a:r>
-              <a:rPr lang="it-IT" sz="3200" b="1" dirty="0"/>
-              <a:t>Data </a:t>
-            </a:r>
-            <a:r>
-              <a:rPr lang="it-IT" sz="3200" b="1" dirty="0" err="1"/>
-              <a:t>Consistency</a:t>
-            </a:r>
-            <a:r>
-              <a:rPr lang="it-IT" sz="3200" b="1" dirty="0"/>
-              <a:t> </a:t>
-            </a:r>
-          </a:p>
-          <a:p>
-            <a:pPr algn="just"/>
-            <a:r>
-              <a:rPr lang="it-IT" sz="2800" b="1" dirty="0"/>
-              <a:t>	</a:t>
-            </a:r>
-            <a:r>
-              <a:rPr lang="it-IT" sz="2800" dirty="0"/>
-              <a:t>(</a:t>
-            </a:r>
-            <a:r>
-              <a:rPr lang="it-IT" sz="2800" dirty="0" err="1"/>
-              <a:t>Inconsistent</a:t>
-            </a:r>
-            <a:r>
-              <a:rPr lang="it-IT" sz="2800" dirty="0"/>
-              <a:t> </a:t>
-            </a:r>
-            <a:r>
-              <a:rPr lang="it-IT" sz="2800" dirty="0" err="1"/>
-              <a:t>Terminology</a:t>
-            </a:r>
-            <a:r>
-              <a:rPr lang="it-IT" sz="2800" dirty="0"/>
-              <a:t>)</a:t>
-            </a:r>
-          </a:p>
-        </p:txBody>
-      </p:sp>
+      <p:graphicFrame>
+        <p:nvGraphicFramePr>
+          <p:cNvPr id="8" name="Tabella 2">
+            <a:extLst>
+              <a:ext uri="{FF2B5EF4-FFF2-40B4-BE49-F238E27FC236}">
+                <a16:creationId xmlns:a16="http://schemas.microsoft.com/office/drawing/2014/main" id="{C4E14F5B-EE20-4D4A-ACCB-184B9BB429DF}"/>
+              </a:ext>
+            </a:extLst>
+          </p:cNvPr>
+          <p:cNvGraphicFramePr>
+            <a:graphicFrameLocks noGrp="1"/>
+          </p:cNvGraphicFramePr>
+          <p:nvPr>
+            <p:extLst>
+              <p:ext uri="{D42A27DB-BD31-4B8C-83A1-F6EECF244321}">
+                <p14:modId xmlns:p14="http://schemas.microsoft.com/office/powerpoint/2010/main" val="3290275875"/>
+              </p:ext>
+            </p:extLst>
+          </p:nvPr>
+        </p:nvGraphicFramePr>
+        <p:xfrm>
+          <a:off x="1254650" y="2217208"/>
+          <a:ext cx="9543700" cy="2640648"/>
+        </p:xfrm>
+        <a:graphic>
+          <a:graphicData uri="http://schemas.openxmlformats.org/drawingml/2006/table">
+            <a:tbl>
+              <a:tblPr firstRow="1" bandRow="1">
+                <a:tableStyleId>{5C22544A-7EE6-4342-B048-85BDC9FD1C3A}</a:tableStyleId>
+              </a:tblPr>
+              <a:tblGrid>
+                <a:gridCol w="4771850">
+                  <a:extLst>
+                    <a:ext uri="{9D8B030D-6E8A-4147-A177-3AD203B41FA5}">
+                      <a16:colId xmlns:a16="http://schemas.microsoft.com/office/drawing/2014/main" val="2984667934"/>
+                    </a:ext>
+                  </a:extLst>
+                </a:gridCol>
+                <a:gridCol w="4771850">
+                  <a:extLst>
+                    <a:ext uri="{9D8B030D-6E8A-4147-A177-3AD203B41FA5}">
+                      <a16:colId xmlns:a16="http://schemas.microsoft.com/office/drawing/2014/main" val="3060977030"/>
+                    </a:ext>
+                  </a:extLst>
+                </a:gridCol>
+              </a:tblGrid>
+              <a:tr h="605896">
+                <a:tc>
+                  <a:txBody>
+                    <a:bodyPr/>
+                    <a:lstStyle/>
+                    <a:p>
+                      <a:pPr algn="l"/>
+                      <a:r>
+                        <a:rPr lang="it-IT" sz="2400" dirty="0" err="1"/>
+                        <a:t>Topic</a:t>
+                      </a:r>
+                      <a:endParaRPr lang="it-IT" sz="2400" dirty="0"/>
+                    </a:p>
+                  </a:txBody>
+                  <a:tcPr anchor="ctr"/>
+                </a:tc>
+                <a:tc>
+                  <a:txBody>
+                    <a:bodyPr/>
+                    <a:lstStyle/>
+                    <a:p>
+                      <a:pPr algn="l"/>
+                      <a:r>
+                        <a:rPr lang="en-US" sz="2400" dirty="0"/>
+                        <a:t>Average Number of References per Table</a:t>
+                      </a:r>
+                      <a:endParaRPr lang="it-IT" sz="2400" dirty="0"/>
+                    </a:p>
+                  </a:txBody>
+                  <a:tcPr anchor="ctr"/>
+                </a:tc>
+                <a:extLst>
+                  <a:ext uri="{0D108BD9-81ED-4DB2-BD59-A6C34878D82A}">
+                    <a16:rowId xmlns:a16="http://schemas.microsoft.com/office/drawing/2014/main" val="789778474"/>
+                  </a:ext>
+                </a:extLst>
+              </a:tr>
+              <a:tr h="605896">
+                <a:tc>
+                  <a:txBody>
+                    <a:bodyPr/>
+                    <a:lstStyle/>
+                    <a:p>
+                      <a:pPr algn="l"/>
+                      <a:r>
+                        <a:rPr lang="it-IT" sz="2400" b="0" kern="1200" dirty="0" err="1">
+                          <a:solidFill>
+                            <a:schemeClr val="dk1"/>
+                          </a:solidFill>
+                          <a:effectLst/>
+                        </a:rPr>
+                        <a:t>Retrieval</a:t>
+                      </a:r>
+                      <a:r>
+                        <a:rPr lang="it-IT" sz="2400" b="0" kern="1200" dirty="0">
+                          <a:solidFill>
+                            <a:schemeClr val="dk1"/>
+                          </a:solidFill>
+                          <a:effectLst/>
+                        </a:rPr>
+                        <a:t> </a:t>
+                      </a:r>
+                      <a:r>
+                        <a:rPr lang="it-IT" sz="2400" b="0" kern="1200" dirty="0" err="1">
+                          <a:solidFill>
+                            <a:schemeClr val="dk1"/>
+                          </a:solidFill>
+                          <a:effectLst/>
+                        </a:rPr>
+                        <a:t>Augmented</a:t>
+                      </a:r>
+                      <a:r>
+                        <a:rPr lang="it-IT" sz="2400" b="0" kern="1200" dirty="0">
+                          <a:solidFill>
+                            <a:schemeClr val="dk1"/>
+                          </a:solidFill>
+                          <a:effectLst/>
+                        </a:rPr>
+                        <a:t> Generation</a:t>
+                      </a:r>
+                      <a:endParaRPr lang="it-IT" sz="2400" dirty="0"/>
+                    </a:p>
+                  </a:txBody>
+                  <a:tcPr anchor="ctr"/>
+                </a:tc>
+                <a:tc>
+                  <a:txBody>
+                    <a:bodyPr/>
+                    <a:lstStyle/>
+                    <a:p>
+                      <a:pPr algn="l"/>
+                      <a:r>
+                        <a:rPr lang="it-IT" sz="2400" u="none" dirty="0"/>
+                        <a:t>0,87</a:t>
+                      </a:r>
+                    </a:p>
+                  </a:txBody>
+                  <a:tcPr anchor="ctr"/>
+                </a:tc>
+                <a:extLst>
+                  <a:ext uri="{0D108BD9-81ED-4DB2-BD59-A6C34878D82A}">
+                    <a16:rowId xmlns:a16="http://schemas.microsoft.com/office/drawing/2014/main" val="2415826370"/>
+                  </a:ext>
+                </a:extLst>
+              </a:tr>
+              <a:tr h="605896">
+                <a:tc>
+                  <a:txBody>
+                    <a:bodyPr/>
+                    <a:lstStyle/>
+                    <a:p>
+                      <a:pPr algn="l"/>
+                      <a:r>
+                        <a:rPr lang="it-IT" sz="2400" dirty="0"/>
+                        <a:t>Data Fusion</a:t>
+                      </a:r>
+                    </a:p>
+                  </a:txBody>
+                  <a:tcPr anchor="ctr"/>
+                </a:tc>
+                <a:tc>
+                  <a:txBody>
+                    <a:bodyPr/>
+                    <a:lstStyle/>
+                    <a:p>
+                      <a:pPr algn="l"/>
+                      <a:r>
+                        <a:rPr lang="it-IT" sz="2400" dirty="0"/>
+                        <a:t>0,51</a:t>
+                      </a:r>
+                    </a:p>
+                  </a:txBody>
+                  <a:tcPr anchor="ctr"/>
+                </a:tc>
+                <a:extLst>
+                  <a:ext uri="{0D108BD9-81ED-4DB2-BD59-A6C34878D82A}">
+                    <a16:rowId xmlns:a16="http://schemas.microsoft.com/office/drawing/2014/main" val="1107241392"/>
+                  </a:ext>
+                </a:extLst>
+              </a:tr>
+              <a:tr h="605896">
+                <a:tc>
+                  <a:txBody>
+                    <a:bodyPr/>
+                    <a:lstStyle/>
+                    <a:p>
+                      <a:pPr algn="l"/>
+                      <a:r>
+                        <a:rPr lang="it-IT" sz="2400" dirty="0"/>
+                        <a:t>Data </a:t>
+                      </a:r>
+                      <a:r>
+                        <a:rPr lang="it-IT" sz="2400" dirty="0" err="1"/>
+                        <a:t>Cleaning</a:t>
+                      </a:r>
+                      <a:endParaRPr lang="it-IT" sz="2400" dirty="0"/>
+                    </a:p>
+                  </a:txBody>
+                  <a:tcPr anchor="ctr"/>
+                </a:tc>
+                <a:tc>
+                  <a:txBody>
+                    <a:bodyPr/>
+                    <a:lstStyle/>
+                    <a:p>
+                      <a:pPr algn="l"/>
+                      <a:r>
+                        <a:rPr lang="it-IT" sz="2400" dirty="0"/>
+                        <a:t>0,46</a:t>
+                      </a:r>
+                    </a:p>
+                  </a:txBody>
+                  <a:tcPr anchor="ctr"/>
+                </a:tc>
+                <a:extLst>
+                  <a:ext uri="{0D108BD9-81ED-4DB2-BD59-A6C34878D82A}">
+                    <a16:rowId xmlns:a16="http://schemas.microsoft.com/office/drawing/2014/main" val="1669083752"/>
+                  </a:ext>
+                </a:extLst>
+              </a:tr>
+            </a:tbl>
+          </a:graphicData>
+        </a:graphic>
+      </p:graphicFrame>
     </p:spTree>
     <p:extLst>
       <p:ext uri="{BB962C8B-B14F-4D97-AF65-F5344CB8AC3E}">
-        <p14:creationId xmlns:p14="http://schemas.microsoft.com/office/powerpoint/2010/main" val="3653404674"/>
+        <p14:creationId xmlns:p14="http://schemas.microsoft.com/office/powerpoint/2010/main" val="3960624411"/>
       </p:ext>
     </p:extLst>
   </p:cSld>
@@ -6493,7 +7101,7 @@
 </p:sld>
 </file>
 
-<file path=ppt/slides/slide14.xml><?xml version="1.0" encoding="utf-8"?>
+<file path=ppt/slides/slide15.xml><?xml version="1.0" encoding="utf-8"?>
 <p:sld xmlns:a="http://schemas.openxmlformats.org/drawingml/2006/main" xmlns:r="http://schemas.openxmlformats.org/officeDocument/2006/relationships" xmlns:p="http://schemas.openxmlformats.org/presentationml/2006/main">
   <p:cSld>
     <p:spTree>
@@ -6728,16 +7336,7 @@
               <a:defRPr/>
             </a:pPr>
             <a:r>
-              <a:rPr lang="it-IT" sz="4200" b="1" i="1" dirty="0">
-                <a:solidFill>
-                  <a:sysClr val="window" lastClr="FFFFFF"/>
-                </a:solidFill>
-                <a:latin typeface="Calibri"/>
-              </a:rPr>
-              <a:t>L</a:t>
-            </a:r>
-            <a:r>
-              <a:rPr kumimoji="0" lang="it-IT" sz="4200" b="1" i="1" u="none" strike="noStrike" kern="1200" cap="none" spc="0" normalizeH="0" baseline="0" noProof="0" dirty="0" err="1">
+              <a:rPr kumimoji="0" lang="it-IT" sz="4200" b="1" i="1" u="none" strike="noStrike" kern="1200" cap="none" spc="0" normalizeH="0" baseline="0" noProof="0" dirty="0">
                 <a:ln>
                   <a:noFill/>
                 </a:ln>
@@ -6751,10 +7350,10 @@
                 <a:ea typeface="+mj-ea"/>
                 <a:cs typeface="+mj-cs"/>
               </a:rPr>
-              <a:t>earnt</a:t>
-            </a:r>
-            <a:r>
-              <a:rPr kumimoji="0" lang="it-IT" sz="4200" b="1" i="1" u="none" strike="noStrike" kern="1200" cap="none" spc="0" normalizeH="0" baseline="0" noProof="0" dirty="0">
+              <a:t>Challenges and </a:t>
+            </a:r>
+            <a:r>
+              <a:rPr kumimoji="0" lang="it-IT" sz="4200" b="1" i="1" u="none" strike="noStrike" kern="1200" cap="none" spc="0" normalizeH="0" baseline="0" noProof="0" dirty="0" err="1">
                 <a:ln>
                   <a:noFill/>
                 </a:ln>
@@ -6768,10 +7367,10 @@
                 <a:ea typeface="+mj-ea"/>
                 <a:cs typeface="+mj-cs"/>
               </a:rPr>
-              <a:t> </a:t>
-            </a:r>
-            <a:r>
-              <a:rPr kumimoji="0" lang="it-IT" sz="4200" b="1" i="1" u="none" strike="noStrike" kern="1200" cap="none" spc="0" normalizeH="0" baseline="0" noProof="0" dirty="0" err="1">
+              <a:t>difficulties</a:t>
+            </a:r>
+            <a:r>
+              <a:rPr kumimoji="0" lang="it-IT" sz="4200" b="1" i="1" u="none" strike="noStrike" kern="1200" cap="none" spc="0" normalizeH="0" baseline="0" noProof="0" dirty="0">
                 <a:ln>
                   <a:noFill/>
                 </a:ln>
@@ -6785,34 +7384,17 @@
                 <a:ea typeface="+mj-ea"/>
                 <a:cs typeface="+mj-cs"/>
               </a:rPr>
-              <a:t>lessons</a:t>
-            </a:r>
-            <a:r>
-              <a:rPr kumimoji="0" lang="it-IT" sz="4200" b="1" i="1" u="none" strike="noStrike" kern="1200" cap="none" spc="0" normalizeH="0" baseline="0" noProof="0" dirty="0">
-                <a:ln>
-                  <a:noFill/>
-                </a:ln>
-                <a:solidFill>
-                  <a:sysClr val="window" lastClr="FFFFFF"/>
-                </a:solidFill>
-                <a:effectLst/>
-                <a:uLnTx/>
-                <a:uFillTx/>
-                <a:latin typeface="Calibri"/>
-                <a:ea typeface="+mj-ea"/>
-                <a:cs typeface="+mj-cs"/>
-              </a:rPr>
-              <a:t>  </a:t>
+              <a:t>   </a:t>
             </a:r>
           </a:p>
         </p:txBody>
       </p:sp>
       <p:sp>
         <p:nvSpPr>
-          <p:cNvPr id="2" name="CasellaDiTesto 1">
-            <a:extLst>
-              <a:ext uri="{FF2B5EF4-FFF2-40B4-BE49-F238E27FC236}">
-                <a16:creationId xmlns:a16="http://schemas.microsoft.com/office/drawing/2014/main" id="{020E2C89-7C6B-45D7-8D3B-5B4E0D4BCF11}"/>
+          <p:cNvPr id="8" name="CasellaDiTesto 7">
+            <a:extLst>
+              <a:ext uri="{FF2B5EF4-FFF2-40B4-BE49-F238E27FC236}">
+                <a16:creationId xmlns:a16="http://schemas.microsoft.com/office/drawing/2014/main" id="{5236FE2F-F2AC-4F8A-AF87-834EEF3155B3}"/>
               </a:ext>
             </a:extLst>
           </p:cNvPr>
@@ -6821,8 +7403,8 @@
         </p:nvSpPr>
         <p:spPr>
           <a:xfrm>
-            <a:off x="2153634" y="2274838"/>
-            <a:ext cx="7745731" cy="2308324"/>
+            <a:off x="1237718" y="1782395"/>
+            <a:ext cx="9577563" cy="3293209"/>
           </a:xfrm>
           <a:prstGeom prst="rect">
             <a:avLst/>
@@ -6835,73 +7417,139 @@
           </a:bodyPr>
           <a:lstStyle/>
           <a:p>
-            <a:pPr marL="285750" indent="-285750">
+            <a:pPr marL="285750" indent="-285750" algn="just">
               <a:buFont typeface="Arial" panose="020B0604020202020204" pitchFamily="34" charset="0"/>
               <a:buChar char="•"/>
             </a:pPr>
             <a:r>
-              <a:rPr lang="it-IT" sz="3600" b="1" dirty="0" err="1"/>
-              <a:t>Importance</a:t>
-            </a:r>
-            <a:r>
-              <a:rPr lang="it-IT" sz="3600" b="1" dirty="0"/>
-              <a:t> of Data </a:t>
-            </a:r>
-            <a:r>
-              <a:rPr lang="it-IT" sz="3600" b="1" dirty="0" err="1"/>
-              <a:t>Standardization</a:t>
-            </a:r>
-            <a:endParaRPr lang="it-IT" sz="3600" b="1" dirty="0"/>
-          </a:p>
-          <a:p>
-            <a:endParaRPr lang="it-IT" sz="1600" b="1" dirty="0"/>
-          </a:p>
-          <a:p>
-            <a:pPr marL="285750" indent="-285750">
+              <a:rPr lang="it-IT" sz="3200" b="1" dirty="0"/>
+              <a:t>HTML </a:t>
+            </a:r>
+            <a:r>
+              <a:rPr lang="it-IT" sz="3200" b="1" dirty="0" err="1"/>
+              <a:t>Parsing</a:t>
+            </a:r>
+            <a:r>
+              <a:rPr lang="it-IT" sz="3200" b="1" dirty="0"/>
+              <a:t> </a:t>
+            </a:r>
+            <a:r>
+              <a:rPr lang="it-IT" sz="3200" b="1" dirty="0" err="1"/>
+              <a:t>Complexity</a:t>
+            </a:r>
+            <a:r>
+              <a:rPr lang="it-IT" sz="3200" b="1" dirty="0"/>
+              <a:t> </a:t>
+            </a:r>
+          </a:p>
+          <a:p>
+            <a:pPr algn="just"/>
+            <a:r>
+              <a:rPr lang="it-IT" sz="2800" b="1" dirty="0"/>
+              <a:t>	</a:t>
+            </a:r>
+            <a:r>
+              <a:rPr lang="it-IT" sz="2800" dirty="0"/>
+              <a:t>(</a:t>
+            </a:r>
+            <a:r>
+              <a:rPr lang="it-IT" sz="2800" dirty="0" err="1"/>
+              <a:t>Varied</a:t>
+            </a:r>
+            <a:r>
+              <a:rPr lang="it-IT" sz="2800" dirty="0"/>
+              <a:t> HTML </a:t>
+            </a:r>
+            <a:r>
+              <a:rPr lang="it-IT" sz="2800" dirty="0" err="1"/>
+              <a:t>Structures</a:t>
+            </a:r>
+            <a:r>
+              <a:rPr lang="it-IT" sz="2800" dirty="0"/>
+              <a:t>, </a:t>
+            </a:r>
+            <a:r>
+              <a:rPr lang="it-IT" sz="2800" dirty="0" err="1"/>
+              <a:t>Malformed</a:t>
+            </a:r>
+            <a:r>
+              <a:rPr lang="it-IT" sz="2800" dirty="0"/>
+              <a:t> HTML)</a:t>
+            </a:r>
+          </a:p>
+          <a:p>
+            <a:pPr marL="342900" indent="-342900" algn="just">
               <a:buFont typeface="Arial" panose="020B0604020202020204" pitchFamily="34" charset="0"/>
               <a:buChar char="•"/>
             </a:pPr>
             <a:r>
-              <a:rPr lang="it-IT" sz="3600" b="1" dirty="0" err="1"/>
-              <a:t>Error</a:t>
-            </a:r>
-            <a:r>
-              <a:rPr lang="it-IT" sz="3600" b="1" dirty="0"/>
-              <a:t> Handling</a:t>
-            </a:r>
-          </a:p>
-          <a:p>
-            <a:endParaRPr lang="it-IT" b="1" dirty="0"/>
-          </a:p>
-          <a:p>
-            <a:pPr marL="285750" indent="-285750">
+              <a:rPr lang="en-US" sz="3200" b="1" dirty="0"/>
+              <a:t>Data Extraction </a:t>
+            </a:r>
+          </a:p>
+          <a:p>
+            <a:pPr algn="just"/>
+            <a:r>
+              <a:rPr lang="en-US" sz="2800" b="1" dirty="0"/>
+              <a:t>	</a:t>
+            </a:r>
+            <a:r>
+              <a:rPr lang="en-US" sz="2800" dirty="0"/>
+              <a:t>(Table Identification, Footnotes and References Handling, 	Nested Elements)</a:t>
+            </a:r>
+            <a:endParaRPr lang="it-IT" sz="2800" dirty="0"/>
+          </a:p>
+          <a:p>
+            <a:pPr marL="342900" indent="-342900" algn="just">
               <a:buFont typeface="Arial" panose="020B0604020202020204" pitchFamily="34" charset="0"/>
               <a:buChar char="•"/>
             </a:pPr>
             <a:r>
-              <a:rPr lang="it-IT" sz="3600" b="1" dirty="0"/>
-              <a:t>Regular </a:t>
-            </a:r>
-            <a:r>
-              <a:rPr lang="it-IT" sz="3600" b="1" dirty="0" err="1"/>
-              <a:t>Expressions</a:t>
-            </a:r>
-            <a:r>
-              <a:rPr lang="it-IT" sz="3600" b="1" dirty="0"/>
-              <a:t> and </a:t>
-            </a:r>
-            <a:r>
-              <a:rPr lang="it-IT" sz="3600" b="1" dirty="0" err="1"/>
-              <a:t>XPath</a:t>
-            </a:r>
-            <a:endParaRPr lang="it-IT" sz="3600" b="1" dirty="0"/>
+              <a:rPr lang="it-IT" sz="3200" b="1" dirty="0"/>
+              <a:t>Data </a:t>
+            </a:r>
+            <a:r>
+              <a:rPr lang="it-IT" sz="3200" b="1" dirty="0" err="1"/>
+              <a:t>Consistency</a:t>
+            </a:r>
+            <a:r>
+              <a:rPr lang="it-IT" sz="3200" b="1" dirty="0"/>
+              <a:t> </a:t>
+            </a:r>
+          </a:p>
+          <a:p>
+            <a:pPr algn="just"/>
+            <a:r>
+              <a:rPr lang="it-IT" sz="2800" b="1" dirty="0"/>
+              <a:t>	</a:t>
+            </a:r>
+            <a:r>
+              <a:rPr lang="it-IT" sz="2800" dirty="0"/>
+              <a:t>(</a:t>
+            </a:r>
+            <a:r>
+              <a:rPr lang="it-IT" sz="2800" dirty="0" err="1"/>
+              <a:t>Inconsistent</a:t>
+            </a:r>
+            <a:r>
+              <a:rPr lang="it-IT" sz="2800" dirty="0"/>
+              <a:t> </a:t>
+            </a:r>
+            <a:r>
+              <a:rPr lang="it-IT" sz="2800" dirty="0" err="1"/>
+              <a:t>Terminology</a:t>
+            </a:r>
+            <a:r>
+              <a:rPr lang="it-IT" sz="2800" dirty="0"/>
+              <a:t>)</a:t>
+            </a:r>
           </a:p>
         </p:txBody>
       </p:sp>
     </p:spTree>
     <p:extLst>
       <p:ext uri="{BB962C8B-B14F-4D97-AF65-F5344CB8AC3E}">
-        <p14:creationId xmlns:p14="http://schemas.microsoft.com/office/powerpoint/2010/main" val="2522121914"/>
+        <p14:creationId xmlns:p14="http://schemas.microsoft.com/office/powerpoint/2010/main" val="3653404674"/>
       </p:ext>
     </p:extLst>
   </p:cSld>
@@ -6911,7 +7559,7 @@
 </p:sld>
 </file>
 
-<file path=ppt/slides/slide15.xml><?xml version="1.0" encoding="utf-8"?>
+<file path=ppt/slides/slide16.xml><?xml version="1.0" encoding="utf-8"?>
 <p:sld xmlns:a="http://schemas.openxmlformats.org/drawingml/2006/main" xmlns:r="http://schemas.openxmlformats.org/officeDocument/2006/relationships" xmlns:p="http://schemas.openxmlformats.org/presentationml/2006/main">
   <p:cSld>
     <p:spTree>
@@ -7028,6 +7676,424 @@
               <a:tabLst/>
               <a:defRPr/>
             </a:pPr>
+            <a:endParaRPr kumimoji="0" lang="it-IT" sz="1351" b="0" i="0" u="none" strike="noStrike" kern="0" cap="none" spc="0" normalizeH="0" baseline="0" noProof="0">
+              <a:ln>
+                <a:noFill/>
+              </a:ln>
+              <a:solidFill>
+                <a:prstClr val="white"/>
+              </a:solidFill>
+              <a:effectLst/>
+              <a:uLnTx/>
+              <a:uFillTx/>
+              <a:latin typeface="Calibri"/>
+              <a:ea typeface="+mn-ea"/>
+              <a:cs typeface="+mn-cs"/>
+            </a:endParaRPr>
+          </a:p>
+        </p:txBody>
+      </p:sp>
+      <p:pic>
+        <p:nvPicPr>
+          <p:cNvPr id="6" name="Immagine 5">
+            <a:extLst>
+              <a:ext uri="{FF2B5EF4-FFF2-40B4-BE49-F238E27FC236}">
+                <a16:creationId xmlns:a16="http://schemas.microsoft.com/office/drawing/2014/main" id="{B6ED27F2-31E0-4EB3-8925-57C5F875937F}"/>
+              </a:ext>
+            </a:extLst>
+          </p:cNvPr>
+          <p:cNvPicPr>
+            <a:picLocks noChangeAspect="1"/>
+          </p:cNvPicPr>
+          <p:nvPr/>
+        </p:nvPicPr>
+        <p:blipFill>
+          <a:blip r:embed="rId2">
+            <a:extLst>
+              <a:ext uri="{28A0092B-C50C-407E-A947-70E740481C1C}">
+                <a14:useLocalDpi xmlns:a14="http://schemas.microsoft.com/office/drawing/2010/main" val="0"/>
+              </a:ext>
+            </a:extLst>
+          </a:blip>
+          <a:stretch>
+            <a:fillRect/>
+          </a:stretch>
+        </p:blipFill>
+        <p:spPr>
+          <a:xfrm>
+            <a:off x="0" y="-15333"/>
+            <a:ext cx="8190723" cy="853200"/>
+          </a:xfrm>
+          <a:prstGeom prst="rect">
+            <a:avLst/>
+          </a:prstGeom>
+        </p:spPr>
+      </p:pic>
+      <p:sp>
+        <p:nvSpPr>
+          <p:cNvPr id="7" name="Titolo 9">
+            <a:extLst>
+              <a:ext uri="{FF2B5EF4-FFF2-40B4-BE49-F238E27FC236}">
+                <a16:creationId xmlns:a16="http://schemas.microsoft.com/office/drawing/2014/main" id="{45749890-86AE-4131-97FF-CF8F18E36904}"/>
+              </a:ext>
+            </a:extLst>
+          </p:cNvPr>
+          <p:cNvSpPr txBox="1">
+            <a:spLocks/>
+          </p:cNvSpPr>
+          <p:nvPr/>
+        </p:nvSpPr>
+        <p:spPr>
+          <a:xfrm>
+            <a:off x="-30144" y="-2188"/>
+            <a:ext cx="12113288" cy="848875"/>
+          </a:xfrm>
+          <a:prstGeom prst="rect">
+            <a:avLst/>
+          </a:prstGeom>
+        </p:spPr>
+        <p:txBody>
+          <a:bodyPr vert="horz" lIns="91440" tIns="45720" rIns="91440" bIns="45720" rtlCol="0" anchor="ctr">
+            <a:normAutofit/>
+          </a:bodyPr>
+          <a:lstStyle>
+            <a:lvl1pPr algn="l" defTabSz="914400" rtl="0" eaLnBrk="1" latinLnBrk="0" hangingPunct="1">
+              <a:lnSpc>
+                <a:spcPct val="90000"/>
+              </a:lnSpc>
+              <a:spcBef>
+                <a:spcPct val="0"/>
+              </a:spcBef>
+              <a:buNone/>
+              <a:defRPr sz="4400" kern="1200">
+                <a:solidFill>
+                  <a:schemeClr val="tx1"/>
+                </a:solidFill>
+                <a:latin typeface="+mj-lt"/>
+                <a:ea typeface="+mj-ea"/>
+                <a:cs typeface="+mj-cs"/>
+              </a:defRPr>
+            </a:lvl1pPr>
+          </a:lstStyle>
+          <a:p>
+            <a:pPr marL="0" marR="0" lvl="0" indent="0" algn="r" defTabSz="914400" rtl="0" eaLnBrk="1" fontAlgn="auto" latinLnBrk="0" hangingPunct="1">
+              <a:lnSpc>
+                <a:spcPct val="90000"/>
+              </a:lnSpc>
+              <a:spcBef>
+                <a:spcPct val="0"/>
+              </a:spcBef>
+              <a:spcAft>
+                <a:spcPts val="0"/>
+              </a:spcAft>
+              <a:buClrTx/>
+              <a:buSzTx/>
+              <a:buFontTx/>
+              <a:buNone/>
+              <a:tabLst/>
+              <a:defRPr/>
+            </a:pPr>
+            <a:r>
+              <a:rPr lang="it-IT" sz="4200" b="1" i="1" dirty="0">
+                <a:solidFill>
+                  <a:sysClr val="window" lastClr="FFFFFF"/>
+                </a:solidFill>
+                <a:latin typeface="Calibri"/>
+              </a:rPr>
+              <a:t>L</a:t>
+            </a:r>
+            <a:r>
+              <a:rPr kumimoji="0" lang="it-IT" sz="4200" b="1" i="1" u="none" strike="noStrike" kern="1200" cap="none" spc="0" normalizeH="0" baseline="0" noProof="0" dirty="0" err="1">
+                <a:ln>
+                  <a:noFill/>
+                </a:ln>
+                <a:solidFill>
+                  <a:sysClr val="window" lastClr="FFFFFF"/>
+                </a:solidFill>
+                <a:effectLst/>
+                <a:uLnTx/>
+                <a:uFillTx/>
+                <a:latin typeface="Calibri"/>
+                <a:ea typeface="+mj-ea"/>
+                <a:cs typeface="+mj-cs"/>
+              </a:rPr>
+              <a:t>earnt</a:t>
+            </a:r>
+            <a:r>
+              <a:rPr kumimoji="0" lang="it-IT" sz="4200" b="1" i="1" u="none" strike="noStrike" kern="1200" cap="none" spc="0" normalizeH="0" baseline="0" noProof="0" dirty="0">
+                <a:ln>
+                  <a:noFill/>
+                </a:ln>
+                <a:solidFill>
+                  <a:sysClr val="window" lastClr="FFFFFF"/>
+                </a:solidFill>
+                <a:effectLst/>
+                <a:uLnTx/>
+                <a:uFillTx/>
+                <a:latin typeface="Calibri"/>
+                <a:ea typeface="+mj-ea"/>
+                <a:cs typeface="+mj-cs"/>
+              </a:rPr>
+              <a:t> </a:t>
+            </a:r>
+            <a:r>
+              <a:rPr kumimoji="0" lang="it-IT" sz="4200" b="1" i="1" u="none" strike="noStrike" kern="1200" cap="none" spc="0" normalizeH="0" baseline="0" noProof="0" dirty="0" err="1">
+                <a:ln>
+                  <a:noFill/>
+                </a:ln>
+                <a:solidFill>
+                  <a:sysClr val="window" lastClr="FFFFFF"/>
+                </a:solidFill>
+                <a:effectLst/>
+                <a:uLnTx/>
+                <a:uFillTx/>
+                <a:latin typeface="Calibri"/>
+                <a:ea typeface="+mj-ea"/>
+                <a:cs typeface="+mj-cs"/>
+              </a:rPr>
+              <a:t>lessons</a:t>
+            </a:r>
+            <a:r>
+              <a:rPr kumimoji="0" lang="it-IT" sz="4200" b="1" i="1" u="none" strike="noStrike" kern="1200" cap="none" spc="0" normalizeH="0" baseline="0" noProof="0" dirty="0">
+                <a:ln>
+                  <a:noFill/>
+                </a:ln>
+                <a:solidFill>
+                  <a:sysClr val="window" lastClr="FFFFFF"/>
+                </a:solidFill>
+                <a:effectLst/>
+                <a:uLnTx/>
+                <a:uFillTx/>
+                <a:latin typeface="Calibri"/>
+                <a:ea typeface="+mj-ea"/>
+                <a:cs typeface="+mj-cs"/>
+              </a:rPr>
+              <a:t>  </a:t>
+            </a:r>
+          </a:p>
+        </p:txBody>
+      </p:sp>
+      <p:sp>
+        <p:nvSpPr>
+          <p:cNvPr id="2" name="CasellaDiTesto 1">
+            <a:extLst>
+              <a:ext uri="{FF2B5EF4-FFF2-40B4-BE49-F238E27FC236}">
+                <a16:creationId xmlns:a16="http://schemas.microsoft.com/office/drawing/2014/main" id="{020E2C89-7C6B-45D7-8D3B-5B4E0D4BCF11}"/>
+              </a:ext>
+            </a:extLst>
+          </p:cNvPr>
+          <p:cNvSpPr txBox="1"/>
+          <p:nvPr/>
+        </p:nvSpPr>
+        <p:spPr>
+          <a:xfrm>
+            <a:off x="2153634" y="2274838"/>
+            <a:ext cx="7745731" cy="2308324"/>
+          </a:xfrm>
+          <a:prstGeom prst="rect">
+            <a:avLst/>
+          </a:prstGeom>
+          <a:noFill/>
+        </p:spPr>
+        <p:txBody>
+          <a:bodyPr wrap="square" rtlCol="0">
+            <a:spAutoFit/>
+          </a:bodyPr>
+          <a:lstStyle/>
+          <a:p>
+            <a:pPr marL="285750" indent="-285750">
+              <a:buFont typeface="Arial" panose="020B0604020202020204" pitchFamily="34" charset="0"/>
+              <a:buChar char="•"/>
+            </a:pPr>
+            <a:r>
+              <a:rPr lang="it-IT" sz="3600" b="1" dirty="0" err="1"/>
+              <a:t>Importance</a:t>
+            </a:r>
+            <a:r>
+              <a:rPr lang="it-IT" sz="3600" b="1" dirty="0"/>
+              <a:t> of Data </a:t>
+            </a:r>
+            <a:r>
+              <a:rPr lang="it-IT" sz="3600" b="1" dirty="0" err="1"/>
+              <a:t>Standardization</a:t>
+            </a:r>
+            <a:endParaRPr lang="it-IT" sz="3600" b="1" dirty="0"/>
+          </a:p>
+          <a:p>
+            <a:endParaRPr lang="it-IT" sz="1600" b="1" dirty="0"/>
+          </a:p>
+          <a:p>
+            <a:pPr marL="285750" indent="-285750">
+              <a:buFont typeface="Arial" panose="020B0604020202020204" pitchFamily="34" charset="0"/>
+              <a:buChar char="•"/>
+            </a:pPr>
+            <a:r>
+              <a:rPr lang="it-IT" sz="3600" b="1" dirty="0" err="1"/>
+              <a:t>Error</a:t>
+            </a:r>
+            <a:r>
+              <a:rPr lang="it-IT" sz="3600" b="1" dirty="0"/>
+              <a:t> Handling</a:t>
+            </a:r>
+          </a:p>
+          <a:p>
+            <a:endParaRPr lang="it-IT" b="1" dirty="0"/>
+          </a:p>
+          <a:p>
+            <a:pPr marL="285750" indent="-285750">
+              <a:buFont typeface="Arial" panose="020B0604020202020204" pitchFamily="34" charset="0"/>
+              <a:buChar char="•"/>
+            </a:pPr>
+            <a:r>
+              <a:rPr lang="it-IT" sz="3600" b="1" dirty="0"/>
+              <a:t>Regular </a:t>
+            </a:r>
+            <a:r>
+              <a:rPr lang="it-IT" sz="3600" b="1" dirty="0" err="1"/>
+              <a:t>Expressions</a:t>
+            </a:r>
+            <a:r>
+              <a:rPr lang="it-IT" sz="3600" b="1" dirty="0"/>
+              <a:t> and </a:t>
+            </a:r>
+            <a:r>
+              <a:rPr lang="it-IT" sz="3600" b="1" dirty="0" err="1"/>
+              <a:t>XPath</a:t>
+            </a:r>
+            <a:endParaRPr lang="it-IT" sz="3600" b="1" dirty="0"/>
+          </a:p>
+        </p:txBody>
+      </p:sp>
+    </p:spTree>
+    <p:extLst>
+      <p:ext uri="{BB962C8B-B14F-4D97-AF65-F5344CB8AC3E}">
+        <p14:creationId xmlns:p14="http://schemas.microsoft.com/office/powerpoint/2010/main" val="2522121914"/>
+      </p:ext>
+    </p:extLst>
+  </p:cSld>
+  <p:clrMapOvr>
+    <a:masterClrMapping/>
+  </p:clrMapOvr>
+</p:sld>
+</file>
+
+<file path=ppt/slides/slide17.xml><?xml version="1.0" encoding="utf-8"?>
+<p:sld xmlns:a="http://schemas.openxmlformats.org/drawingml/2006/main" xmlns:r="http://schemas.openxmlformats.org/officeDocument/2006/relationships" xmlns:p="http://schemas.openxmlformats.org/presentationml/2006/main">
+  <p:cSld>
+    <p:spTree>
+      <p:nvGrpSpPr>
+        <p:cNvPr id="1" name=""/>
+        <p:cNvGrpSpPr/>
+        <p:nvPr/>
+      </p:nvGrpSpPr>
+      <p:grpSpPr>
+        <a:xfrm>
+          <a:off x="0" y="0"/>
+          <a:ext cx="0" cy="0"/>
+          <a:chOff x="0" y="0"/>
+          <a:chExt cx="0" cy="0"/>
+        </a:xfrm>
+      </p:grpSpPr>
+      <p:sp>
+        <p:nvSpPr>
+          <p:cNvPr id="4" name="Rettangolo 3">
+            <a:extLst>
+              <a:ext uri="{FF2B5EF4-FFF2-40B4-BE49-F238E27FC236}">
+                <a16:creationId xmlns:a16="http://schemas.microsoft.com/office/drawing/2014/main" id="{3234B922-91EB-46D9-ADFB-DE530F10C933}"/>
+              </a:ext>
+            </a:extLst>
+          </p:cNvPr>
+          <p:cNvSpPr/>
+          <p:nvPr/>
+        </p:nvSpPr>
+        <p:spPr>
+          <a:xfrm>
+            <a:off x="0" y="6536887"/>
+            <a:ext cx="12192000" cy="321115"/>
+          </a:xfrm>
+          <a:prstGeom prst="rect">
+            <a:avLst/>
+          </a:prstGeom>
+          <a:solidFill>
+            <a:srgbClr val="003365"/>
+          </a:solidFill>
+        </p:spPr>
+        <p:style>
+          <a:lnRef idx="2">
+            <a:schemeClr val="accent1">
+              <a:shade val="50000"/>
+            </a:schemeClr>
+          </a:lnRef>
+          <a:fillRef idx="1">
+            <a:schemeClr val="accent1"/>
+          </a:fillRef>
+          <a:effectRef idx="0">
+            <a:schemeClr val="accent1"/>
+          </a:effectRef>
+          <a:fontRef idx="minor">
+            <a:schemeClr val="lt1"/>
+          </a:fontRef>
+        </p:style>
+        <p:txBody>
+          <a:bodyPr rtlCol="0" anchor="ctr"/>
+          <a:lstStyle/>
+          <a:p>
+            <a:pPr algn="ctr"/>
+            <a:endParaRPr lang="it-IT" sz="1351" b="1" dirty="0"/>
+          </a:p>
+        </p:txBody>
+      </p:sp>
+      <p:sp>
+        <p:nvSpPr>
+          <p:cNvPr id="5" name="Rettangolo 4">
+            <a:extLst>
+              <a:ext uri="{FF2B5EF4-FFF2-40B4-BE49-F238E27FC236}">
+                <a16:creationId xmlns:a16="http://schemas.microsoft.com/office/drawing/2014/main" id="{640887F2-24B6-4F98-BA60-077BFE8087AE}"/>
+              </a:ext>
+            </a:extLst>
+          </p:cNvPr>
+          <p:cNvSpPr/>
+          <p:nvPr/>
+        </p:nvSpPr>
+        <p:spPr>
+          <a:xfrm>
+            <a:off x="0" y="-15333"/>
+            <a:ext cx="12192000" cy="867601"/>
+          </a:xfrm>
+          <a:prstGeom prst="rect">
+            <a:avLst/>
+          </a:prstGeom>
+          <a:solidFill>
+            <a:srgbClr val="003365"/>
+          </a:solidFill>
+          <a:ln w="12700" cap="flat" cmpd="sng" algn="ctr">
+            <a:noFill/>
+            <a:prstDash val="solid"/>
+            <a:miter lim="800000"/>
+          </a:ln>
+          <a:effectLst/>
+        </p:spPr>
+        <p:txBody>
+          <a:bodyPr rtlCol="0" anchor="ctr"/>
+          <a:lstStyle/>
+          <a:p>
+            <a:pPr marL="0" marR="0" lvl="0" indent="0" algn="ctr" defTabSz="914400" eaLnBrk="1" fontAlgn="auto" latinLnBrk="0" hangingPunct="1">
+              <a:lnSpc>
+                <a:spcPct val="100000"/>
+              </a:lnSpc>
+              <a:spcBef>
+                <a:spcPts val="0"/>
+              </a:spcBef>
+              <a:spcAft>
+                <a:spcPts val="0"/>
+              </a:spcAft>
+              <a:buClrTx/>
+              <a:buSzTx/>
+              <a:buFontTx/>
+              <a:buNone/>
+              <a:tabLst/>
+              <a:defRPr/>
+            </a:pPr>
             <a:endParaRPr kumimoji="0" lang="it-IT" sz="1351" b="0" i="0" u="none" strike="noStrike" kern="0" cap="none" spc="0" normalizeH="0" baseline="0" noProof="0" dirty="0">
               <a:ln>
                 <a:noFill/>
@@ -7257,14 +8323,14 @@
           <a:effectLst/>
           <a:extLst>
             <a:ext uri="{909E8E84-426E-40dd-AFC4-6F175D3DCCD1}">
-              <a14:hiddenFill xmlns="" xmlns:a14="http://schemas.microsoft.com/office/drawing/2010/main">
+              <a14:hiddenFill xmlns:a14="http://schemas.microsoft.com/office/drawing/2010/main" xmlns="">
                 <a:solidFill>
                   <a:srgbClr val="FFFFFF"/>
                 </a:solidFill>
               </a14:hiddenFill>
             </a:ext>
             <a:ext uri="{91240B29-F687-4f45-9708-019B960494DF}">
-              <a14:hiddenLine xmlns="" xmlns:a14="http://schemas.microsoft.com/office/drawing/2010/main" w="9525">
+              <a14:hiddenLine xmlns:a14="http://schemas.microsoft.com/office/drawing/2010/main" xmlns="" w="9525">
                 <a:solidFill>
                   <a:srgbClr val="808080"/>
                 </a:solidFill>
@@ -7274,7 +8340,7 @@
               </a14:hiddenLine>
             </a:ext>
             <a:ext uri="{AF507438-7753-43e0-B8FC-AC1667EBCBE1}">
-              <a14:hiddenEffects xmlns="" xmlns:a14="http://schemas.microsoft.com/office/drawing/2010/main">
+              <a14:hiddenEffects xmlns:a14="http://schemas.microsoft.com/office/drawing/2010/main" xmlns="">
                 <a:effectLst>
                   <a:outerShdw blurRad="63500" dist="38099" dir="2700000" algn="ctr" rotWithShape="0">
                     <a:srgbClr val="000000">
@@ -7599,14 +8665,14 @@
           <a:effectLst/>
           <a:extLst>
             <a:ext uri="{909E8E84-426E-40dd-AFC4-6F175D3DCCD1}">
-              <a14:hiddenFill xmlns="" xmlns:a14="http://schemas.microsoft.com/office/drawing/2010/main">
+              <a14:hiddenFill xmlns:a14="http://schemas.microsoft.com/office/drawing/2010/main" xmlns="">
                 <a:solidFill>
                   <a:srgbClr val="FFFFFF"/>
                 </a:solidFill>
               </a14:hiddenFill>
             </a:ext>
             <a:ext uri="{91240B29-F687-4f45-9708-019B960494DF}">
-              <a14:hiddenLine xmlns="" xmlns:a14="http://schemas.microsoft.com/office/drawing/2010/main" w="9525">
+              <a14:hiddenLine xmlns:a14="http://schemas.microsoft.com/office/drawing/2010/main" xmlns="" w="9525">
                 <a:solidFill>
                   <a:srgbClr val="808080"/>
                 </a:solidFill>
@@ -7616,7 +8682,7 @@
               </a14:hiddenLine>
             </a:ext>
             <a:ext uri="{AF507438-7753-43e0-B8FC-AC1667EBCBE1}">
-              <a14:hiddenEffects xmlns="" xmlns:a14="http://schemas.microsoft.com/office/drawing/2010/main">
+              <a14:hiddenEffects xmlns:a14="http://schemas.microsoft.com/office/drawing/2010/main" xmlns="">
                 <a:effectLst>
                   <a:outerShdw blurRad="63500" dist="38099" dir="2700000" algn="ctr" rotWithShape="0">
                     <a:srgbClr val="000000">
@@ -12047,7 +13113,16 @@
               <a:defRPr/>
             </a:pPr>
             <a:r>
-              <a:rPr kumimoji="0" lang="it-IT" sz="4200" b="1" i="1" u="none" strike="noStrike" kern="1200" cap="none" spc="0" normalizeH="0" baseline="0" noProof="0" dirty="0">
+              <a:rPr lang="it-IT" sz="4200" b="1" i="1" dirty="0">
+                <a:solidFill>
+                  <a:sysClr val="window" lastClr="FFFFFF"/>
+                </a:solidFill>
+                <a:latin typeface="Calibri"/>
+              </a:rPr>
+              <a:t>XP</a:t>
+            </a:r>
+            <a:r>
+              <a:rPr kumimoji="0" lang="it-IT" sz="4200" b="1" i="1" u="none" strike="noStrike" kern="1200" cap="none" spc="0" normalizeH="0" baseline="0" noProof="0" dirty="0" err="1">
                 <a:ln>
                   <a:noFill/>
                 </a:ln>
@@ -12061,47 +13136,31 @@
                 <a:ea typeface="+mj-ea"/>
                 <a:cs typeface="+mj-cs"/>
               </a:rPr>
-              <a:t>Distribution   </a:t>
-            </a:r>
+              <a:t>ath</a:t>
+            </a:r>
+            <a:endParaRPr kumimoji="0" lang="it-IT" sz="4200" b="1" i="1" u="none" strike="noStrike" kern="1200" cap="none" spc="0" normalizeH="0" baseline="0" noProof="0" dirty="0">
+              <a:ln>
+                <a:noFill/>
+              </a:ln>
+              <a:solidFill>
+                <a:sysClr val="window" lastClr="FFFFFF"/>
+              </a:solidFill>
+              <a:effectLst/>
+              <a:uLnTx/>
+              <a:uFillTx/>
+              <a:latin typeface="Calibri"/>
+              <a:ea typeface="+mj-ea"/>
+              <a:cs typeface="+mj-cs"/>
+            </a:endParaRPr>
           </a:p>
         </p:txBody>
       </p:sp>
-      <p:pic>
-        <p:nvPicPr>
-          <p:cNvPr id="3" name="Immagine 2">
-            <a:extLst>
-              <a:ext uri="{FF2B5EF4-FFF2-40B4-BE49-F238E27FC236}">
-                <a16:creationId xmlns:a16="http://schemas.microsoft.com/office/drawing/2014/main" id="{DC069C2E-89B3-498E-8D45-E48A5A80F3C1}"/>
-              </a:ext>
-            </a:extLst>
-          </p:cNvPr>
-          <p:cNvPicPr>
-            <a:picLocks noChangeAspect="1"/>
-          </p:cNvPicPr>
-          <p:nvPr/>
-        </p:nvPicPr>
-        <p:blipFill>
-          <a:blip r:embed="rId3"/>
-          <a:stretch>
-            <a:fillRect/>
-          </a:stretch>
-        </p:blipFill>
-        <p:spPr>
-          <a:xfrm>
-            <a:off x="1860030" y="1353023"/>
-            <a:ext cx="8471940" cy="5009916"/>
-          </a:xfrm>
-          <a:prstGeom prst="rect">
-            <a:avLst/>
-          </a:prstGeom>
-        </p:spPr>
-      </p:pic>
       <p:sp>
         <p:nvSpPr>
-          <p:cNvPr id="8" name="CasellaDiTesto 7">
-            <a:extLst>
-              <a:ext uri="{FF2B5EF4-FFF2-40B4-BE49-F238E27FC236}">
-                <a16:creationId xmlns:a16="http://schemas.microsoft.com/office/drawing/2014/main" id="{484FCF97-1BF6-4FEA-BB1D-7041A0F8E591}"/>
+          <p:cNvPr id="2" name="CasellaDiTesto 1">
+            <a:extLst>
+              <a:ext uri="{FF2B5EF4-FFF2-40B4-BE49-F238E27FC236}">
+                <a16:creationId xmlns:a16="http://schemas.microsoft.com/office/drawing/2014/main" id="{AF9390CD-6075-4CE4-8C6C-81ACEED17847}"/>
               </a:ext>
             </a:extLst>
           </p:cNvPr>
@@ -12110,8 +13169,8 @@
         </p:nvSpPr>
         <p:spPr>
           <a:xfrm>
-            <a:off x="2095500" y="1019175"/>
-            <a:ext cx="820481" cy="461665"/>
+            <a:off x="952499" y="1733550"/>
+            <a:ext cx="9858375" cy="3416320"/>
           </a:xfrm>
           <a:prstGeom prst="rect">
             <a:avLst/>
@@ -12119,22 +13178,355 @@
           <a:noFill/>
         </p:spPr>
         <p:txBody>
-          <a:bodyPr wrap="none" rtlCol="0">
+          <a:bodyPr wrap="square" rtlCol="0">
             <a:spAutoFit/>
           </a:bodyPr>
           <a:lstStyle/>
           <a:p>
-            <a:r>
-              <a:rPr lang="it-IT" sz="2400" b="1" dirty="0"/>
-              <a:t>RAG:</a:t>
-            </a:r>
+            <a:pPr marL="285750" indent="-285750">
+              <a:buFont typeface="Arial" panose="020B0604020202020204" pitchFamily="34" charset="0"/>
+              <a:buChar char="•"/>
+            </a:pPr>
+            <a:r>
+              <a:rPr lang="it-IT" sz="2400" dirty="0"/>
+              <a:t>To </a:t>
+            </a:r>
+            <a:r>
+              <a:rPr lang="it-IT" sz="2400" dirty="0" err="1"/>
+              <a:t>extract</a:t>
+            </a:r>
+            <a:r>
+              <a:rPr lang="it-IT" sz="2400" dirty="0"/>
+              <a:t> </a:t>
+            </a:r>
+            <a:r>
+              <a:rPr lang="it-IT" sz="2400" dirty="0" err="1"/>
+              <a:t>all</a:t>
+            </a:r>
+            <a:r>
+              <a:rPr lang="it-IT" sz="2400" dirty="0"/>
+              <a:t> </a:t>
+            </a:r>
+            <a:r>
+              <a:rPr lang="it-IT" sz="2400" dirty="0" err="1"/>
+              <a:t>tables</a:t>
+            </a:r>
+            <a:r>
+              <a:rPr lang="it-IT" sz="2400" dirty="0"/>
+              <a:t>: 				</a:t>
+            </a:r>
+          </a:p>
+          <a:p>
+            <a:pPr algn="ctr"/>
+            <a:r>
+              <a:rPr lang="it-IT" sz="2400" b="0" dirty="0">
+                <a:solidFill>
+                  <a:srgbClr val="CE9178"/>
+                </a:solidFill>
+                <a:effectLst/>
+              </a:rPr>
+              <a:t>//</a:t>
+            </a:r>
+            <a:r>
+              <a:rPr lang="it-IT" sz="2400" b="0" dirty="0" err="1">
+                <a:solidFill>
+                  <a:srgbClr val="CE9178"/>
+                </a:solidFill>
+                <a:effectLst/>
+              </a:rPr>
+              <a:t>table</a:t>
+            </a:r>
+            <a:endParaRPr lang="it-IT" sz="2400" b="0" dirty="0">
+              <a:solidFill>
+                <a:srgbClr val="CCCCCC"/>
+              </a:solidFill>
+              <a:effectLst/>
+            </a:endParaRPr>
+          </a:p>
+          <a:p>
+            <a:pPr marL="285750" indent="-285750">
+              <a:buFont typeface="Arial" panose="020B0604020202020204" pitchFamily="34" charset="0"/>
+              <a:buChar char="•"/>
+            </a:pPr>
+            <a:r>
+              <a:rPr lang="it-IT" sz="2400" dirty="0"/>
+              <a:t>To </a:t>
+            </a:r>
+            <a:r>
+              <a:rPr lang="it-IT" sz="2400" dirty="0" err="1"/>
+              <a:t>extract</a:t>
+            </a:r>
+            <a:r>
+              <a:rPr lang="it-IT" sz="2400" dirty="0"/>
+              <a:t> </a:t>
+            </a:r>
+            <a:r>
+              <a:rPr lang="en-US" sz="2400" dirty="0"/>
+              <a:t>the caption of the table:			</a:t>
+            </a:r>
+          </a:p>
+          <a:p>
+            <a:pPr algn="ctr"/>
+            <a:r>
+              <a:rPr lang="it-IT" sz="2400" b="0" dirty="0">
+                <a:solidFill>
+                  <a:srgbClr val="CE9178"/>
+                </a:solidFill>
+                <a:effectLst/>
+              </a:rPr>
+              <a:t>./</a:t>
+            </a:r>
+            <a:r>
+              <a:rPr lang="it-IT" sz="2400" b="0" dirty="0" err="1">
+                <a:solidFill>
+                  <a:srgbClr val="CE9178"/>
+                </a:solidFill>
+                <a:effectLst/>
+              </a:rPr>
+              <a:t>ancestor</a:t>
+            </a:r>
+            <a:r>
+              <a:rPr lang="it-IT" sz="2400" b="0" dirty="0">
+                <a:solidFill>
+                  <a:srgbClr val="CE9178"/>
+                </a:solidFill>
+                <a:effectLst/>
+              </a:rPr>
+              <a:t>::figure/</a:t>
+            </a:r>
+            <a:r>
+              <a:rPr lang="it-IT" sz="2400" b="0" dirty="0" err="1">
+                <a:solidFill>
+                  <a:srgbClr val="CE9178"/>
+                </a:solidFill>
+                <a:effectLst/>
+              </a:rPr>
+              <a:t>figcaption</a:t>
+            </a:r>
+            <a:endParaRPr lang="it-IT" sz="2400" b="0" dirty="0">
+              <a:solidFill>
+                <a:srgbClr val="CCCCCC"/>
+              </a:solidFill>
+              <a:effectLst/>
+            </a:endParaRPr>
+          </a:p>
+          <a:p>
+            <a:pPr marL="285750" indent="-285750">
+              <a:buFont typeface="Arial" panose="020B0604020202020204" pitchFamily="34" charset="0"/>
+              <a:buChar char="•"/>
+            </a:pPr>
+            <a:r>
+              <a:rPr lang="it-IT" sz="2400" dirty="0"/>
+              <a:t>To </a:t>
+            </a:r>
+            <a:r>
+              <a:rPr lang="it-IT" sz="2400" dirty="0" err="1"/>
+              <a:t>extract</a:t>
+            </a:r>
+            <a:r>
+              <a:rPr lang="it-IT" sz="2400" dirty="0"/>
+              <a:t> </a:t>
+            </a:r>
+            <a:r>
+              <a:rPr lang="en-US" sz="2400" dirty="0"/>
+              <a:t>footnotes related to the table:		</a:t>
+            </a:r>
+          </a:p>
+          <a:p>
+            <a:pPr algn="ctr"/>
+            <a:r>
+              <a:rPr lang="it-IT" sz="2400" b="0" dirty="0">
+                <a:solidFill>
+                  <a:srgbClr val="CE9178"/>
+                </a:solidFill>
+                <a:effectLst/>
+              </a:rPr>
+              <a:t>.//</a:t>
+            </a:r>
+            <a:r>
+              <a:rPr lang="it-IT" sz="2400" b="0" dirty="0" err="1">
+                <a:solidFill>
+                  <a:srgbClr val="CE9178"/>
+                </a:solidFill>
+                <a:effectLst/>
+              </a:rPr>
+              <a:t>cite</a:t>
+            </a:r>
+            <a:endParaRPr lang="it-IT" sz="2400" b="0" dirty="0">
+              <a:solidFill>
+                <a:srgbClr val="CCCCCC"/>
+              </a:solidFill>
+              <a:effectLst/>
+            </a:endParaRPr>
+          </a:p>
+          <a:p>
+            <a:pPr marL="285750" indent="-285750">
+              <a:buFont typeface="Arial" panose="020B0604020202020204" pitchFamily="34" charset="0"/>
+              <a:buChar char="•"/>
+            </a:pPr>
+            <a:r>
+              <a:rPr lang="en-US" sz="2400" dirty="0"/>
+              <a:t>To find paragraphs that contain an </a:t>
+            </a:r>
+            <a:r>
+              <a:rPr lang="en-US" sz="2400" dirty="0" err="1"/>
+              <a:t>href</a:t>
+            </a:r>
+            <a:r>
+              <a:rPr lang="en-US" sz="2400" dirty="0"/>
+              <a:t> with the fragment that refers to the current table		</a:t>
+            </a:r>
+          </a:p>
+          <a:p>
+            <a:pPr algn="ctr"/>
+            <a:r>
+              <a:rPr lang="en-US" sz="2400" b="0" dirty="0">
+                <a:solidFill>
+                  <a:srgbClr val="CE9178"/>
+                </a:solidFill>
+                <a:effectLst/>
+              </a:rPr>
+              <a:t>//p[a[contains(@href, '#</a:t>
+            </a:r>
+            <a:r>
+              <a:rPr lang="en-US" sz="2400" b="0" dirty="0">
+                <a:solidFill>
+                  <a:srgbClr val="569CD6"/>
+                </a:solidFill>
+                <a:effectLst/>
+              </a:rPr>
+              <a:t>{</a:t>
+            </a:r>
+            <a:r>
+              <a:rPr lang="en-US" sz="2400" b="0" dirty="0">
+                <a:solidFill>
+                  <a:srgbClr val="CE9178"/>
+                </a:solidFill>
+                <a:effectLst/>
+              </a:rPr>
+              <a:t>'.'</a:t>
+            </a:r>
+            <a:r>
+              <a:rPr lang="en-US" sz="2400" b="0" dirty="0">
+                <a:solidFill>
+                  <a:srgbClr val="CCCCCC"/>
+                </a:solidFill>
+                <a:effectLst/>
+              </a:rPr>
+              <a:t>.</a:t>
+            </a:r>
+            <a:r>
+              <a:rPr lang="en-US" sz="2400" b="0" dirty="0">
+                <a:solidFill>
+                  <a:srgbClr val="DCDCAA"/>
+                </a:solidFill>
+                <a:effectLst/>
+              </a:rPr>
+              <a:t>join</a:t>
+            </a:r>
+            <a:r>
+              <a:rPr lang="en-US" sz="2400" b="0" dirty="0">
+                <a:solidFill>
+                  <a:srgbClr val="CCCCCC"/>
+                </a:solidFill>
+                <a:effectLst/>
+              </a:rPr>
+              <a:t>(</a:t>
+            </a:r>
+            <a:r>
+              <a:rPr lang="en-US" sz="2400" b="0" dirty="0" err="1">
+                <a:solidFill>
+                  <a:srgbClr val="9CDCFE"/>
+                </a:solidFill>
+                <a:effectLst/>
+              </a:rPr>
+              <a:t>table_id</a:t>
+            </a:r>
+            <a:r>
+              <a:rPr lang="en-US" sz="2400" b="0" dirty="0" err="1">
+                <a:solidFill>
+                  <a:srgbClr val="CCCCCC"/>
+                </a:solidFill>
+                <a:effectLst/>
+              </a:rPr>
+              <a:t>.split</a:t>
+            </a:r>
+            <a:r>
+              <a:rPr lang="en-US" sz="2400" b="0" dirty="0">
+                <a:solidFill>
+                  <a:srgbClr val="CCCCCC"/>
+                </a:solidFill>
+                <a:effectLst/>
+              </a:rPr>
+              <a:t>(</a:t>
+            </a:r>
+            <a:r>
+              <a:rPr lang="en-US" sz="2400" b="0" dirty="0">
+                <a:solidFill>
+                  <a:srgbClr val="CE9178"/>
+                </a:solidFill>
+                <a:effectLst/>
+              </a:rPr>
+              <a:t>'.'</a:t>
+            </a:r>
+            <a:r>
+              <a:rPr lang="en-US" sz="2400" b="0" dirty="0">
+                <a:solidFill>
+                  <a:srgbClr val="CCCCCC"/>
+                </a:solidFill>
+                <a:effectLst/>
+              </a:rPr>
+              <a:t>)[:</a:t>
+            </a:r>
+            <a:r>
+              <a:rPr lang="en-US" sz="2400" b="0" dirty="0">
+                <a:solidFill>
+                  <a:srgbClr val="B5CEA8"/>
+                </a:solidFill>
+                <a:effectLst/>
+              </a:rPr>
+              <a:t>2</a:t>
+            </a:r>
+            <a:r>
+              <a:rPr lang="en-US" sz="2400" b="0" dirty="0">
+                <a:solidFill>
+                  <a:srgbClr val="CCCCCC"/>
+                </a:solidFill>
+                <a:effectLst/>
+              </a:rPr>
+              <a:t>])</a:t>
+            </a:r>
+            <a:r>
+              <a:rPr lang="en-US" sz="2400" b="0" dirty="0">
+                <a:solidFill>
+                  <a:srgbClr val="569CD6"/>
+                </a:solidFill>
+                <a:effectLst/>
+              </a:rPr>
+              <a:t>}</a:t>
+            </a:r>
+            <a:r>
+              <a:rPr lang="en-US" sz="2400" b="0" dirty="0">
+                <a:solidFill>
+                  <a:srgbClr val="CE9178"/>
+                </a:solidFill>
+                <a:effectLst/>
+              </a:rPr>
+              <a:t>')]]</a:t>
+            </a:r>
+            <a:endParaRPr lang="en-US" sz="2400" b="0" dirty="0">
+              <a:solidFill>
+                <a:srgbClr val="CCCCCC"/>
+              </a:solidFill>
+              <a:effectLst/>
+            </a:endParaRPr>
           </a:p>
         </p:txBody>
       </p:sp>
     </p:spTree>
     <p:extLst>
       <p:ext uri="{BB962C8B-B14F-4D97-AF65-F5344CB8AC3E}">
-        <p14:creationId xmlns:p14="http://schemas.microsoft.com/office/powerpoint/2010/main" val="141760284"/>
+        <p14:creationId xmlns:p14="http://schemas.microsoft.com/office/powerpoint/2010/main" val="3722969332"/>
       </p:ext>
     </p:extLst>
   </p:cSld>
@@ -12403,7 +13795,7 @@
           <p:cNvPr id="3" name="Immagine 2">
             <a:extLst>
               <a:ext uri="{FF2B5EF4-FFF2-40B4-BE49-F238E27FC236}">
-                <a16:creationId xmlns:a16="http://schemas.microsoft.com/office/drawing/2014/main" id="{6D9083FB-4DAE-48DB-A533-5AA6517A829D}"/>
+                <a16:creationId xmlns:a16="http://schemas.microsoft.com/office/drawing/2014/main" id="{DC069C2E-89B3-498E-8D45-E48A5A80F3C1}"/>
               </a:ext>
             </a:extLst>
           </p:cNvPr>
@@ -12420,8 +13812,8 @@
         </p:blipFill>
         <p:spPr>
           <a:xfrm>
-            <a:off x="1603464" y="1216876"/>
-            <a:ext cx="8846072" cy="5238935"/>
+            <a:off x="1860030" y="1353023"/>
+            <a:ext cx="8471940" cy="5009916"/>
           </a:xfrm>
           <a:prstGeom prst="rect">
             <a:avLst/>
@@ -12433,7 +13825,7 @@
           <p:cNvPr id="8" name="CasellaDiTesto 7">
             <a:extLst>
               <a:ext uri="{FF2B5EF4-FFF2-40B4-BE49-F238E27FC236}">
-                <a16:creationId xmlns:a16="http://schemas.microsoft.com/office/drawing/2014/main" id="{953A4B18-D5A2-49B8-A43F-F061A14D0E9E}"/>
+                <a16:creationId xmlns:a16="http://schemas.microsoft.com/office/drawing/2014/main" id="{484FCF97-1BF6-4FEA-BB1D-7041A0F8E591}"/>
               </a:ext>
             </a:extLst>
           </p:cNvPr>
@@ -12442,8 +13834,8 @@
         </p:nvSpPr>
         <p:spPr>
           <a:xfrm>
-            <a:off x="1857375" y="1000125"/>
-            <a:ext cx="1773755" cy="461665"/>
+            <a:off x="2095500" y="1019175"/>
+            <a:ext cx="820481" cy="461665"/>
           </a:xfrm>
           <a:prstGeom prst="rect">
             <a:avLst/>
@@ -12458,7 +13850,7 @@
           <a:p>
             <a:r>
               <a:rPr lang="it-IT" sz="2400" b="1" dirty="0"/>
-              <a:t>Data Fusion:</a:t>
+              <a:t>RAG:</a:t>
             </a:r>
           </a:p>
         </p:txBody>
@@ -12466,7 +13858,7 @@
     </p:spTree>
     <p:extLst>
       <p:ext uri="{BB962C8B-B14F-4D97-AF65-F5344CB8AC3E}">
-        <p14:creationId xmlns:p14="http://schemas.microsoft.com/office/powerpoint/2010/main" val="2515492727"/>
+        <p14:creationId xmlns:p14="http://schemas.microsoft.com/office/powerpoint/2010/main" val="141760284"/>
       </p:ext>
     </p:extLst>
   </p:cSld>
@@ -12725,6 +14117,338 @@
                 <a:ea typeface="+mj-ea"/>
                 <a:cs typeface="+mj-cs"/>
               </a:rPr>
+              <a:t>Distribution   </a:t>
+            </a:r>
+          </a:p>
+        </p:txBody>
+      </p:sp>
+      <p:pic>
+        <p:nvPicPr>
+          <p:cNvPr id="3" name="Immagine 2">
+            <a:extLst>
+              <a:ext uri="{FF2B5EF4-FFF2-40B4-BE49-F238E27FC236}">
+                <a16:creationId xmlns:a16="http://schemas.microsoft.com/office/drawing/2014/main" id="{6D9083FB-4DAE-48DB-A533-5AA6517A829D}"/>
+              </a:ext>
+            </a:extLst>
+          </p:cNvPr>
+          <p:cNvPicPr>
+            <a:picLocks noChangeAspect="1"/>
+          </p:cNvPicPr>
+          <p:nvPr/>
+        </p:nvPicPr>
+        <p:blipFill>
+          <a:blip r:embed="rId3"/>
+          <a:stretch>
+            <a:fillRect/>
+          </a:stretch>
+        </p:blipFill>
+        <p:spPr>
+          <a:xfrm>
+            <a:off x="1603464" y="1216876"/>
+            <a:ext cx="8846072" cy="5238935"/>
+          </a:xfrm>
+          <a:prstGeom prst="rect">
+            <a:avLst/>
+          </a:prstGeom>
+        </p:spPr>
+      </p:pic>
+      <p:sp>
+        <p:nvSpPr>
+          <p:cNvPr id="8" name="CasellaDiTesto 7">
+            <a:extLst>
+              <a:ext uri="{FF2B5EF4-FFF2-40B4-BE49-F238E27FC236}">
+                <a16:creationId xmlns:a16="http://schemas.microsoft.com/office/drawing/2014/main" id="{953A4B18-D5A2-49B8-A43F-F061A14D0E9E}"/>
+              </a:ext>
+            </a:extLst>
+          </p:cNvPr>
+          <p:cNvSpPr txBox="1"/>
+          <p:nvPr/>
+        </p:nvSpPr>
+        <p:spPr>
+          <a:xfrm>
+            <a:off x="1857375" y="1000125"/>
+            <a:ext cx="1773755" cy="461665"/>
+          </a:xfrm>
+          <a:prstGeom prst="rect">
+            <a:avLst/>
+          </a:prstGeom>
+          <a:noFill/>
+        </p:spPr>
+        <p:txBody>
+          <a:bodyPr wrap="none" rtlCol="0">
+            <a:spAutoFit/>
+          </a:bodyPr>
+          <a:lstStyle/>
+          <a:p>
+            <a:r>
+              <a:rPr lang="it-IT" sz="2400" b="1" dirty="0"/>
+              <a:t>Data Fusion:</a:t>
+            </a:r>
+          </a:p>
+        </p:txBody>
+      </p:sp>
+    </p:spTree>
+    <p:extLst>
+      <p:ext uri="{BB962C8B-B14F-4D97-AF65-F5344CB8AC3E}">
+        <p14:creationId xmlns:p14="http://schemas.microsoft.com/office/powerpoint/2010/main" val="2515492727"/>
+      </p:ext>
+    </p:extLst>
+  </p:cSld>
+  <p:clrMapOvr>
+    <a:masterClrMapping/>
+  </p:clrMapOvr>
+</p:sld>
+</file>
+
+<file path=ppt/slides/slide8.xml><?xml version="1.0" encoding="utf-8"?>
+<p:sld xmlns:a="http://schemas.openxmlformats.org/drawingml/2006/main" xmlns:r="http://schemas.openxmlformats.org/officeDocument/2006/relationships" xmlns:p="http://schemas.openxmlformats.org/presentationml/2006/main">
+  <p:cSld>
+    <p:spTree>
+      <p:nvGrpSpPr>
+        <p:cNvPr id="1" name=""/>
+        <p:cNvGrpSpPr/>
+        <p:nvPr/>
+      </p:nvGrpSpPr>
+      <p:grpSpPr>
+        <a:xfrm>
+          <a:off x="0" y="0"/>
+          <a:ext cx="0" cy="0"/>
+          <a:chOff x="0" y="0"/>
+          <a:chExt cx="0" cy="0"/>
+        </a:xfrm>
+      </p:grpSpPr>
+      <p:sp>
+        <p:nvSpPr>
+          <p:cNvPr id="4" name="Rettangolo 3">
+            <a:extLst>
+              <a:ext uri="{FF2B5EF4-FFF2-40B4-BE49-F238E27FC236}">
+                <a16:creationId xmlns:a16="http://schemas.microsoft.com/office/drawing/2014/main" id="{3234B922-91EB-46D9-ADFB-DE530F10C933}"/>
+              </a:ext>
+            </a:extLst>
+          </p:cNvPr>
+          <p:cNvSpPr/>
+          <p:nvPr/>
+        </p:nvSpPr>
+        <p:spPr>
+          <a:xfrm>
+            <a:off x="0" y="6536887"/>
+            <a:ext cx="12192000" cy="321115"/>
+          </a:xfrm>
+          <a:prstGeom prst="rect">
+            <a:avLst/>
+          </a:prstGeom>
+          <a:solidFill>
+            <a:srgbClr val="003365"/>
+          </a:solidFill>
+        </p:spPr>
+        <p:style>
+          <a:lnRef idx="2">
+            <a:schemeClr val="accent1">
+              <a:shade val="50000"/>
+            </a:schemeClr>
+          </a:lnRef>
+          <a:fillRef idx="1">
+            <a:schemeClr val="accent1"/>
+          </a:fillRef>
+          <a:effectRef idx="0">
+            <a:schemeClr val="accent1"/>
+          </a:effectRef>
+          <a:fontRef idx="minor">
+            <a:schemeClr val="lt1"/>
+          </a:fontRef>
+        </p:style>
+        <p:txBody>
+          <a:bodyPr rtlCol="0" anchor="ctr"/>
+          <a:lstStyle/>
+          <a:p>
+            <a:pPr algn="ctr"/>
+            <a:endParaRPr lang="it-IT" sz="1351" b="1" dirty="0"/>
+          </a:p>
+        </p:txBody>
+      </p:sp>
+      <p:sp>
+        <p:nvSpPr>
+          <p:cNvPr id="5" name="Rettangolo 4">
+            <a:extLst>
+              <a:ext uri="{FF2B5EF4-FFF2-40B4-BE49-F238E27FC236}">
+                <a16:creationId xmlns:a16="http://schemas.microsoft.com/office/drawing/2014/main" id="{640887F2-24B6-4F98-BA60-077BFE8087AE}"/>
+              </a:ext>
+            </a:extLst>
+          </p:cNvPr>
+          <p:cNvSpPr/>
+          <p:nvPr/>
+        </p:nvSpPr>
+        <p:spPr>
+          <a:xfrm>
+            <a:off x="0" y="-15333"/>
+            <a:ext cx="12192000" cy="867601"/>
+          </a:xfrm>
+          <a:prstGeom prst="rect">
+            <a:avLst/>
+          </a:prstGeom>
+          <a:solidFill>
+            <a:srgbClr val="003365"/>
+          </a:solidFill>
+          <a:ln w="12700" cap="flat" cmpd="sng" algn="ctr">
+            <a:noFill/>
+            <a:prstDash val="solid"/>
+            <a:miter lim="800000"/>
+          </a:ln>
+          <a:effectLst/>
+        </p:spPr>
+        <p:txBody>
+          <a:bodyPr rtlCol="0" anchor="ctr"/>
+          <a:lstStyle/>
+          <a:p>
+            <a:pPr marL="0" marR="0" lvl="0" indent="0" algn="ctr" defTabSz="914400" eaLnBrk="1" fontAlgn="auto" latinLnBrk="0" hangingPunct="1">
+              <a:lnSpc>
+                <a:spcPct val="100000"/>
+              </a:lnSpc>
+              <a:spcBef>
+                <a:spcPts val="0"/>
+              </a:spcBef>
+              <a:spcAft>
+                <a:spcPts val="0"/>
+              </a:spcAft>
+              <a:buClrTx/>
+              <a:buSzTx/>
+              <a:buFontTx/>
+              <a:buNone/>
+              <a:tabLst/>
+              <a:defRPr/>
+            </a:pPr>
+            <a:endParaRPr kumimoji="0" lang="it-IT" sz="1351" b="0" i="0" u="none" strike="noStrike" kern="0" cap="none" spc="0" normalizeH="0" baseline="0" noProof="0">
+              <a:ln>
+                <a:noFill/>
+              </a:ln>
+              <a:solidFill>
+                <a:prstClr val="white"/>
+              </a:solidFill>
+              <a:effectLst/>
+              <a:uLnTx/>
+              <a:uFillTx/>
+              <a:latin typeface="Calibri"/>
+              <a:ea typeface="+mn-ea"/>
+              <a:cs typeface="+mn-cs"/>
+            </a:endParaRPr>
+          </a:p>
+        </p:txBody>
+      </p:sp>
+      <p:pic>
+        <p:nvPicPr>
+          <p:cNvPr id="6" name="Immagine 5">
+            <a:extLst>
+              <a:ext uri="{FF2B5EF4-FFF2-40B4-BE49-F238E27FC236}">
+                <a16:creationId xmlns:a16="http://schemas.microsoft.com/office/drawing/2014/main" id="{B6ED27F2-31E0-4EB3-8925-57C5F875937F}"/>
+              </a:ext>
+            </a:extLst>
+          </p:cNvPr>
+          <p:cNvPicPr>
+            <a:picLocks noChangeAspect="1"/>
+          </p:cNvPicPr>
+          <p:nvPr/>
+        </p:nvPicPr>
+        <p:blipFill>
+          <a:blip r:embed="rId2">
+            <a:extLst>
+              <a:ext uri="{28A0092B-C50C-407E-A947-70E740481C1C}">
+                <a14:useLocalDpi xmlns:a14="http://schemas.microsoft.com/office/drawing/2010/main" val="0"/>
+              </a:ext>
+            </a:extLst>
+          </a:blip>
+          <a:stretch>
+            <a:fillRect/>
+          </a:stretch>
+        </p:blipFill>
+        <p:spPr>
+          <a:xfrm>
+            <a:off x="0" y="-15333"/>
+            <a:ext cx="8190723" cy="853200"/>
+          </a:xfrm>
+          <a:prstGeom prst="rect">
+            <a:avLst/>
+          </a:prstGeom>
+        </p:spPr>
+      </p:pic>
+      <p:sp>
+        <p:nvSpPr>
+          <p:cNvPr id="7" name="Titolo 9">
+            <a:extLst>
+              <a:ext uri="{FF2B5EF4-FFF2-40B4-BE49-F238E27FC236}">
+                <a16:creationId xmlns:a16="http://schemas.microsoft.com/office/drawing/2014/main" id="{45749890-86AE-4131-97FF-CF8F18E36904}"/>
+              </a:ext>
+            </a:extLst>
+          </p:cNvPr>
+          <p:cNvSpPr txBox="1">
+            <a:spLocks/>
+          </p:cNvSpPr>
+          <p:nvPr/>
+        </p:nvSpPr>
+        <p:spPr>
+          <a:xfrm>
+            <a:off x="-30144" y="-2188"/>
+            <a:ext cx="12113288" cy="848875"/>
+          </a:xfrm>
+          <a:prstGeom prst="rect">
+            <a:avLst/>
+          </a:prstGeom>
+        </p:spPr>
+        <p:txBody>
+          <a:bodyPr vert="horz" lIns="91440" tIns="45720" rIns="91440" bIns="45720" rtlCol="0" anchor="ctr">
+            <a:normAutofit/>
+          </a:bodyPr>
+          <a:lstStyle>
+            <a:lvl1pPr algn="l" defTabSz="914400" rtl="0" eaLnBrk="1" latinLnBrk="0" hangingPunct="1">
+              <a:lnSpc>
+                <a:spcPct val="90000"/>
+              </a:lnSpc>
+              <a:spcBef>
+                <a:spcPct val="0"/>
+              </a:spcBef>
+              <a:buNone/>
+              <a:defRPr sz="4400" kern="1200">
+                <a:solidFill>
+                  <a:schemeClr val="tx1"/>
+                </a:solidFill>
+                <a:latin typeface="+mj-lt"/>
+                <a:ea typeface="+mj-ea"/>
+                <a:cs typeface="+mj-cs"/>
+              </a:defRPr>
+            </a:lvl1pPr>
+          </a:lstStyle>
+          <a:p>
+            <a:pPr marL="0" marR="0" lvl="0" indent="0" algn="r" defTabSz="914400" rtl="0" eaLnBrk="1" fontAlgn="auto" latinLnBrk="0" hangingPunct="1">
+              <a:lnSpc>
+                <a:spcPct val="90000"/>
+              </a:lnSpc>
+              <a:spcBef>
+                <a:spcPct val="0"/>
+              </a:spcBef>
+              <a:spcAft>
+                <a:spcPts val="0"/>
+              </a:spcAft>
+              <a:buClrTx/>
+              <a:buSzTx/>
+              <a:buFontTx/>
+              <a:buNone/>
+              <a:tabLst/>
+              <a:defRPr/>
+            </a:pPr>
+            <a:r>
+              <a:rPr kumimoji="0" lang="it-IT" sz="4200" b="1" i="1" u="none" strike="noStrike" kern="1200" cap="none" spc="0" normalizeH="0" baseline="0" noProof="0" dirty="0">
+                <a:ln>
+                  <a:noFill/>
+                </a:ln>
+                <a:solidFill>
+                  <a:sysClr val="window" lastClr="FFFFFF"/>
+                </a:solidFill>
+                <a:effectLst/>
+                <a:uLnTx/>
+                <a:uFillTx/>
+                <a:latin typeface="Calibri"/>
+                <a:ea typeface="+mj-ea"/>
+                <a:cs typeface="+mj-cs"/>
+              </a:rPr>
               <a:t>Distribution</a:t>
             </a:r>
           </a:p>
@@ -12816,7 +14540,7 @@
 </p:sld>
 </file>
 
-<file path=ppt/slides/slide8.xml><?xml version="1.0" encoding="utf-8"?>
+<file path=ppt/slides/slide9.xml><?xml version="1.0" encoding="utf-8"?>
 <p:sld xmlns:a="http://schemas.openxmlformats.org/drawingml/2006/main" xmlns:r="http://schemas.openxmlformats.org/officeDocument/2006/relationships" xmlns:p="http://schemas.openxmlformats.org/presentationml/2006/main">
   <p:cSld>
     <p:spTree>
@@ -13424,567 +15148,6 @@
 </p:sld>
 </file>
 
-<file path=ppt/slides/slide9.xml><?xml version="1.0" encoding="utf-8"?>
-<p:sld xmlns:a="http://schemas.openxmlformats.org/drawingml/2006/main" xmlns:r="http://schemas.openxmlformats.org/officeDocument/2006/relationships" xmlns:p="http://schemas.openxmlformats.org/presentationml/2006/main">
-  <p:cSld>
-    <p:spTree>
-      <p:nvGrpSpPr>
-        <p:cNvPr id="1" name=""/>
-        <p:cNvGrpSpPr/>
-        <p:nvPr/>
-      </p:nvGrpSpPr>
-      <p:grpSpPr>
-        <a:xfrm>
-          <a:off x="0" y="0"/>
-          <a:ext cx="0" cy="0"/>
-          <a:chOff x="0" y="0"/>
-          <a:chExt cx="0" cy="0"/>
-        </a:xfrm>
-      </p:grpSpPr>
-      <p:sp>
-        <p:nvSpPr>
-          <p:cNvPr id="4" name="Rettangolo 3">
-            <a:extLst>
-              <a:ext uri="{FF2B5EF4-FFF2-40B4-BE49-F238E27FC236}">
-                <a16:creationId xmlns:a16="http://schemas.microsoft.com/office/drawing/2014/main" id="{3234B922-91EB-46D9-ADFB-DE530F10C933}"/>
-              </a:ext>
-            </a:extLst>
-          </p:cNvPr>
-          <p:cNvSpPr/>
-          <p:nvPr/>
-        </p:nvSpPr>
-        <p:spPr>
-          <a:xfrm>
-            <a:off x="0" y="6536887"/>
-            <a:ext cx="12192000" cy="321115"/>
-          </a:xfrm>
-          <a:prstGeom prst="rect">
-            <a:avLst/>
-          </a:prstGeom>
-          <a:solidFill>
-            <a:srgbClr val="003365"/>
-          </a:solidFill>
-        </p:spPr>
-        <p:style>
-          <a:lnRef idx="2">
-            <a:schemeClr val="accent1">
-              <a:shade val="50000"/>
-            </a:schemeClr>
-          </a:lnRef>
-          <a:fillRef idx="1">
-            <a:schemeClr val="accent1"/>
-          </a:fillRef>
-          <a:effectRef idx="0">
-            <a:schemeClr val="accent1"/>
-          </a:effectRef>
-          <a:fontRef idx="minor">
-            <a:schemeClr val="lt1"/>
-          </a:fontRef>
-        </p:style>
-        <p:txBody>
-          <a:bodyPr rtlCol="0" anchor="ctr"/>
-          <a:lstStyle/>
-          <a:p>
-            <a:pPr algn="ctr"/>
-            <a:endParaRPr lang="it-IT" sz="1351" b="1" dirty="0"/>
-          </a:p>
-        </p:txBody>
-      </p:sp>
-      <p:sp>
-        <p:nvSpPr>
-          <p:cNvPr id="5" name="Rettangolo 4">
-            <a:extLst>
-              <a:ext uri="{FF2B5EF4-FFF2-40B4-BE49-F238E27FC236}">
-                <a16:creationId xmlns:a16="http://schemas.microsoft.com/office/drawing/2014/main" id="{640887F2-24B6-4F98-BA60-077BFE8087AE}"/>
-              </a:ext>
-            </a:extLst>
-          </p:cNvPr>
-          <p:cNvSpPr/>
-          <p:nvPr/>
-        </p:nvSpPr>
-        <p:spPr>
-          <a:xfrm>
-            <a:off x="0" y="-15333"/>
-            <a:ext cx="12192000" cy="867601"/>
-          </a:xfrm>
-          <a:prstGeom prst="rect">
-            <a:avLst/>
-          </a:prstGeom>
-          <a:solidFill>
-            <a:srgbClr val="003365"/>
-          </a:solidFill>
-          <a:ln w="12700" cap="flat" cmpd="sng" algn="ctr">
-            <a:noFill/>
-            <a:prstDash val="solid"/>
-            <a:miter lim="800000"/>
-          </a:ln>
-          <a:effectLst/>
-        </p:spPr>
-        <p:txBody>
-          <a:bodyPr rtlCol="0" anchor="ctr"/>
-          <a:lstStyle/>
-          <a:p>
-            <a:pPr marL="0" marR="0" lvl="0" indent="0" algn="ctr" defTabSz="914400" eaLnBrk="1" fontAlgn="auto" latinLnBrk="0" hangingPunct="1">
-              <a:lnSpc>
-                <a:spcPct val="100000"/>
-              </a:lnSpc>
-              <a:spcBef>
-                <a:spcPts val="0"/>
-              </a:spcBef>
-              <a:spcAft>
-                <a:spcPts val="0"/>
-              </a:spcAft>
-              <a:buClrTx/>
-              <a:buSzTx/>
-              <a:buFontTx/>
-              <a:buNone/>
-              <a:tabLst/>
-              <a:defRPr/>
-            </a:pPr>
-            <a:endParaRPr kumimoji="0" lang="it-IT" sz="1351" b="0" i="0" u="none" strike="noStrike" kern="0" cap="none" spc="0" normalizeH="0" baseline="0" noProof="0">
-              <a:ln>
-                <a:noFill/>
-              </a:ln>
-              <a:solidFill>
-                <a:prstClr val="white"/>
-              </a:solidFill>
-              <a:effectLst/>
-              <a:uLnTx/>
-              <a:uFillTx/>
-              <a:latin typeface="Calibri"/>
-              <a:ea typeface="+mn-ea"/>
-              <a:cs typeface="+mn-cs"/>
-            </a:endParaRPr>
-          </a:p>
-        </p:txBody>
-      </p:sp>
-      <p:pic>
-        <p:nvPicPr>
-          <p:cNvPr id="6" name="Immagine 5">
-            <a:extLst>
-              <a:ext uri="{FF2B5EF4-FFF2-40B4-BE49-F238E27FC236}">
-                <a16:creationId xmlns:a16="http://schemas.microsoft.com/office/drawing/2014/main" id="{B6ED27F2-31E0-4EB3-8925-57C5F875937F}"/>
-              </a:ext>
-            </a:extLst>
-          </p:cNvPr>
-          <p:cNvPicPr>
-            <a:picLocks noChangeAspect="1"/>
-          </p:cNvPicPr>
-          <p:nvPr/>
-        </p:nvPicPr>
-        <p:blipFill>
-          <a:blip r:embed="rId2">
-            <a:extLst>
-              <a:ext uri="{28A0092B-C50C-407E-A947-70E740481C1C}">
-                <a14:useLocalDpi xmlns:a14="http://schemas.microsoft.com/office/drawing/2010/main" val="0"/>
-              </a:ext>
-            </a:extLst>
-          </a:blip>
-          <a:stretch>
-            <a:fillRect/>
-          </a:stretch>
-        </p:blipFill>
-        <p:spPr>
-          <a:xfrm>
-            <a:off x="0" y="-15333"/>
-            <a:ext cx="8190723" cy="853200"/>
-          </a:xfrm>
-          <a:prstGeom prst="rect">
-            <a:avLst/>
-          </a:prstGeom>
-        </p:spPr>
-      </p:pic>
-      <p:sp>
-        <p:nvSpPr>
-          <p:cNvPr id="7" name="Titolo 9">
-            <a:extLst>
-              <a:ext uri="{FF2B5EF4-FFF2-40B4-BE49-F238E27FC236}">
-                <a16:creationId xmlns:a16="http://schemas.microsoft.com/office/drawing/2014/main" id="{45749890-86AE-4131-97FF-CF8F18E36904}"/>
-              </a:ext>
-            </a:extLst>
-          </p:cNvPr>
-          <p:cNvSpPr txBox="1">
-            <a:spLocks/>
-          </p:cNvSpPr>
-          <p:nvPr/>
-        </p:nvSpPr>
-        <p:spPr>
-          <a:xfrm>
-            <a:off x="-30144" y="-2188"/>
-            <a:ext cx="12113288" cy="848875"/>
-          </a:xfrm>
-          <a:prstGeom prst="rect">
-            <a:avLst/>
-          </a:prstGeom>
-        </p:spPr>
-        <p:txBody>
-          <a:bodyPr vert="horz" lIns="91440" tIns="45720" rIns="91440" bIns="45720" rtlCol="0" anchor="ctr">
-            <a:normAutofit/>
-          </a:bodyPr>
-          <a:lstStyle>
-            <a:lvl1pPr algn="l" defTabSz="914400" rtl="0" eaLnBrk="1" latinLnBrk="0" hangingPunct="1">
-              <a:lnSpc>
-                <a:spcPct val="90000"/>
-              </a:lnSpc>
-              <a:spcBef>
-                <a:spcPct val="0"/>
-              </a:spcBef>
-              <a:buNone/>
-              <a:defRPr sz="4400" kern="1200">
-                <a:solidFill>
-                  <a:schemeClr val="tx1"/>
-                </a:solidFill>
-                <a:latin typeface="+mj-lt"/>
-                <a:ea typeface="+mj-ea"/>
-                <a:cs typeface="+mj-cs"/>
-              </a:defRPr>
-            </a:lvl1pPr>
-          </a:lstStyle>
-          <a:p>
-            <a:pPr marL="0" marR="0" lvl="0" indent="0" algn="r" defTabSz="914400" rtl="0" eaLnBrk="1" fontAlgn="auto" latinLnBrk="0" hangingPunct="1">
-              <a:lnSpc>
-                <a:spcPct val="90000"/>
-              </a:lnSpc>
-              <a:spcBef>
-                <a:spcPct val="0"/>
-              </a:spcBef>
-              <a:spcAft>
-                <a:spcPts val="0"/>
-              </a:spcAft>
-              <a:buClrTx/>
-              <a:buSzTx/>
-              <a:buFontTx/>
-              <a:buNone/>
-              <a:tabLst/>
-              <a:defRPr/>
-            </a:pPr>
-            <a:r>
-              <a:rPr kumimoji="0" lang="it-IT" sz="4200" b="1" i="1" u="none" strike="noStrike" kern="1200" cap="none" spc="0" normalizeH="0" baseline="0" noProof="0" dirty="0">
-                <a:ln>
-                  <a:noFill/>
-                </a:ln>
-                <a:solidFill>
-                  <a:sysClr val="window" lastClr="FFFFFF"/>
-                </a:solidFill>
-                <a:effectLst/>
-                <a:uLnTx/>
-                <a:uFillTx/>
-                <a:latin typeface="Calibri"/>
-                <a:ea typeface="+mj-ea"/>
-                <a:cs typeface="+mj-cs"/>
-              </a:rPr>
-              <a:t>J</a:t>
-            </a:r>
-            <a:r>
-              <a:rPr lang="it-IT" sz="4200" b="1" i="1" dirty="0">
-                <a:solidFill>
-                  <a:sysClr val="window" lastClr="FFFFFF"/>
-                </a:solidFill>
-                <a:latin typeface="Calibri"/>
-              </a:rPr>
-              <a:t>SON</a:t>
-            </a:r>
-            <a:r>
-              <a:rPr kumimoji="0" lang="it-IT" sz="4200" b="1" i="1" u="none" strike="noStrike" kern="1200" cap="none" spc="0" normalizeH="0" baseline="0" noProof="0" dirty="0">
-                <a:ln>
-                  <a:noFill/>
-                </a:ln>
-                <a:solidFill>
-                  <a:sysClr val="window" lastClr="FFFFFF"/>
-                </a:solidFill>
-                <a:effectLst/>
-                <a:uLnTx/>
-                <a:uFillTx/>
-                <a:latin typeface="Calibri"/>
-                <a:ea typeface="+mj-ea"/>
-                <a:cs typeface="+mj-cs"/>
-              </a:rPr>
-              <a:t> with 0 </a:t>
-            </a:r>
-            <a:r>
-              <a:rPr kumimoji="0" lang="it-IT" sz="4200" b="1" i="1" u="none" strike="noStrike" kern="1200" cap="none" spc="0" normalizeH="0" baseline="0" noProof="0" dirty="0" err="1">
-                <a:ln>
-                  <a:noFill/>
-                </a:ln>
-                <a:solidFill>
-                  <a:sysClr val="window" lastClr="FFFFFF"/>
-                </a:solidFill>
-                <a:effectLst/>
-                <a:uLnTx/>
-                <a:uFillTx/>
-                <a:latin typeface="Calibri"/>
-                <a:ea typeface="+mj-ea"/>
-                <a:cs typeface="+mj-cs"/>
-              </a:rPr>
-              <a:t>tables</a:t>
-            </a:r>
-            <a:endParaRPr kumimoji="0" lang="it-IT" sz="4200" b="1" i="1" u="none" strike="noStrike" kern="1200" cap="none" spc="0" normalizeH="0" baseline="0" noProof="0" dirty="0">
-              <a:ln>
-                <a:noFill/>
-              </a:ln>
-              <a:solidFill>
-                <a:sysClr val="window" lastClr="FFFFFF"/>
-              </a:solidFill>
-              <a:effectLst/>
-              <a:uLnTx/>
-              <a:uFillTx/>
-              <a:latin typeface="Calibri"/>
-              <a:ea typeface="+mj-ea"/>
-              <a:cs typeface="+mj-cs"/>
-            </a:endParaRPr>
-          </a:p>
-        </p:txBody>
-      </p:sp>
-      <p:graphicFrame>
-        <p:nvGraphicFramePr>
-          <p:cNvPr id="2" name="Tabella 2">
-            <a:extLst>
-              <a:ext uri="{FF2B5EF4-FFF2-40B4-BE49-F238E27FC236}">
-                <a16:creationId xmlns:a16="http://schemas.microsoft.com/office/drawing/2014/main" id="{D39E0395-A071-423D-AF22-6DE676604AC0}"/>
-              </a:ext>
-            </a:extLst>
-          </p:cNvPr>
-          <p:cNvGraphicFramePr>
-            <a:graphicFrameLocks noGrp="1"/>
-          </p:cNvGraphicFramePr>
-          <p:nvPr>
-            <p:extLst>
-              <p:ext uri="{D42A27DB-BD31-4B8C-83A1-F6EECF244321}">
-                <p14:modId xmlns:p14="http://schemas.microsoft.com/office/powerpoint/2010/main" val="1298476172"/>
-              </p:ext>
-            </p:extLst>
-          </p:nvPr>
-        </p:nvGraphicFramePr>
-        <p:xfrm>
-          <a:off x="1254650" y="2217208"/>
-          <a:ext cx="9543700" cy="2423584"/>
-        </p:xfrm>
-        <a:graphic>
-          <a:graphicData uri="http://schemas.openxmlformats.org/drawingml/2006/table">
-            <a:tbl>
-              <a:tblPr firstRow="1" bandRow="1">
-                <a:tableStyleId>{5C22544A-7EE6-4342-B048-85BDC9FD1C3A}</a:tableStyleId>
-              </a:tblPr>
-              <a:tblGrid>
-                <a:gridCol w="4771850">
-                  <a:extLst>
-                    <a:ext uri="{9D8B030D-6E8A-4147-A177-3AD203B41FA5}">
-                      <a16:colId xmlns:a16="http://schemas.microsoft.com/office/drawing/2014/main" val="2984667934"/>
-                    </a:ext>
-                  </a:extLst>
-                </a:gridCol>
-                <a:gridCol w="4771850">
-                  <a:extLst>
-                    <a:ext uri="{9D8B030D-6E8A-4147-A177-3AD203B41FA5}">
-                      <a16:colId xmlns:a16="http://schemas.microsoft.com/office/drawing/2014/main" val="3060977030"/>
-                    </a:ext>
-                  </a:extLst>
-                </a:gridCol>
-              </a:tblGrid>
-              <a:tr h="605896">
-                <a:tc>
-                  <a:txBody>
-                    <a:bodyPr/>
-                    <a:lstStyle/>
-                    <a:p>
-                      <a:pPr algn="l"/>
-                      <a:r>
-                        <a:rPr lang="it-IT" sz="2400" dirty="0" err="1"/>
-                        <a:t>Topic</a:t>
-                      </a:r>
-                      <a:endParaRPr lang="it-IT" sz="2400" dirty="0"/>
-                    </a:p>
-                  </a:txBody>
-                  <a:tcPr anchor="ctr"/>
-                </a:tc>
-                <a:tc>
-                  <a:txBody>
-                    <a:bodyPr/>
-                    <a:lstStyle/>
-                    <a:p>
-                      <a:pPr algn="l"/>
-                      <a:r>
-                        <a:rPr lang="it-IT" sz="2400" dirty="0"/>
-                        <a:t># of </a:t>
-                      </a:r>
-                      <a:r>
-                        <a:rPr lang="it-IT" sz="2400" dirty="0" err="1"/>
-                        <a:t>empty</a:t>
-                      </a:r>
-                      <a:r>
-                        <a:rPr lang="it-IT" sz="2400" dirty="0"/>
-                        <a:t> JSON files</a:t>
-                      </a:r>
-                    </a:p>
-                  </a:txBody>
-                  <a:tcPr anchor="ctr"/>
-                </a:tc>
-                <a:extLst>
-                  <a:ext uri="{0D108BD9-81ED-4DB2-BD59-A6C34878D82A}">
-                    <a16:rowId xmlns:a16="http://schemas.microsoft.com/office/drawing/2014/main" val="789778474"/>
-                  </a:ext>
-                </a:extLst>
-              </a:tr>
-              <a:tr h="605896">
-                <a:tc>
-                  <a:txBody>
-                    <a:bodyPr/>
-                    <a:lstStyle/>
-                    <a:p>
-                      <a:pPr algn="l"/>
-                      <a:r>
-                        <a:rPr lang="it-IT" sz="2400" b="0" kern="1200" dirty="0" err="1">
-                          <a:solidFill>
-                            <a:schemeClr val="dk1"/>
-                          </a:solidFill>
-                          <a:effectLst/>
-                        </a:rPr>
-                        <a:t>Retrieval</a:t>
-                      </a:r>
-                      <a:r>
-                        <a:rPr lang="it-IT" sz="2400" b="0" kern="1200" dirty="0">
-                          <a:solidFill>
-                            <a:schemeClr val="dk1"/>
-                          </a:solidFill>
-                          <a:effectLst/>
-                        </a:rPr>
-                        <a:t> </a:t>
-                      </a:r>
-                      <a:r>
-                        <a:rPr lang="it-IT" sz="2400" b="0" kern="1200" dirty="0" err="1">
-                          <a:solidFill>
-                            <a:schemeClr val="dk1"/>
-                          </a:solidFill>
-                          <a:effectLst/>
-                        </a:rPr>
-                        <a:t>Augmented</a:t>
-                      </a:r>
-                      <a:r>
-                        <a:rPr lang="it-IT" sz="2400" b="0" kern="1200" dirty="0">
-                          <a:solidFill>
-                            <a:schemeClr val="dk1"/>
-                          </a:solidFill>
-                          <a:effectLst/>
-                        </a:rPr>
-                        <a:t> Generation</a:t>
-                      </a:r>
-                      <a:endParaRPr lang="it-IT" sz="2400" dirty="0"/>
-                    </a:p>
-                  </a:txBody>
-                  <a:tcPr anchor="ctr"/>
-                </a:tc>
-                <a:tc>
-                  <a:txBody>
-                    <a:bodyPr/>
-                    <a:lstStyle/>
-                    <a:p>
-                      <a:pPr algn="l"/>
-                      <a:r>
-                        <a:rPr lang="it-IT" sz="2400" dirty="0"/>
-                        <a:t>14</a:t>
-                      </a:r>
-                    </a:p>
-                  </a:txBody>
-                  <a:tcPr anchor="ctr"/>
-                </a:tc>
-                <a:extLst>
-                  <a:ext uri="{0D108BD9-81ED-4DB2-BD59-A6C34878D82A}">
-                    <a16:rowId xmlns:a16="http://schemas.microsoft.com/office/drawing/2014/main" val="2415826370"/>
-                  </a:ext>
-                </a:extLst>
-              </a:tr>
-              <a:tr h="605896">
-                <a:tc>
-                  <a:txBody>
-                    <a:bodyPr/>
-                    <a:lstStyle/>
-                    <a:p>
-                      <a:pPr algn="l"/>
-                      <a:r>
-                        <a:rPr lang="it-IT" sz="2400" dirty="0"/>
-                        <a:t>Data Fusion</a:t>
-                      </a:r>
-                    </a:p>
-                  </a:txBody>
-                  <a:tcPr anchor="ctr"/>
-                </a:tc>
-                <a:tc>
-                  <a:txBody>
-                    <a:bodyPr/>
-                    <a:lstStyle/>
-                    <a:p>
-                      <a:pPr algn="l"/>
-                      <a:r>
-                        <a:rPr lang="it-IT" sz="2400" dirty="0"/>
-                        <a:t>7</a:t>
-                      </a:r>
-                    </a:p>
-                  </a:txBody>
-                  <a:tcPr anchor="ctr"/>
-                </a:tc>
-                <a:extLst>
-                  <a:ext uri="{0D108BD9-81ED-4DB2-BD59-A6C34878D82A}">
-                    <a16:rowId xmlns:a16="http://schemas.microsoft.com/office/drawing/2014/main" val="1107241392"/>
-                  </a:ext>
-                </a:extLst>
-              </a:tr>
-              <a:tr h="605896">
-                <a:tc>
-                  <a:txBody>
-                    <a:bodyPr/>
-                    <a:lstStyle/>
-                    <a:p>
-                      <a:pPr algn="l"/>
-                      <a:r>
-                        <a:rPr lang="it-IT" sz="2400" dirty="0"/>
-                        <a:t>Data </a:t>
-                      </a:r>
-                      <a:r>
-                        <a:rPr lang="it-IT" sz="2400" dirty="0" err="1"/>
-                        <a:t>Cleaning</a:t>
-                      </a:r>
-                      <a:endParaRPr lang="it-IT" sz="2400" dirty="0"/>
-                    </a:p>
-                  </a:txBody>
-                  <a:tcPr anchor="ctr"/>
-                </a:tc>
-                <a:tc>
-                  <a:txBody>
-                    <a:bodyPr/>
-                    <a:lstStyle/>
-                    <a:p>
-                      <a:pPr algn="l"/>
-                      <a:r>
-                        <a:rPr lang="it-IT" sz="2400" dirty="0"/>
-                        <a:t>1</a:t>
-                      </a:r>
-                    </a:p>
-                  </a:txBody>
-                  <a:tcPr anchor="ctr"/>
-                </a:tc>
-                <a:extLst>
-                  <a:ext uri="{0D108BD9-81ED-4DB2-BD59-A6C34878D82A}">
-                    <a16:rowId xmlns:a16="http://schemas.microsoft.com/office/drawing/2014/main" val="1669083752"/>
-                  </a:ext>
-                </a:extLst>
-              </a:tr>
-            </a:tbl>
-          </a:graphicData>
-        </a:graphic>
-      </p:graphicFrame>
-    </p:spTree>
-    <p:extLst>
-      <p:ext uri="{BB962C8B-B14F-4D97-AF65-F5344CB8AC3E}">
-        <p14:creationId xmlns:p14="http://schemas.microsoft.com/office/powerpoint/2010/main" val="450941162"/>
-      </p:ext>
-    </p:extLst>
-  </p:cSld>
-  <p:clrMapOvr>
-    <a:masterClrMapping/>
-  </p:clrMapOvr>
-</p:sld>
-</file>
-
 <file path=ppt/theme/theme1.xml><?xml version="1.0" encoding="utf-8"?>
 <a:theme xmlns:a="http://schemas.openxmlformats.org/drawingml/2006/main" name="Tema di Office">
   <a:themeElements>

--- a/homework1/Homework1.pptx
+++ b/homework1/Homework1.pptx
@@ -134,6 +134,7 @@
 <p1510:revInfo xmlns:a="http://schemas.openxmlformats.org/drawingml/2006/main" xmlns:r="http://schemas.openxmlformats.org/officeDocument/2006/relationships" xmlns:p1510="http://schemas.microsoft.com/office/powerpoint/2015/10/main">
   <p1510:revLst>
     <p1510:client id="{4E42692F-D7AF-05A9-2D20-AB66242CD443}" v="1228" dt="2024-10-18T19:35:03.773"/>
+    <p1510:client id="{CF6E285A-BDDB-AD87-80B6-37A32D2E3C57}" v="25" dt="2024-10-18T19:53:41.979"/>
   </p1510:revLst>
 </p1510:revInfo>
 </file>
@@ -6728,7 +6729,7 @@
           <p:nvPr>
             <p:extLst>
               <p:ext uri="{D42A27DB-BD31-4B8C-83A1-F6EECF244321}">
-                <p14:modId xmlns:p14="http://schemas.microsoft.com/office/powerpoint/2010/main" val="147843691"/>
+                <p14:modId xmlns:p14="http://schemas.microsoft.com/office/powerpoint/2010/main" val="2176965936"/>
               </p:ext>
             </p:extLst>
           </p:nvPr>
@@ -6855,7 +6856,7 @@
                       <a:pPr algn="l"/>
                       <a:r>
                         <a:rPr lang="it-IT" sz="2400" u="none" dirty="0"/>
-                        <a:t>24,77%</a:t>
+                        <a:t>58,06%</a:t>
                       </a:r>
                     </a:p>
                   </a:txBody>
@@ -6927,11 +6928,19 @@
                     <a:bodyPr/>
                     <a:lstStyle/>
                     <a:p>
-                      <a:pPr algn="l"/>
+                      <a:pPr lvl="0" algn="l">
+                        <a:buNone/>
+                      </a:pPr>
                       <a:r>
-                        <a:rPr lang="it-IT" sz="2400" dirty="0"/>
-                        <a:t>58,06%</a:t>
+                        <a:rPr lang="it-IT" sz="2400" b="0" i="0" u="none" strike="noStrike" noProof="0" dirty="0">
+                          <a:solidFill>
+                            <a:srgbClr val="000000"/>
+                          </a:solidFill>
+                          <a:latin typeface="Calibri"/>
+                        </a:rPr>
+                        <a:t>24,77%</a:t>
                       </a:r>
+                      <a:endParaRPr lang="it-IT" dirty="0"/>
                     </a:p>
                   </a:txBody>
                   <a:tcPr anchor="ctr"/>
